--- a/SCC-version1.1/introduction_text.pptx
+++ b/SCC-version1.1/introduction_text.pptx
@@ -8,14 +8,14 @@
     <p:notesMasterId r:id="rId13"/>
   </p:notesMasterIdLst>
   <p:sldIdLst>
-    <p:sldId id="270" r:id="rId2"/>
-    <p:sldId id="272" r:id="rId3"/>
-    <p:sldId id="276" r:id="rId4"/>
-    <p:sldId id="273" r:id="rId5"/>
-    <p:sldId id="274" r:id="rId6"/>
-    <p:sldId id="282" r:id="rId7"/>
-    <p:sldId id="278" r:id="rId8"/>
-    <p:sldId id="279" r:id="rId9"/>
+    <p:sldId id="278" r:id="rId2"/>
+    <p:sldId id="279" r:id="rId3"/>
+    <p:sldId id="270" r:id="rId4"/>
+    <p:sldId id="272" r:id="rId5"/>
+    <p:sldId id="276" r:id="rId6"/>
+    <p:sldId id="273" r:id="rId7"/>
+    <p:sldId id="274" r:id="rId8"/>
+    <p:sldId id="282" r:id="rId9"/>
     <p:sldId id="280" r:id="rId10"/>
     <p:sldId id="281" r:id="rId11"/>
     <p:sldId id="277" r:id="rId12"/>
@@ -207,7 +207,7 @@
           <a:p>
             <a:fld id="{C0546B5F-B17E-4A11-A9CD-A10C644EC78D}" type="datetimeFigureOut">
               <a:rPr lang="zh-CN" altLang="en-US" smtClean="0"/>
-              <a:t>2024/9/24</a:t>
+              <a:t>2024/10/1</a:t>
             </a:fld>
             <a:endParaRPr lang="zh-CN" altLang="en-US"/>
           </a:p>
@@ -548,7 +548,7 @@
     </p:spTree>
     <p:extLst>
       <p:ext uri="{BB962C8B-B14F-4D97-AF65-F5344CB8AC3E}">
-        <p14:creationId xmlns:p14="http://schemas.microsoft.com/office/powerpoint/2010/main" val="1184795264"/>
+        <p14:creationId xmlns:p14="http://schemas.microsoft.com/office/powerpoint/2010/main" val="3345265676"/>
       </p:ext>
     </p:extLst>
   </p:cSld>
@@ -632,7 +632,7 @@
     </p:spTree>
     <p:extLst>
       <p:ext uri="{BB962C8B-B14F-4D97-AF65-F5344CB8AC3E}">
-        <p14:creationId xmlns:p14="http://schemas.microsoft.com/office/powerpoint/2010/main" val="3027442788"/>
+        <p14:creationId xmlns:p14="http://schemas.microsoft.com/office/powerpoint/2010/main" val="2466892220"/>
       </p:ext>
     </p:extLst>
   </p:cSld>
@@ -716,7 +716,7 @@
     </p:spTree>
     <p:extLst>
       <p:ext uri="{BB962C8B-B14F-4D97-AF65-F5344CB8AC3E}">
-        <p14:creationId xmlns:p14="http://schemas.microsoft.com/office/powerpoint/2010/main" val="208957997"/>
+        <p14:creationId xmlns:p14="http://schemas.microsoft.com/office/powerpoint/2010/main" val="1184795264"/>
       </p:ext>
     </p:extLst>
   </p:cSld>
@@ -800,7 +800,7 @@
     </p:spTree>
     <p:extLst>
       <p:ext uri="{BB962C8B-B14F-4D97-AF65-F5344CB8AC3E}">
-        <p14:creationId xmlns:p14="http://schemas.microsoft.com/office/powerpoint/2010/main" val="3167693218"/>
+        <p14:creationId xmlns:p14="http://schemas.microsoft.com/office/powerpoint/2010/main" val="3027442788"/>
       </p:ext>
     </p:extLst>
   </p:cSld>
@@ -884,7 +884,7 @@
     </p:spTree>
     <p:extLst>
       <p:ext uri="{BB962C8B-B14F-4D97-AF65-F5344CB8AC3E}">
-        <p14:creationId xmlns:p14="http://schemas.microsoft.com/office/powerpoint/2010/main" val="2987064198"/>
+        <p14:creationId xmlns:p14="http://schemas.microsoft.com/office/powerpoint/2010/main" val="208957997"/>
       </p:ext>
     </p:extLst>
   </p:cSld>
@@ -959,7 +959,7 @@
           <a:p>
             <a:fld id="{19214DBA-04C0-4AE0-9391-D985D3AC6701}" type="slidenum">
               <a:rPr lang="zh-CN" altLang="en-US" smtClean="0"/>
-              <a:t>7</a:t>
+              <a:t>6</a:t>
             </a:fld>
             <a:endParaRPr lang="zh-CN" altLang="en-US"/>
           </a:p>
@@ -968,7 +968,7 @@
     </p:spTree>
     <p:extLst>
       <p:ext uri="{BB962C8B-B14F-4D97-AF65-F5344CB8AC3E}">
-        <p14:creationId xmlns:p14="http://schemas.microsoft.com/office/powerpoint/2010/main" val="2548732314"/>
+        <p14:creationId xmlns:p14="http://schemas.microsoft.com/office/powerpoint/2010/main" val="3167693218"/>
       </p:ext>
     </p:extLst>
   </p:cSld>
@@ -1043,7 +1043,7 @@
           <a:p>
             <a:fld id="{19214DBA-04C0-4AE0-9391-D985D3AC6701}" type="slidenum">
               <a:rPr lang="zh-CN" altLang="en-US" smtClean="0"/>
-              <a:t>8</a:t>
+              <a:t>7</a:t>
             </a:fld>
             <a:endParaRPr lang="zh-CN" altLang="en-US"/>
           </a:p>
@@ -1052,7 +1052,7 @@
     </p:spTree>
     <p:extLst>
       <p:ext uri="{BB962C8B-B14F-4D97-AF65-F5344CB8AC3E}">
-        <p14:creationId xmlns:p14="http://schemas.microsoft.com/office/powerpoint/2010/main" val="623783062"/>
+        <p14:creationId xmlns:p14="http://schemas.microsoft.com/office/powerpoint/2010/main" val="2987064198"/>
       </p:ext>
     </p:extLst>
   </p:cSld>
@@ -1377,7 +1377,7 @@
           <a:p>
             <a:fld id="{22C6D5CB-9E91-4D8B-8A6F-E7E64CE5E759}" type="datetimeFigureOut">
               <a:rPr lang="zh-CN" altLang="en-US" smtClean="0"/>
-              <a:t>2024/9/24</a:t>
+              <a:t>2024/10/1</a:t>
             </a:fld>
             <a:endParaRPr lang="zh-CN" altLang="en-US"/>
           </a:p>
@@ -1575,7 +1575,7 @@
           <a:p>
             <a:fld id="{22C6D5CB-9E91-4D8B-8A6F-E7E64CE5E759}" type="datetimeFigureOut">
               <a:rPr lang="zh-CN" altLang="en-US" smtClean="0"/>
-              <a:t>2024/9/24</a:t>
+              <a:t>2024/10/1</a:t>
             </a:fld>
             <a:endParaRPr lang="zh-CN" altLang="en-US"/>
           </a:p>
@@ -1783,7 +1783,7 @@
           <a:p>
             <a:fld id="{22C6D5CB-9E91-4D8B-8A6F-E7E64CE5E759}" type="datetimeFigureOut">
               <a:rPr lang="zh-CN" altLang="en-US" smtClean="0"/>
-              <a:t>2024/9/24</a:t>
+              <a:t>2024/10/1</a:t>
             </a:fld>
             <a:endParaRPr lang="zh-CN" altLang="en-US"/>
           </a:p>
@@ -1981,7 +1981,7 @@
           <a:p>
             <a:fld id="{22C6D5CB-9E91-4D8B-8A6F-E7E64CE5E759}" type="datetimeFigureOut">
               <a:rPr lang="zh-CN" altLang="en-US" smtClean="0"/>
-              <a:t>2024/9/24</a:t>
+              <a:t>2024/10/1</a:t>
             </a:fld>
             <a:endParaRPr lang="zh-CN" altLang="en-US"/>
           </a:p>
@@ -2256,7 +2256,7 @@
           <a:p>
             <a:fld id="{22C6D5CB-9E91-4D8B-8A6F-E7E64CE5E759}" type="datetimeFigureOut">
               <a:rPr lang="zh-CN" altLang="en-US" smtClean="0"/>
-              <a:t>2024/9/24</a:t>
+              <a:t>2024/10/1</a:t>
             </a:fld>
             <a:endParaRPr lang="zh-CN" altLang="en-US"/>
           </a:p>
@@ -2521,7 +2521,7 @@
           <a:p>
             <a:fld id="{22C6D5CB-9E91-4D8B-8A6F-E7E64CE5E759}" type="datetimeFigureOut">
               <a:rPr lang="zh-CN" altLang="en-US" smtClean="0"/>
-              <a:t>2024/9/24</a:t>
+              <a:t>2024/10/1</a:t>
             </a:fld>
             <a:endParaRPr lang="zh-CN" altLang="en-US"/>
           </a:p>
@@ -2933,7 +2933,7 @@
           <a:p>
             <a:fld id="{22C6D5CB-9E91-4D8B-8A6F-E7E64CE5E759}" type="datetimeFigureOut">
               <a:rPr lang="zh-CN" altLang="en-US" smtClean="0"/>
-              <a:t>2024/9/24</a:t>
+              <a:t>2024/10/1</a:t>
             </a:fld>
             <a:endParaRPr lang="zh-CN" altLang="en-US"/>
           </a:p>
@@ -3074,7 +3074,7 @@
           <a:p>
             <a:fld id="{22C6D5CB-9E91-4D8B-8A6F-E7E64CE5E759}" type="datetimeFigureOut">
               <a:rPr lang="zh-CN" altLang="en-US" smtClean="0"/>
-              <a:t>2024/9/24</a:t>
+              <a:t>2024/10/1</a:t>
             </a:fld>
             <a:endParaRPr lang="zh-CN" altLang="en-US"/>
           </a:p>
@@ -3187,7 +3187,7 @@
           <a:p>
             <a:fld id="{22C6D5CB-9E91-4D8B-8A6F-E7E64CE5E759}" type="datetimeFigureOut">
               <a:rPr lang="zh-CN" altLang="en-US" smtClean="0"/>
-              <a:t>2024/9/24</a:t>
+              <a:t>2024/10/1</a:t>
             </a:fld>
             <a:endParaRPr lang="zh-CN" altLang="en-US"/>
           </a:p>
@@ -3498,7 +3498,7 @@
           <a:p>
             <a:fld id="{22C6D5CB-9E91-4D8B-8A6F-E7E64CE5E759}" type="datetimeFigureOut">
               <a:rPr lang="zh-CN" altLang="en-US" smtClean="0"/>
-              <a:t>2024/9/24</a:t>
+              <a:t>2024/10/1</a:t>
             </a:fld>
             <a:endParaRPr lang="zh-CN" altLang="en-US"/>
           </a:p>
@@ -3786,7 +3786,7 @@
           <a:p>
             <a:fld id="{22C6D5CB-9E91-4D8B-8A6F-E7E64CE5E759}" type="datetimeFigureOut">
               <a:rPr lang="zh-CN" altLang="en-US" smtClean="0"/>
-              <a:t>2024/9/24</a:t>
+              <a:t>2024/10/1</a:t>
             </a:fld>
             <a:endParaRPr lang="zh-CN" altLang="en-US"/>
           </a:p>
@@ -4027,7 +4027,7 @@
           <a:p>
             <a:fld id="{22C6D5CB-9E91-4D8B-8A6F-E7E64CE5E759}" type="datetimeFigureOut">
               <a:rPr lang="zh-CN" altLang="en-US" smtClean="0"/>
-              <a:t>2024/9/24</a:t>
+              <a:t>2024/10/1</a:t>
             </a:fld>
             <a:endParaRPr lang="zh-CN" altLang="en-US"/>
           </a:p>
@@ -4446,6 +4446,2424 @@
       </p:grpSpPr>
       <p:grpSp>
         <p:nvGrpSpPr>
+          <p:cNvPr id="39" name="组合 18">
+            <a:extLst>
+              <a:ext uri="{FF2B5EF4-FFF2-40B4-BE49-F238E27FC236}">
+                <a16:creationId xmlns:a16="http://schemas.microsoft.com/office/drawing/2014/main" id="{36DF17D2-1A90-10B7-C263-C89FAE0CC038}"/>
+              </a:ext>
+            </a:extLst>
+          </p:cNvPr>
+          <p:cNvGrpSpPr/>
+          <p:nvPr/>
+        </p:nvGrpSpPr>
+        <p:grpSpPr>
+          <a:xfrm>
+            <a:off x="2560071" y="474380"/>
+            <a:ext cx="6445706" cy="6224131"/>
+            <a:chOff x="1650608" y="-450168"/>
+            <a:chExt cx="6445706" cy="6224131"/>
+          </a:xfrm>
+        </p:grpSpPr>
+        <p:sp>
+          <p:nvSpPr>
+            <p:cNvPr id="40" name="矩形 16">
+              <a:extLst>
+                <a:ext uri="{FF2B5EF4-FFF2-40B4-BE49-F238E27FC236}">
+                  <a16:creationId xmlns:a16="http://schemas.microsoft.com/office/drawing/2014/main" id="{4B1C7BD1-3EBF-694D-7EE9-84319AEB83ED}"/>
+                </a:ext>
+              </a:extLst>
+            </p:cNvPr>
+            <p:cNvSpPr/>
+            <p:nvPr/>
+          </p:nvSpPr>
+          <p:spPr>
+            <a:xfrm>
+              <a:off x="1650608" y="-450168"/>
+              <a:ext cx="6445706" cy="6224131"/>
+            </a:xfrm>
+            <a:prstGeom prst="rect">
+              <a:avLst/>
+            </a:prstGeom>
+            <a:solidFill>
+              <a:srgbClr val="B0D2A0"/>
+            </a:solidFill>
+            <a:ln>
+              <a:solidFill>
+                <a:srgbClr val="B0D2A0"/>
+              </a:solidFill>
+            </a:ln>
+          </p:spPr>
+          <p:style>
+            <a:lnRef idx="2">
+              <a:schemeClr val="accent1">
+                <a:shade val="50000"/>
+              </a:schemeClr>
+            </a:lnRef>
+            <a:fillRef idx="1">
+              <a:schemeClr val="accent1"/>
+            </a:fillRef>
+            <a:effectRef idx="0">
+              <a:schemeClr val="accent1"/>
+            </a:effectRef>
+            <a:fontRef idx="minor">
+              <a:schemeClr val="lt1"/>
+            </a:fontRef>
+          </p:style>
+          <p:txBody>
+            <a:bodyPr rtlCol="0" anchor="ctr"/>
+            <a:lstStyle/>
+            <a:p>
+              <a:endParaRPr lang="en-US" altLang="zh-CN" sz="2000" dirty="0">
+                <a:solidFill>
+                  <a:schemeClr val="tx1"/>
+                </a:solidFill>
+                <a:latin typeface="楷体" panose="02010609060101010101" pitchFamily="49" charset="-122"/>
+                <a:ea typeface="楷体" panose="02010609060101010101" pitchFamily="49" charset="-122"/>
+              </a:endParaRPr>
+            </a:p>
+          </p:txBody>
+        </p:sp>
+        <p:sp>
+          <p:nvSpPr>
+            <p:cNvPr id="41" name="矩形 12">
+              <a:extLst>
+                <a:ext uri="{FF2B5EF4-FFF2-40B4-BE49-F238E27FC236}">
+                  <a16:creationId xmlns:a16="http://schemas.microsoft.com/office/drawing/2014/main" id="{3968E8BF-9934-560D-4750-09E444E67C87}"/>
+                </a:ext>
+              </a:extLst>
+            </p:cNvPr>
+            <p:cNvSpPr/>
+            <p:nvPr/>
+          </p:nvSpPr>
+          <p:spPr>
+            <a:xfrm>
+              <a:off x="1650609" y="-450167"/>
+              <a:ext cx="6243126" cy="5909237"/>
+            </a:xfrm>
+            <a:prstGeom prst="rect">
+              <a:avLst/>
+            </a:prstGeom>
+            <a:solidFill>
+              <a:srgbClr val="B0D2A0"/>
+            </a:solidFill>
+            <a:ln>
+              <a:solidFill>
+                <a:srgbClr val="B0D2A0"/>
+              </a:solidFill>
+            </a:ln>
+          </p:spPr>
+          <p:style>
+            <a:lnRef idx="2">
+              <a:schemeClr val="accent1">
+                <a:shade val="50000"/>
+              </a:schemeClr>
+            </a:lnRef>
+            <a:fillRef idx="1">
+              <a:schemeClr val="accent1"/>
+            </a:fillRef>
+            <a:effectRef idx="0">
+              <a:schemeClr val="accent1"/>
+            </a:effectRef>
+            <a:fontRef idx="minor">
+              <a:schemeClr val="lt1"/>
+            </a:fontRef>
+          </p:style>
+          <p:txBody>
+            <a:bodyPr rtlCol="0" anchor="ctr"/>
+            <a:lstStyle/>
+            <a:p>
+              <a:pPr rtl="0">
+                <a:spcBef>
+                  <a:spcPts val="0"/>
+                </a:spcBef>
+                <a:spcAft>
+                  <a:spcPts val="0"/>
+                </a:spcAft>
+              </a:pPr>
+              <a:endParaRPr lang="en-US" sz="1800" b="0" i="0" u="none" strike="noStrike" dirty="0">
+                <a:solidFill>
+                  <a:srgbClr val="000000"/>
+                </a:solidFill>
+                <a:effectLst/>
+                <a:latin typeface="Arial" panose="020B0604020202020204" pitchFamily="34" charset="0"/>
+              </a:endParaRPr>
+            </a:p>
+            <a:p>
+              <a:pPr rtl="0">
+                <a:spcBef>
+                  <a:spcPts val="0"/>
+                </a:spcBef>
+                <a:spcAft>
+                  <a:spcPts val="0"/>
+                </a:spcAft>
+              </a:pPr>
+              <a:endParaRPr lang="en-US" dirty="0">
+                <a:solidFill>
+                  <a:srgbClr val="000000"/>
+                </a:solidFill>
+                <a:latin typeface="Arial" panose="020B0604020202020204" pitchFamily="34" charset="0"/>
+              </a:endParaRPr>
+            </a:p>
+            <a:p>
+              <a:pPr rtl="0">
+                <a:spcBef>
+                  <a:spcPts val="0"/>
+                </a:spcBef>
+                <a:spcAft>
+                  <a:spcPts val="0"/>
+                </a:spcAft>
+              </a:pPr>
+              <a:endParaRPr lang="en-US" sz="1800" b="0" i="0" u="none" strike="noStrike" dirty="0">
+                <a:solidFill>
+                  <a:srgbClr val="000000"/>
+                </a:solidFill>
+                <a:effectLst/>
+                <a:latin typeface="Arial" panose="020B0604020202020204" pitchFamily="34" charset="0"/>
+              </a:endParaRPr>
+            </a:p>
+            <a:p>
+              <a:endParaRPr lang="en-US" sz="1800" b="0" i="0" u="none" strike="noStrike" dirty="0">
+                <a:solidFill>
+                  <a:srgbClr val="000000"/>
+                </a:solidFill>
+                <a:effectLst/>
+                <a:latin typeface="Arial" panose="020B0604020202020204" pitchFamily="34" charset="0"/>
+              </a:endParaRPr>
+            </a:p>
+            <a:p>
+              <a:endParaRPr lang="en-US" sz="1800" b="0" i="0" u="none" strike="noStrike" dirty="0">
+                <a:solidFill>
+                  <a:srgbClr val="000000"/>
+                </a:solidFill>
+                <a:effectLst/>
+                <a:latin typeface="Arial" panose="020B0604020202020204" pitchFamily="34" charset="0"/>
+              </a:endParaRPr>
+            </a:p>
+            <a:p>
+              <a:pPr rtl="0">
+                <a:spcBef>
+                  <a:spcPts val="0"/>
+                </a:spcBef>
+                <a:spcAft>
+                  <a:spcPts val="0"/>
+                </a:spcAft>
+              </a:pPr>
+              <a:endParaRPr lang="en-US" dirty="0">
+                <a:solidFill>
+                  <a:srgbClr val="000000"/>
+                </a:solidFill>
+                <a:latin typeface="Arial" panose="020B0604020202020204" pitchFamily="34" charset="0"/>
+              </a:endParaRPr>
+            </a:p>
+            <a:p>
+              <a:pPr rtl="0">
+                <a:spcBef>
+                  <a:spcPts val="0"/>
+                </a:spcBef>
+                <a:spcAft>
+                  <a:spcPts val="0"/>
+                </a:spcAft>
+              </a:pPr>
+              <a:endParaRPr lang="en-US" sz="1800" b="0" i="0" u="none" strike="noStrike" dirty="0">
+                <a:solidFill>
+                  <a:srgbClr val="000000"/>
+                </a:solidFill>
+                <a:effectLst/>
+                <a:latin typeface="Arial" panose="020B0604020202020204" pitchFamily="34" charset="0"/>
+              </a:endParaRPr>
+            </a:p>
+            <a:p>
+              <a:pPr rtl="0">
+                <a:spcBef>
+                  <a:spcPts val="0"/>
+                </a:spcBef>
+                <a:spcAft>
+                  <a:spcPts val="0"/>
+                </a:spcAft>
+              </a:pPr>
+              <a:endParaRPr lang="en-US" dirty="0">
+                <a:solidFill>
+                  <a:srgbClr val="000000"/>
+                </a:solidFill>
+                <a:latin typeface="Arial" panose="020B0604020202020204" pitchFamily="34" charset="0"/>
+              </a:endParaRPr>
+            </a:p>
+            <a:p>
+              <a:pPr rtl="0">
+                <a:spcBef>
+                  <a:spcPts val="0"/>
+                </a:spcBef>
+                <a:spcAft>
+                  <a:spcPts val="0"/>
+                </a:spcAft>
+              </a:pPr>
+              <a:endParaRPr lang="en-US" sz="1800" b="0" i="0" u="none" strike="noStrike" dirty="0">
+                <a:solidFill>
+                  <a:srgbClr val="000000"/>
+                </a:solidFill>
+                <a:effectLst/>
+                <a:latin typeface="Arial" panose="020B0604020202020204" pitchFamily="34" charset="0"/>
+              </a:endParaRPr>
+            </a:p>
+            <a:p>
+              <a:pPr rtl="0">
+                <a:spcBef>
+                  <a:spcPts val="0"/>
+                </a:spcBef>
+                <a:spcAft>
+                  <a:spcPts val="0"/>
+                </a:spcAft>
+              </a:pPr>
+              <a:endParaRPr lang="en-US" dirty="0">
+                <a:solidFill>
+                  <a:srgbClr val="000000"/>
+                </a:solidFill>
+                <a:latin typeface="Arial" panose="020B0604020202020204" pitchFamily="34" charset="0"/>
+              </a:endParaRPr>
+            </a:p>
+            <a:p>
+              <a:pPr rtl="0">
+                <a:spcBef>
+                  <a:spcPts val="0"/>
+                </a:spcBef>
+                <a:spcAft>
+                  <a:spcPts val="0"/>
+                </a:spcAft>
+              </a:pPr>
+              <a:endParaRPr lang="en-US" sz="1800" b="0" i="0" u="none" strike="noStrike" dirty="0">
+                <a:solidFill>
+                  <a:srgbClr val="000000"/>
+                </a:solidFill>
+                <a:effectLst/>
+                <a:latin typeface="Arial" panose="020B0604020202020204" pitchFamily="34" charset="0"/>
+              </a:endParaRPr>
+            </a:p>
+            <a:p>
+              <a:pPr rtl="0">
+                <a:spcBef>
+                  <a:spcPts val="0"/>
+                </a:spcBef>
+                <a:spcAft>
+                  <a:spcPts val="0"/>
+                </a:spcAft>
+              </a:pPr>
+              <a:endParaRPr lang="en-US" dirty="0">
+                <a:solidFill>
+                  <a:srgbClr val="000000"/>
+                </a:solidFill>
+                <a:latin typeface="Arial" panose="020B0604020202020204" pitchFamily="34" charset="0"/>
+              </a:endParaRPr>
+            </a:p>
+            <a:p>
+              <a:pPr rtl="0">
+                <a:spcBef>
+                  <a:spcPts val="0"/>
+                </a:spcBef>
+                <a:spcAft>
+                  <a:spcPts val="0"/>
+                </a:spcAft>
+              </a:pPr>
+              <a:endParaRPr lang="en-US" sz="1800" b="0" i="0" u="none" strike="noStrike" dirty="0">
+                <a:solidFill>
+                  <a:srgbClr val="000000"/>
+                </a:solidFill>
+                <a:effectLst/>
+                <a:latin typeface="Arial" panose="020B0604020202020204" pitchFamily="34" charset="0"/>
+              </a:endParaRPr>
+            </a:p>
+            <a:p>
+              <a:pPr rtl="0">
+                <a:spcBef>
+                  <a:spcPts val="0"/>
+                </a:spcBef>
+                <a:spcAft>
+                  <a:spcPts val="0"/>
+                </a:spcAft>
+              </a:pPr>
+              <a:endParaRPr lang="en-US" dirty="0">
+                <a:solidFill>
+                  <a:srgbClr val="000000"/>
+                </a:solidFill>
+                <a:latin typeface="Arial" panose="020B0604020202020204" pitchFamily="34" charset="0"/>
+              </a:endParaRPr>
+            </a:p>
+            <a:p>
+              <a:pPr rtl="0">
+                <a:spcBef>
+                  <a:spcPts val="0"/>
+                </a:spcBef>
+                <a:spcAft>
+                  <a:spcPts val="0"/>
+                </a:spcAft>
+              </a:pPr>
+              <a:endParaRPr lang="en-US" dirty="0">
+                <a:solidFill>
+                  <a:srgbClr val="000000"/>
+                </a:solidFill>
+                <a:latin typeface="Arial" panose="020B0604020202020204" pitchFamily="34" charset="0"/>
+              </a:endParaRPr>
+            </a:p>
+            <a:p>
+              <a:pPr rtl="0">
+                <a:spcBef>
+                  <a:spcPts val="0"/>
+                </a:spcBef>
+                <a:spcAft>
+                  <a:spcPts val="0"/>
+                </a:spcAft>
+              </a:pPr>
+              <a:r>
+                <a:rPr lang="en-US" sz="1800" b="0" i="0" u="none" strike="noStrike" dirty="0">
+                  <a:solidFill>
+                    <a:srgbClr val="000000"/>
+                  </a:solidFill>
+                  <a:effectLst/>
+                  <a:latin typeface="Arial" panose="020B0604020202020204" pitchFamily="34" charset="0"/>
+                </a:rPr>
+                <a:t> </a:t>
+              </a:r>
+            </a:p>
+            <a:p>
+              <a:pPr rtl="0">
+                <a:spcBef>
+                  <a:spcPts val="0"/>
+                </a:spcBef>
+                <a:spcAft>
+                  <a:spcPts val="0"/>
+                </a:spcAft>
+              </a:pPr>
+              <a:endParaRPr lang="en-US" dirty="0">
+                <a:solidFill>
+                  <a:srgbClr val="000000"/>
+                </a:solidFill>
+                <a:latin typeface="Arial" panose="020B0604020202020204" pitchFamily="34" charset="0"/>
+              </a:endParaRPr>
+            </a:p>
+            <a:p>
+              <a:pPr rtl="0">
+                <a:spcBef>
+                  <a:spcPts val="0"/>
+                </a:spcBef>
+                <a:spcAft>
+                  <a:spcPts val="0"/>
+                </a:spcAft>
+              </a:pPr>
+              <a:endParaRPr lang="en-US" dirty="0">
+                <a:solidFill>
+                  <a:srgbClr val="000000"/>
+                </a:solidFill>
+                <a:latin typeface="Arial" panose="020B0604020202020204" pitchFamily="34" charset="0"/>
+              </a:endParaRPr>
+            </a:p>
+            <a:p>
+              <a:pPr rtl="0">
+                <a:spcBef>
+                  <a:spcPts val="0"/>
+                </a:spcBef>
+                <a:spcAft>
+                  <a:spcPts val="0"/>
+                </a:spcAft>
+              </a:pPr>
+              <a:endParaRPr lang="en-US" sz="1800" b="0" i="0" u="none" strike="noStrike" dirty="0">
+                <a:solidFill>
+                  <a:srgbClr val="000000"/>
+                </a:solidFill>
+                <a:effectLst/>
+                <a:latin typeface="Arial" panose="020B0604020202020204" pitchFamily="34" charset="0"/>
+              </a:endParaRPr>
+            </a:p>
+            <a:p>
+              <a:br>
+                <a:rPr lang="en-US" sz="2800" dirty="0"/>
+              </a:br>
+              <a:endParaRPr lang="en-US" altLang="zh-CN" sz="2800" dirty="0">
+                <a:solidFill>
+                  <a:schemeClr val="tx1"/>
+                </a:solidFill>
+                <a:latin typeface="Times New Roman" panose="02020603050405020304" pitchFamily="18" charset="0"/>
+                <a:ea typeface="楷体" panose="02010609060101010101" pitchFamily="49" charset="-122"/>
+                <a:cs typeface="Times New Roman" panose="02020603050405020304" pitchFamily="18" charset="0"/>
+              </a:endParaRPr>
+            </a:p>
+          </p:txBody>
+        </p:sp>
+      </p:grpSp>
+      <p:sp>
+        <p:nvSpPr>
+          <p:cNvPr id="21" name="TextBox 20">
+            <a:extLst>
+              <a:ext uri="{FF2B5EF4-FFF2-40B4-BE49-F238E27FC236}">
+                <a16:creationId xmlns:a16="http://schemas.microsoft.com/office/drawing/2014/main" id="{9CB3E9D8-EE2B-7723-6FEF-8890892F6D53}"/>
+              </a:ext>
+            </a:extLst>
+          </p:cNvPr>
+          <p:cNvSpPr txBox="1"/>
+          <p:nvPr/>
+        </p:nvSpPr>
+        <p:spPr>
+          <a:xfrm>
+            <a:off x="2560653" y="1452099"/>
+            <a:ext cx="6356301" cy="923330"/>
+          </a:xfrm>
+          <a:prstGeom prst="rect">
+            <a:avLst/>
+          </a:prstGeom>
+          <a:noFill/>
+        </p:spPr>
+        <p:txBody>
+          <a:bodyPr wrap="square">
+            <a:spAutoFit/>
+          </a:bodyPr>
+          <a:lstStyle/>
+          <a:p>
+            <a:pPr algn="ctr"/>
+            <a:r>
+              <a:rPr lang="en-US" sz="1800" b="0" i="0" u="none" strike="noStrike" dirty="0">
+                <a:solidFill>
+                  <a:srgbClr val="000000"/>
+                </a:solidFill>
+                <a:effectLst/>
+                <a:latin typeface="Arial" panose="020B0604020202020204" pitchFamily="34" charset="0"/>
+              </a:rPr>
+              <a:t>In this game there are two hungry travelers, who need to reach a restaurant as soon as possible to get some food.</a:t>
+            </a:r>
+          </a:p>
+          <a:p>
+            <a:pPr algn="ctr"/>
+            <a:endParaRPr lang="en-US" dirty="0">
+              <a:solidFill>
+                <a:srgbClr val="000000"/>
+              </a:solidFill>
+              <a:latin typeface="Arial" panose="020B0604020202020204" pitchFamily="34" charset="0"/>
+            </a:endParaRPr>
+          </a:p>
+        </p:txBody>
+      </p:sp>
+      <p:sp>
+        <p:nvSpPr>
+          <p:cNvPr id="23" name="TextBox 22">
+            <a:extLst>
+              <a:ext uri="{FF2B5EF4-FFF2-40B4-BE49-F238E27FC236}">
+                <a16:creationId xmlns:a16="http://schemas.microsoft.com/office/drawing/2014/main" id="{C3AE89C8-9367-D932-99F1-DB8767F080C2}"/>
+              </a:ext>
+            </a:extLst>
+          </p:cNvPr>
+          <p:cNvSpPr txBox="1"/>
+          <p:nvPr/>
+        </p:nvSpPr>
+        <p:spPr>
+          <a:xfrm>
+            <a:off x="2560653" y="814163"/>
+            <a:ext cx="6339843" cy="461665"/>
+          </a:xfrm>
+          <a:prstGeom prst="rect">
+            <a:avLst/>
+          </a:prstGeom>
+          <a:noFill/>
+        </p:spPr>
+        <p:txBody>
+          <a:bodyPr wrap="square">
+            <a:spAutoFit/>
+          </a:bodyPr>
+          <a:lstStyle/>
+          <a:p>
+            <a:pPr algn="ctr"/>
+            <a:r>
+              <a:rPr lang="en-US" altLang="zh-CN" sz="2400" b="0" i="0" u="none" strike="noStrike" dirty="0">
+                <a:solidFill>
+                  <a:srgbClr val="000000"/>
+                </a:solidFill>
+                <a:effectLst/>
+                <a:latin typeface="Arial" panose="020B0604020202020204" pitchFamily="34" charset="0"/>
+              </a:rPr>
+              <a:t>Welcome</a:t>
+            </a:r>
+            <a:r>
+              <a:rPr lang="zh-CN" altLang="en-US" sz="2400" b="0" i="0" u="none" strike="noStrike" dirty="0">
+                <a:solidFill>
+                  <a:srgbClr val="000000"/>
+                </a:solidFill>
+                <a:effectLst/>
+                <a:latin typeface="Arial" panose="020B0604020202020204" pitchFamily="34" charset="0"/>
+              </a:rPr>
+              <a:t> </a:t>
+            </a:r>
+            <a:r>
+              <a:rPr lang="en-US" altLang="zh-CN" sz="2400" b="0" i="0" u="none" strike="noStrike" dirty="0">
+                <a:solidFill>
+                  <a:srgbClr val="000000"/>
+                </a:solidFill>
+                <a:effectLst/>
+                <a:latin typeface="Arial" panose="020B0604020202020204" pitchFamily="34" charset="0"/>
+              </a:rPr>
+              <a:t>to</a:t>
+            </a:r>
+            <a:r>
+              <a:rPr lang="zh-CN" altLang="en-US" sz="2400" b="0" i="0" u="none" strike="noStrike" dirty="0">
+                <a:solidFill>
+                  <a:srgbClr val="000000"/>
+                </a:solidFill>
+                <a:effectLst/>
+                <a:latin typeface="Arial" panose="020B0604020202020204" pitchFamily="34" charset="0"/>
+              </a:rPr>
+              <a:t> </a:t>
+            </a:r>
+            <a:r>
+              <a:rPr lang="en-US" altLang="zh-CN" sz="2400" b="0" i="0" u="none" strike="noStrike" dirty="0">
+                <a:solidFill>
+                  <a:srgbClr val="000000"/>
+                </a:solidFill>
+                <a:effectLst/>
+                <a:latin typeface="Arial" panose="020B0604020202020204" pitchFamily="34" charset="0"/>
+              </a:rPr>
+              <a:t>the</a:t>
+            </a:r>
+            <a:r>
+              <a:rPr lang="zh-CN" altLang="en-US" sz="2400" b="0" i="0" u="none" strike="noStrike" dirty="0">
+                <a:solidFill>
+                  <a:srgbClr val="000000"/>
+                </a:solidFill>
+                <a:effectLst/>
+                <a:latin typeface="Arial" panose="020B0604020202020204" pitchFamily="34" charset="0"/>
+              </a:rPr>
+              <a:t> </a:t>
+            </a:r>
+            <a:r>
+              <a:rPr lang="en-US" altLang="zh-CN" sz="2400" b="0" i="0" u="none" strike="noStrike" dirty="0">
+                <a:solidFill>
+                  <a:srgbClr val="000000"/>
+                </a:solidFill>
+                <a:effectLst/>
+                <a:latin typeface="Arial" panose="020B0604020202020204" pitchFamily="34" charset="0"/>
+              </a:rPr>
+              <a:t>game!</a:t>
+            </a:r>
+          </a:p>
+        </p:txBody>
+      </p:sp>
+      <p:sp>
+        <p:nvSpPr>
+          <p:cNvPr id="25" name="TextBox 24">
+            <a:extLst>
+              <a:ext uri="{FF2B5EF4-FFF2-40B4-BE49-F238E27FC236}">
+                <a16:creationId xmlns:a16="http://schemas.microsoft.com/office/drawing/2014/main" id="{F27901E9-8273-F228-F178-01DCF4BED971}"/>
+              </a:ext>
+            </a:extLst>
+          </p:cNvPr>
+          <p:cNvSpPr txBox="1"/>
+          <p:nvPr/>
+        </p:nvSpPr>
+        <p:spPr>
+          <a:xfrm>
+            <a:off x="2560070" y="2251381"/>
+            <a:ext cx="6445707" cy="646331"/>
+          </a:xfrm>
+          <a:prstGeom prst="rect">
+            <a:avLst/>
+          </a:prstGeom>
+          <a:noFill/>
+        </p:spPr>
+        <p:txBody>
+          <a:bodyPr wrap="square">
+            <a:spAutoFit/>
+          </a:bodyPr>
+          <a:lstStyle/>
+          <a:p>
+            <a:pPr algn="ctr"/>
+            <a:r>
+              <a:rPr lang="en-US" sz="1800" b="0" i="0" u="none" strike="noStrike" dirty="0">
+                <a:solidFill>
+                  <a:srgbClr val="000000"/>
+                </a:solidFill>
+                <a:effectLst/>
+                <a:latin typeface="Arial" panose="020B0604020202020204" pitchFamily="34" charset="0"/>
+              </a:rPr>
+              <a:t>One of the travelers is you, </a:t>
+            </a:r>
+            <a:r>
+              <a:rPr lang="en-US" altLang="zh-CN" sz="1800" b="0" i="0" u="none" strike="noStrike" dirty="0">
+                <a:solidFill>
+                  <a:srgbClr val="000000"/>
+                </a:solidFill>
+                <a:effectLst/>
+                <a:latin typeface="Arial" panose="020B0604020202020204" pitchFamily="34" charset="0"/>
+              </a:rPr>
+              <a:t>the</a:t>
+            </a:r>
+            <a:r>
+              <a:rPr lang="en-US" sz="1800" b="0" i="0" u="none" strike="noStrike" dirty="0">
+                <a:solidFill>
+                  <a:srgbClr val="000000"/>
+                </a:solidFill>
+                <a:effectLst/>
+                <a:latin typeface="Arial" panose="020B0604020202020204" pitchFamily="34" charset="0"/>
+              </a:rPr>
+              <a:t> </a:t>
+            </a:r>
+            <a:r>
+              <a:rPr lang="en-US" sz="1800" b="0" i="0" u="none" strike="noStrike" dirty="0">
+                <a:solidFill>
+                  <a:srgbClr val="0070C0"/>
+                </a:solidFill>
+                <a:effectLst/>
+                <a:latin typeface="Arial" panose="020B0604020202020204" pitchFamily="34" charset="0"/>
+              </a:rPr>
+              <a:t>blue</a:t>
+            </a:r>
+            <a:r>
+              <a:rPr lang="en-US" sz="1800" b="0" i="0" u="none" strike="noStrike" dirty="0">
+                <a:solidFill>
+                  <a:srgbClr val="000000"/>
+                </a:solidFill>
+                <a:effectLst/>
+                <a:latin typeface="Arial" panose="020B0604020202020204" pitchFamily="34" charset="0"/>
+              </a:rPr>
+              <a:t> dot</a:t>
+            </a:r>
+            <a:r>
+              <a:rPr lang="en-US" altLang="zh-CN" sz="1800" b="0" i="0" u="none" strike="noStrike" dirty="0">
+                <a:solidFill>
+                  <a:srgbClr val="000000"/>
+                </a:solidFill>
+                <a:effectLst/>
+                <a:latin typeface="Arial" panose="020B0604020202020204" pitchFamily="34" charset="0"/>
+              </a:rPr>
+              <a:t>.</a:t>
+            </a:r>
+          </a:p>
+          <a:p>
+            <a:pPr algn="ctr"/>
+            <a:r>
+              <a:rPr lang="en-US" sz="1800" b="0" i="0" u="none" strike="noStrike" dirty="0">
+                <a:solidFill>
+                  <a:srgbClr val="000000"/>
+                </a:solidFill>
+                <a:effectLst/>
+                <a:latin typeface="Arial" panose="020B0604020202020204" pitchFamily="34" charset="0"/>
+              </a:rPr>
+              <a:t>The other traveler is my friend Alex, he is </a:t>
+            </a:r>
+            <a:r>
+              <a:rPr lang="en-US" altLang="zh-CN" sz="1800" b="0" i="0" u="none" strike="noStrike" dirty="0">
+                <a:solidFill>
+                  <a:srgbClr val="000000"/>
+                </a:solidFill>
+                <a:effectLst/>
+                <a:latin typeface="Arial" panose="020B0604020202020204" pitchFamily="34" charset="0"/>
+              </a:rPr>
+              <a:t>the</a:t>
+            </a:r>
+            <a:r>
+              <a:rPr lang="en-US" sz="1800" b="0" i="0" u="none" strike="noStrike" dirty="0">
+                <a:solidFill>
+                  <a:srgbClr val="000000"/>
+                </a:solidFill>
+                <a:effectLst/>
+                <a:latin typeface="Arial" panose="020B0604020202020204" pitchFamily="34" charset="0"/>
+              </a:rPr>
+              <a:t> </a:t>
+            </a:r>
+            <a:r>
+              <a:rPr lang="en-US" sz="1800" b="0" i="0" u="none" strike="noStrike" dirty="0">
+                <a:solidFill>
+                  <a:srgbClr val="00B050"/>
+                </a:solidFill>
+                <a:effectLst/>
+                <a:latin typeface="Arial" panose="020B0604020202020204" pitchFamily="34" charset="0"/>
+              </a:rPr>
+              <a:t>green</a:t>
+            </a:r>
+            <a:r>
+              <a:rPr lang="en-US" sz="1800" b="0" i="0" u="none" strike="noStrike" dirty="0">
+                <a:solidFill>
+                  <a:srgbClr val="000000"/>
+                </a:solidFill>
+                <a:effectLst/>
+                <a:latin typeface="Arial" panose="020B0604020202020204" pitchFamily="34" charset="0"/>
+              </a:rPr>
+              <a:t> dot</a:t>
+            </a:r>
+            <a:r>
+              <a:rPr lang="en-US" altLang="zh-CN" dirty="0">
+                <a:solidFill>
+                  <a:srgbClr val="000000"/>
+                </a:solidFill>
+                <a:latin typeface="Arial" panose="020B0604020202020204" pitchFamily="34" charset="0"/>
+              </a:rPr>
+              <a:t>.</a:t>
+            </a:r>
+            <a:endParaRPr lang="en-US" dirty="0"/>
+          </a:p>
+        </p:txBody>
+      </p:sp>
+      <p:grpSp>
+        <p:nvGrpSpPr>
+          <p:cNvPr id="35" name="Group 34">
+            <a:extLst>
+              <a:ext uri="{FF2B5EF4-FFF2-40B4-BE49-F238E27FC236}">
+                <a16:creationId xmlns:a16="http://schemas.microsoft.com/office/drawing/2014/main" id="{6EB9B241-5B8F-7A72-7793-6C6FDD1D7264}"/>
+              </a:ext>
+            </a:extLst>
+          </p:cNvPr>
+          <p:cNvGrpSpPr/>
+          <p:nvPr/>
+        </p:nvGrpSpPr>
+        <p:grpSpPr>
+          <a:xfrm>
+            <a:off x="2923953" y="3303048"/>
+            <a:ext cx="5677787" cy="2977116"/>
+            <a:chOff x="2923953" y="3303048"/>
+            <a:chExt cx="5677787" cy="2977116"/>
+          </a:xfrm>
+        </p:grpSpPr>
+        <p:sp>
+          <p:nvSpPr>
+            <p:cNvPr id="27" name="Rectangle 26">
+              <a:extLst>
+                <a:ext uri="{FF2B5EF4-FFF2-40B4-BE49-F238E27FC236}">
+                  <a16:creationId xmlns:a16="http://schemas.microsoft.com/office/drawing/2014/main" id="{3FEB33D1-8434-C861-B325-016CA83A5DD8}"/>
+                </a:ext>
+              </a:extLst>
+            </p:cNvPr>
+            <p:cNvSpPr/>
+            <p:nvPr/>
+          </p:nvSpPr>
+          <p:spPr>
+            <a:xfrm>
+              <a:off x="2923953" y="3303048"/>
+              <a:ext cx="5677787" cy="2977116"/>
+            </a:xfrm>
+            <a:prstGeom prst="rect">
+              <a:avLst/>
+            </a:prstGeom>
+            <a:solidFill>
+              <a:schemeClr val="bg1"/>
+            </a:solidFill>
+          </p:spPr>
+          <p:style>
+            <a:lnRef idx="2">
+              <a:schemeClr val="accent1">
+                <a:shade val="15000"/>
+              </a:schemeClr>
+            </a:lnRef>
+            <a:fillRef idx="1">
+              <a:schemeClr val="accent1"/>
+            </a:fillRef>
+            <a:effectRef idx="0">
+              <a:schemeClr val="accent1"/>
+            </a:effectRef>
+            <a:fontRef idx="minor">
+              <a:schemeClr val="lt1"/>
+            </a:fontRef>
+          </p:style>
+          <p:txBody>
+            <a:bodyPr rtlCol="0" anchor="ctr"/>
+            <a:lstStyle/>
+            <a:p>
+              <a:pPr algn="ctr"/>
+              <a:endParaRPr lang="en-US" dirty="0"/>
+            </a:p>
+          </p:txBody>
+        </p:sp>
+        <p:sp>
+          <p:nvSpPr>
+            <p:cNvPr id="28" name="Oval 27">
+              <a:extLst>
+                <a:ext uri="{FF2B5EF4-FFF2-40B4-BE49-F238E27FC236}">
+                  <a16:creationId xmlns:a16="http://schemas.microsoft.com/office/drawing/2014/main" id="{89690105-3845-35DE-8C47-BBCBE3164B1E}"/>
+                </a:ext>
+              </a:extLst>
+            </p:cNvPr>
+            <p:cNvSpPr/>
+            <p:nvPr/>
+          </p:nvSpPr>
+          <p:spPr>
+            <a:xfrm>
+              <a:off x="5589182" y="3621205"/>
+              <a:ext cx="361507" cy="361507"/>
+            </a:xfrm>
+            <a:prstGeom prst="ellipse">
+              <a:avLst/>
+            </a:prstGeom>
+            <a:solidFill>
+              <a:srgbClr val="00B050"/>
+            </a:solidFill>
+            <a:ln>
+              <a:noFill/>
+            </a:ln>
+          </p:spPr>
+          <p:style>
+            <a:lnRef idx="2">
+              <a:schemeClr val="accent1">
+                <a:shade val="15000"/>
+              </a:schemeClr>
+            </a:lnRef>
+            <a:fillRef idx="1">
+              <a:schemeClr val="accent1"/>
+            </a:fillRef>
+            <a:effectRef idx="0">
+              <a:schemeClr val="accent1"/>
+            </a:effectRef>
+            <a:fontRef idx="minor">
+              <a:schemeClr val="lt1"/>
+            </a:fontRef>
+          </p:style>
+          <p:txBody>
+            <a:bodyPr rtlCol="0" anchor="ctr"/>
+            <a:lstStyle/>
+            <a:p>
+              <a:pPr algn="ctr"/>
+              <a:endParaRPr lang="en-US" dirty="0"/>
+            </a:p>
+          </p:txBody>
+        </p:sp>
+        <p:sp>
+          <p:nvSpPr>
+            <p:cNvPr id="29" name="Oval 28">
+              <a:extLst>
+                <a:ext uri="{FF2B5EF4-FFF2-40B4-BE49-F238E27FC236}">
+                  <a16:creationId xmlns:a16="http://schemas.microsoft.com/office/drawing/2014/main" id="{D720908B-66BD-A4F9-D7A0-16C28483DBE2}"/>
+                </a:ext>
+              </a:extLst>
+            </p:cNvPr>
+            <p:cNvSpPr/>
+            <p:nvPr/>
+          </p:nvSpPr>
+          <p:spPr>
+            <a:xfrm>
+              <a:off x="5650256" y="5673609"/>
+              <a:ext cx="361507" cy="361507"/>
+            </a:xfrm>
+            <a:prstGeom prst="ellipse">
+              <a:avLst/>
+            </a:prstGeom>
+            <a:ln>
+              <a:noFill/>
+            </a:ln>
+          </p:spPr>
+          <p:style>
+            <a:lnRef idx="2">
+              <a:schemeClr val="accent1">
+                <a:shade val="15000"/>
+              </a:schemeClr>
+            </a:lnRef>
+            <a:fillRef idx="1">
+              <a:schemeClr val="accent1"/>
+            </a:fillRef>
+            <a:effectRef idx="0">
+              <a:schemeClr val="accent1"/>
+            </a:effectRef>
+            <a:fontRef idx="minor">
+              <a:schemeClr val="lt1"/>
+            </a:fontRef>
+          </p:style>
+          <p:txBody>
+            <a:bodyPr rtlCol="0" anchor="ctr"/>
+            <a:lstStyle/>
+            <a:p>
+              <a:pPr algn="ctr"/>
+              <a:endParaRPr lang="en-US" dirty="0"/>
+            </a:p>
+          </p:txBody>
+        </p:sp>
+        <p:sp>
+          <p:nvSpPr>
+            <p:cNvPr id="30" name="Rectangle 29">
+              <a:extLst>
+                <a:ext uri="{FF2B5EF4-FFF2-40B4-BE49-F238E27FC236}">
+                  <a16:creationId xmlns:a16="http://schemas.microsoft.com/office/drawing/2014/main" id="{975FB28F-7410-B510-B0F2-550730B681ED}"/>
+                </a:ext>
+              </a:extLst>
+            </p:cNvPr>
+            <p:cNvSpPr/>
+            <p:nvPr/>
+          </p:nvSpPr>
+          <p:spPr>
+            <a:xfrm>
+              <a:off x="3892189" y="4539727"/>
+              <a:ext cx="407194" cy="407194"/>
+            </a:xfrm>
+            <a:prstGeom prst="rect">
+              <a:avLst/>
+            </a:prstGeom>
+            <a:solidFill>
+              <a:srgbClr val="C00000"/>
+            </a:solidFill>
+            <a:ln>
+              <a:noFill/>
+            </a:ln>
+          </p:spPr>
+          <p:style>
+            <a:lnRef idx="2">
+              <a:schemeClr val="accent1">
+                <a:shade val="15000"/>
+              </a:schemeClr>
+            </a:lnRef>
+            <a:fillRef idx="1">
+              <a:schemeClr val="accent1"/>
+            </a:fillRef>
+            <a:effectRef idx="0">
+              <a:schemeClr val="accent1"/>
+            </a:effectRef>
+            <a:fontRef idx="minor">
+              <a:schemeClr val="lt1"/>
+            </a:fontRef>
+          </p:style>
+          <p:txBody>
+            <a:bodyPr rtlCol="0" anchor="ctr"/>
+            <a:lstStyle/>
+            <a:p>
+              <a:pPr algn="ctr"/>
+              <a:endParaRPr lang="en-US"/>
+            </a:p>
+          </p:txBody>
+        </p:sp>
+        <p:sp>
+          <p:nvSpPr>
+            <p:cNvPr id="31" name="Rectangle 30">
+              <a:extLst>
+                <a:ext uri="{FF2B5EF4-FFF2-40B4-BE49-F238E27FC236}">
+                  <a16:creationId xmlns:a16="http://schemas.microsoft.com/office/drawing/2014/main" id="{DD4391C9-73D9-74C2-7834-FAF48EC1D01B}"/>
+                </a:ext>
+              </a:extLst>
+            </p:cNvPr>
+            <p:cNvSpPr/>
+            <p:nvPr/>
+          </p:nvSpPr>
+          <p:spPr>
+            <a:xfrm>
+              <a:off x="7357113" y="4539727"/>
+              <a:ext cx="407194" cy="407194"/>
+            </a:xfrm>
+            <a:prstGeom prst="rect">
+              <a:avLst/>
+            </a:prstGeom>
+            <a:solidFill>
+              <a:srgbClr val="C00000"/>
+            </a:solidFill>
+            <a:ln>
+              <a:noFill/>
+            </a:ln>
+          </p:spPr>
+          <p:style>
+            <a:lnRef idx="2">
+              <a:schemeClr val="accent1">
+                <a:shade val="15000"/>
+              </a:schemeClr>
+            </a:lnRef>
+            <a:fillRef idx="1">
+              <a:schemeClr val="accent1"/>
+            </a:fillRef>
+            <a:effectRef idx="0">
+              <a:schemeClr val="accent1"/>
+            </a:effectRef>
+            <a:fontRef idx="minor">
+              <a:schemeClr val="lt1"/>
+            </a:fontRef>
+          </p:style>
+          <p:txBody>
+            <a:bodyPr rtlCol="0" anchor="ctr"/>
+            <a:lstStyle/>
+            <a:p>
+              <a:pPr algn="ctr"/>
+              <a:endParaRPr lang="en-US"/>
+            </a:p>
+          </p:txBody>
+        </p:sp>
+        <p:sp>
+          <p:nvSpPr>
+            <p:cNvPr id="32" name="TextBox 31">
+              <a:extLst>
+                <a:ext uri="{FF2B5EF4-FFF2-40B4-BE49-F238E27FC236}">
+                  <a16:creationId xmlns:a16="http://schemas.microsoft.com/office/drawing/2014/main" id="{AB2BD2A2-2D54-6F64-F0FD-597B306C25F2}"/>
+                </a:ext>
+              </a:extLst>
+            </p:cNvPr>
+            <p:cNvSpPr txBox="1"/>
+            <p:nvPr/>
+          </p:nvSpPr>
+          <p:spPr>
+            <a:xfrm>
+              <a:off x="4021805" y="5067055"/>
+              <a:ext cx="1927441" cy="369332"/>
+            </a:xfrm>
+            <a:prstGeom prst="rect">
+              <a:avLst/>
+            </a:prstGeom>
+            <a:noFill/>
+          </p:spPr>
+          <p:txBody>
+            <a:bodyPr wrap="square">
+              <a:spAutoFit/>
+            </a:bodyPr>
+            <a:lstStyle/>
+            <a:p>
+              <a:endParaRPr lang="en-US" dirty="0"/>
+            </a:p>
+          </p:txBody>
+        </p:sp>
+        <p:sp>
+          <p:nvSpPr>
+            <p:cNvPr id="33" name="TextBox 32">
+              <a:extLst>
+                <a:ext uri="{FF2B5EF4-FFF2-40B4-BE49-F238E27FC236}">
+                  <a16:creationId xmlns:a16="http://schemas.microsoft.com/office/drawing/2014/main" id="{0A325AED-599E-E514-F9DD-197C4B76C810}"/>
+                </a:ext>
+              </a:extLst>
+            </p:cNvPr>
+            <p:cNvSpPr txBox="1"/>
+            <p:nvPr/>
+          </p:nvSpPr>
+          <p:spPr>
+            <a:xfrm>
+              <a:off x="5949246" y="3590747"/>
+              <a:ext cx="633507" cy="369332"/>
+            </a:xfrm>
+            <a:prstGeom prst="rect">
+              <a:avLst/>
+            </a:prstGeom>
+            <a:noFill/>
+          </p:spPr>
+          <p:txBody>
+            <a:bodyPr wrap="none" rtlCol="0">
+              <a:spAutoFit/>
+            </a:bodyPr>
+            <a:lstStyle/>
+            <a:p>
+              <a:r>
+                <a:rPr lang="en-US" altLang="zh-CN" dirty="0">
+                  <a:latin typeface="Arial" panose="020B0604020202020204" pitchFamily="34" charset="0"/>
+                  <a:cs typeface="Arial" panose="020B0604020202020204" pitchFamily="34" charset="0"/>
+                </a:rPr>
+                <a:t>Alex</a:t>
+              </a:r>
+              <a:endParaRPr lang="en-US" dirty="0">
+                <a:latin typeface="Arial" panose="020B0604020202020204" pitchFamily="34" charset="0"/>
+                <a:cs typeface="Arial" panose="020B0604020202020204" pitchFamily="34" charset="0"/>
+              </a:endParaRPr>
+            </a:p>
+          </p:txBody>
+        </p:sp>
+        <p:sp>
+          <p:nvSpPr>
+            <p:cNvPr id="34" name="TextBox 33">
+              <a:extLst>
+                <a:ext uri="{FF2B5EF4-FFF2-40B4-BE49-F238E27FC236}">
+                  <a16:creationId xmlns:a16="http://schemas.microsoft.com/office/drawing/2014/main" id="{77534D69-C86D-3A67-2C0D-F84995967C76}"/>
+                </a:ext>
+              </a:extLst>
+            </p:cNvPr>
+            <p:cNvSpPr txBox="1"/>
+            <p:nvPr/>
+          </p:nvSpPr>
+          <p:spPr>
+            <a:xfrm>
+              <a:off x="6011763" y="5665784"/>
+              <a:ext cx="570990" cy="369332"/>
+            </a:xfrm>
+            <a:prstGeom prst="rect">
+              <a:avLst/>
+            </a:prstGeom>
+            <a:noFill/>
+          </p:spPr>
+          <p:txBody>
+            <a:bodyPr wrap="none" rtlCol="0">
+              <a:spAutoFit/>
+            </a:bodyPr>
+            <a:lstStyle/>
+            <a:p>
+              <a:r>
+                <a:rPr lang="en-US" altLang="zh-CN" dirty="0">
+                  <a:latin typeface="Arial" panose="020B0604020202020204" pitchFamily="34" charset="0"/>
+                  <a:cs typeface="Arial" panose="020B0604020202020204" pitchFamily="34" charset="0"/>
+                </a:rPr>
+                <a:t>You</a:t>
+              </a:r>
+              <a:endParaRPr lang="en-US" dirty="0">
+                <a:latin typeface="Arial" panose="020B0604020202020204" pitchFamily="34" charset="0"/>
+                <a:cs typeface="Arial" panose="020B0604020202020204" pitchFamily="34" charset="0"/>
+              </a:endParaRPr>
+            </a:p>
+          </p:txBody>
+        </p:sp>
+      </p:grpSp>
+      <p:sp>
+        <p:nvSpPr>
+          <p:cNvPr id="36" name="TextBox 35">
+            <a:extLst>
+              <a:ext uri="{FF2B5EF4-FFF2-40B4-BE49-F238E27FC236}">
+                <a16:creationId xmlns:a16="http://schemas.microsoft.com/office/drawing/2014/main" id="{2521862A-A96D-AD5B-2B4D-B4426616127B}"/>
+              </a:ext>
+            </a:extLst>
+          </p:cNvPr>
+          <p:cNvSpPr txBox="1"/>
+          <p:nvPr/>
+        </p:nvSpPr>
+        <p:spPr>
+          <a:xfrm>
+            <a:off x="3562581" y="4934116"/>
+            <a:ext cx="1223412" cy="369332"/>
+          </a:xfrm>
+          <a:prstGeom prst="rect">
+            <a:avLst/>
+          </a:prstGeom>
+          <a:noFill/>
+        </p:spPr>
+        <p:txBody>
+          <a:bodyPr wrap="none" rtlCol="0">
+            <a:spAutoFit/>
+          </a:bodyPr>
+          <a:lstStyle/>
+          <a:p>
+            <a:r>
+              <a:rPr lang="en-US" sz="1800" b="0" i="0" u="none" strike="noStrike" dirty="0">
+                <a:solidFill>
+                  <a:srgbClr val="000000"/>
+                </a:solidFill>
+                <a:effectLst/>
+                <a:latin typeface="Arial" panose="020B0604020202020204" pitchFamily="34" charset="0"/>
+              </a:rPr>
+              <a:t>restaurant</a:t>
+            </a:r>
+            <a:endParaRPr lang="en-US" dirty="0"/>
+          </a:p>
+        </p:txBody>
+      </p:sp>
+      <p:sp>
+        <p:nvSpPr>
+          <p:cNvPr id="37" name="TextBox 36">
+            <a:extLst>
+              <a:ext uri="{FF2B5EF4-FFF2-40B4-BE49-F238E27FC236}">
+                <a16:creationId xmlns:a16="http://schemas.microsoft.com/office/drawing/2014/main" id="{4BAB01B4-C99C-9C66-E922-1B4DF43C5C3A}"/>
+              </a:ext>
+            </a:extLst>
+          </p:cNvPr>
+          <p:cNvSpPr txBox="1"/>
+          <p:nvPr/>
+        </p:nvSpPr>
+        <p:spPr>
+          <a:xfrm>
+            <a:off x="6949004" y="4955355"/>
+            <a:ext cx="1223412" cy="369332"/>
+          </a:xfrm>
+          <a:prstGeom prst="rect">
+            <a:avLst/>
+          </a:prstGeom>
+          <a:noFill/>
+        </p:spPr>
+        <p:txBody>
+          <a:bodyPr wrap="none" rtlCol="0">
+            <a:spAutoFit/>
+          </a:bodyPr>
+          <a:lstStyle/>
+          <a:p>
+            <a:r>
+              <a:rPr lang="en-US" sz="1800" b="0" i="0" u="none" strike="noStrike" dirty="0">
+                <a:solidFill>
+                  <a:srgbClr val="000000"/>
+                </a:solidFill>
+                <a:effectLst/>
+                <a:latin typeface="Arial" panose="020B0604020202020204" pitchFamily="34" charset="0"/>
+              </a:rPr>
+              <a:t>restaurant</a:t>
+            </a:r>
+            <a:endParaRPr lang="en-US" dirty="0"/>
+          </a:p>
+        </p:txBody>
+      </p:sp>
+    </p:spTree>
+    <p:extLst>
+      <p:ext uri="{BB962C8B-B14F-4D97-AF65-F5344CB8AC3E}">
+        <p14:creationId xmlns:p14="http://schemas.microsoft.com/office/powerpoint/2010/main" val="448331781"/>
+      </p:ext>
+    </p:extLst>
+  </p:cSld>
+  <p:clrMapOvr>
+    <a:masterClrMapping/>
+  </p:clrMapOvr>
+</p:sld>
+</file>
+
+<file path=ppt/slides/slide10.xml><?xml version="1.0" encoding="utf-8"?>
+<p:sld xmlns:a="http://schemas.openxmlformats.org/drawingml/2006/main" xmlns:r="http://schemas.openxmlformats.org/officeDocument/2006/relationships" xmlns:p="http://schemas.openxmlformats.org/presentationml/2006/main">
+  <p:cSld>
+    <p:spTree>
+      <p:nvGrpSpPr>
+        <p:cNvPr id="1" name=""/>
+        <p:cNvGrpSpPr/>
+        <p:nvPr/>
+      </p:nvGrpSpPr>
+      <p:grpSpPr>
+        <a:xfrm>
+          <a:off x="0" y="0"/>
+          <a:ext cx="0" cy="0"/>
+          <a:chOff x="0" y="0"/>
+          <a:chExt cx="0" cy="0"/>
+        </a:xfrm>
+      </p:grpSpPr>
+      <p:grpSp>
+        <p:nvGrpSpPr>
+          <p:cNvPr id="19" name="组合 18">
+            <a:extLst>
+              <a:ext uri="{FF2B5EF4-FFF2-40B4-BE49-F238E27FC236}">
+                <a16:creationId xmlns:a16="http://schemas.microsoft.com/office/drawing/2014/main" id="{DE9C536E-1274-45A4-8808-A31579281473}"/>
+              </a:ext>
+            </a:extLst>
+          </p:cNvPr>
+          <p:cNvGrpSpPr/>
+          <p:nvPr/>
+        </p:nvGrpSpPr>
+        <p:grpSpPr>
+          <a:xfrm>
+            <a:off x="2577112" y="474381"/>
+            <a:ext cx="6339842" cy="5909238"/>
+            <a:chOff x="1650608" y="-450167"/>
+            <a:chExt cx="6339842" cy="5909238"/>
+          </a:xfrm>
+        </p:grpSpPr>
+        <p:sp>
+          <p:nvSpPr>
+            <p:cNvPr id="17" name="矩形 16">
+              <a:extLst>
+                <a:ext uri="{FF2B5EF4-FFF2-40B4-BE49-F238E27FC236}">
+                  <a16:creationId xmlns:a16="http://schemas.microsoft.com/office/drawing/2014/main" id="{08C262F2-BA1A-47F0-99F5-5E2AB168A192}"/>
+                </a:ext>
+              </a:extLst>
+            </p:cNvPr>
+            <p:cNvSpPr/>
+            <p:nvPr/>
+          </p:nvSpPr>
+          <p:spPr>
+            <a:xfrm>
+              <a:off x="1650608" y="-450167"/>
+              <a:ext cx="6339842" cy="5909238"/>
+            </a:xfrm>
+            <a:prstGeom prst="rect">
+              <a:avLst/>
+            </a:prstGeom>
+            <a:solidFill>
+              <a:srgbClr val="B0D2A0"/>
+            </a:solidFill>
+            <a:ln>
+              <a:solidFill>
+                <a:srgbClr val="B0D2A0"/>
+              </a:solidFill>
+            </a:ln>
+          </p:spPr>
+          <p:style>
+            <a:lnRef idx="2">
+              <a:schemeClr val="accent1">
+                <a:shade val="50000"/>
+              </a:schemeClr>
+            </a:lnRef>
+            <a:fillRef idx="1">
+              <a:schemeClr val="accent1"/>
+            </a:fillRef>
+            <a:effectRef idx="0">
+              <a:schemeClr val="accent1"/>
+            </a:effectRef>
+            <a:fontRef idx="minor">
+              <a:schemeClr val="lt1"/>
+            </a:fontRef>
+          </p:style>
+          <p:txBody>
+            <a:bodyPr rtlCol="0" anchor="ctr"/>
+            <a:lstStyle/>
+            <a:p>
+              <a:endParaRPr lang="en-US" altLang="zh-CN" sz="2000" dirty="0">
+                <a:solidFill>
+                  <a:schemeClr val="tx1"/>
+                </a:solidFill>
+                <a:latin typeface="楷体" panose="02010609060101010101" pitchFamily="49" charset="-122"/>
+                <a:ea typeface="楷体" panose="02010609060101010101" pitchFamily="49" charset="-122"/>
+              </a:endParaRPr>
+            </a:p>
+          </p:txBody>
+        </p:sp>
+        <p:sp>
+          <p:nvSpPr>
+            <p:cNvPr id="13" name="矩形 12">
+              <a:extLst>
+                <a:ext uri="{FF2B5EF4-FFF2-40B4-BE49-F238E27FC236}">
+                  <a16:creationId xmlns:a16="http://schemas.microsoft.com/office/drawing/2014/main" id="{661FDE28-B2B1-4D8A-9601-4CF5B6661D38}"/>
+                </a:ext>
+              </a:extLst>
+            </p:cNvPr>
+            <p:cNvSpPr/>
+            <p:nvPr/>
+          </p:nvSpPr>
+          <p:spPr>
+            <a:xfrm>
+              <a:off x="1650609" y="-450167"/>
+              <a:ext cx="6243126" cy="5909237"/>
+            </a:xfrm>
+            <a:prstGeom prst="rect">
+              <a:avLst/>
+            </a:prstGeom>
+            <a:solidFill>
+              <a:srgbClr val="B0D2A0"/>
+            </a:solidFill>
+            <a:ln>
+              <a:solidFill>
+                <a:srgbClr val="B0D2A0"/>
+              </a:solidFill>
+            </a:ln>
+          </p:spPr>
+          <p:style>
+            <a:lnRef idx="2">
+              <a:schemeClr val="accent1">
+                <a:shade val="50000"/>
+              </a:schemeClr>
+            </a:lnRef>
+            <a:fillRef idx="1">
+              <a:schemeClr val="accent1"/>
+            </a:fillRef>
+            <a:effectRef idx="0">
+              <a:schemeClr val="accent1"/>
+            </a:effectRef>
+            <a:fontRef idx="minor">
+              <a:schemeClr val="lt1"/>
+            </a:fontRef>
+          </p:style>
+          <p:txBody>
+            <a:bodyPr rtlCol="0" anchor="ctr"/>
+            <a:lstStyle/>
+            <a:p>
+              <a:br>
+                <a:rPr lang="en-US" dirty="0"/>
+              </a:br>
+              <a:endParaRPr lang="en-US" altLang="zh-CN" sz="2800" dirty="0">
+                <a:solidFill>
+                  <a:schemeClr val="tx1"/>
+                </a:solidFill>
+                <a:latin typeface="Times New Roman" panose="02020603050405020304" pitchFamily="18" charset="0"/>
+                <a:ea typeface="楷体" panose="02010609060101010101" pitchFamily="49" charset="-122"/>
+                <a:cs typeface="Times New Roman" panose="02020603050405020304" pitchFamily="18" charset="0"/>
+              </a:endParaRPr>
+            </a:p>
+          </p:txBody>
+        </p:sp>
+      </p:grpSp>
+    </p:spTree>
+    <p:extLst>
+      <p:ext uri="{BB962C8B-B14F-4D97-AF65-F5344CB8AC3E}">
+        <p14:creationId xmlns:p14="http://schemas.microsoft.com/office/powerpoint/2010/main" val="2258094496"/>
+      </p:ext>
+    </p:extLst>
+  </p:cSld>
+  <p:clrMapOvr>
+    <a:masterClrMapping/>
+  </p:clrMapOvr>
+</p:sld>
+</file>
+
+<file path=ppt/slides/slide11.xml><?xml version="1.0" encoding="utf-8"?>
+<p:sld xmlns:a="http://schemas.openxmlformats.org/drawingml/2006/main" xmlns:r="http://schemas.openxmlformats.org/officeDocument/2006/relationships" xmlns:p="http://schemas.openxmlformats.org/presentationml/2006/main">
+  <p:cSld>
+    <p:spTree>
+      <p:nvGrpSpPr>
+        <p:cNvPr id="1" name=""/>
+        <p:cNvGrpSpPr/>
+        <p:nvPr/>
+      </p:nvGrpSpPr>
+      <p:grpSpPr>
+        <a:xfrm>
+          <a:off x="0" y="0"/>
+          <a:ext cx="0" cy="0"/>
+          <a:chOff x="0" y="0"/>
+          <a:chExt cx="0" cy="0"/>
+        </a:xfrm>
+      </p:grpSpPr>
+      <p:sp>
+        <p:nvSpPr>
+          <p:cNvPr id="2" name="Title 1">
+            <a:extLst>
+              <a:ext uri="{FF2B5EF4-FFF2-40B4-BE49-F238E27FC236}">
+                <a16:creationId xmlns:a16="http://schemas.microsoft.com/office/drawing/2014/main" id="{B431B499-D516-B2A4-F113-A439C586E581}"/>
+              </a:ext>
+            </a:extLst>
+          </p:cNvPr>
+          <p:cNvSpPr>
+            <a:spLocks noGrp="1"/>
+          </p:cNvSpPr>
+          <p:nvPr>
+            <p:ph type="title"/>
+          </p:nvPr>
+        </p:nvSpPr>
+        <p:spPr/>
+        <p:txBody>
+          <a:bodyPr/>
+          <a:lstStyle/>
+          <a:p>
+            <a:endParaRPr lang="en-US"/>
+          </a:p>
+        </p:txBody>
+      </p:sp>
+      <p:sp>
+        <p:nvSpPr>
+          <p:cNvPr id="3" name="Content Placeholder 2">
+            <a:extLst>
+              <a:ext uri="{FF2B5EF4-FFF2-40B4-BE49-F238E27FC236}">
+                <a16:creationId xmlns:a16="http://schemas.microsoft.com/office/drawing/2014/main" id="{6758539F-AB19-E7B4-947D-DE33ABDE3A04}"/>
+              </a:ext>
+            </a:extLst>
+          </p:cNvPr>
+          <p:cNvSpPr>
+            <a:spLocks noGrp="1"/>
+          </p:cNvSpPr>
+          <p:nvPr>
+            <p:ph idx="1"/>
+          </p:nvPr>
+        </p:nvSpPr>
+        <p:spPr/>
+        <p:txBody>
+          <a:bodyPr/>
+          <a:lstStyle/>
+          <a:p>
+            <a:endParaRPr lang="en-US"/>
+          </a:p>
+        </p:txBody>
+      </p:sp>
+    </p:spTree>
+    <p:extLst>
+      <p:ext uri="{BB962C8B-B14F-4D97-AF65-F5344CB8AC3E}">
+        <p14:creationId xmlns:p14="http://schemas.microsoft.com/office/powerpoint/2010/main" val="3572149388"/>
+      </p:ext>
+    </p:extLst>
+  </p:cSld>
+  <p:clrMapOvr>
+    <a:masterClrMapping/>
+  </p:clrMapOvr>
+</p:sld>
+</file>
+
+<file path=ppt/slides/slide2.xml><?xml version="1.0" encoding="utf-8"?>
+<p:sld xmlns:a="http://schemas.openxmlformats.org/drawingml/2006/main" xmlns:r="http://schemas.openxmlformats.org/officeDocument/2006/relationships" xmlns:p="http://schemas.openxmlformats.org/presentationml/2006/main">
+  <p:cSld>
+    <p:spTree>
+      <p:nvGrpSpPr>
+        <p:cNvPr id="1" name=""/>
+        <p:cNvGrpSpPr/>
+        <p:nvPr/>
+      </p:nvGrpSpPr>
+      <p:grpSpPr>
+        <a:xfrm>
+          <a:off x="0" y="0"/>
+          <a:ext cx="0" cy="0"/>
+          <a:chOff x="0" y="0"/>
+          <a:chExt cx="0" cy="0"/>
+        </a:xfrm>
+      </p:grpSpPr>
+      <p:grpSp>
+        <p:nvGrpSpPr>
+          <p:cNvPr id="19" name="组合 18">
+            <a:extLst>
+              <a:ext uri="{FF2B5EF4-FFF2-40B4-BE49-F238E27FC236}">
+                <a16:creationId xmlns:a16="http://schemas.microsoft.com/office/drawing/2014/main" id="{DE9C536E-1274-45A4-8808-A31579281473}"/>
+              </a:ext>
+            </a:extLst>
+          </p:cNvPr>
+          <p:cNvGrpSpPr/>
+          <p:nvPr/>
+        </p:nvGrpSpPr>
+        <p:grpSpPr>
+          <a:xfrm>
+            <a:off x="2577112" y="474381"/>
+            <a:ext cx="6339842" cy="5909238"/>
+            <a:chOff x="1650608" y="-450167"/>
+            <a:chExt cx="6339842" cy="5909238"/>
+          </a:xfrm>
+        </p:grpSpPr>
+        <p:sp>
+          <p:nvSpPr>
+            <p:cNvPr id="17" name="矩形 16">
+              <a:extLst>
+                <a:ext uri="{FF2B5EF4-FFF2-40B4-BE49-F238E27FC236}">
+                  <a16:creationId xmlns:a16="http://schemas.microsoft.com/office/drawing/2014/main" id="{08C262F2-BA1A-47F0-99F5-5E2AB168A192}"/>
+                </a:ext>
+              </a:extLst>
+            </p:cNvPr>
+            <p:cNvSpPr/>
+            <p:nvPr/>
+          </p:nvSpPr>
+          <p:spPr>
+            <a:xfrm>
+              <a:off x="1650608" y="-450167"/>
+              <a:ext cx="6339842" cy="5909238"/>
+            </a:xfrm>
+            <a:prstGeom prst="rect">
+              <a:avLst/>
+            </a:prstGeom>
+            <a:solidFill>
+              <a:srgbClr val="B0D2A0"/>
+            </a:solidFill>
+            <a:ln>
+              <a:solidFill>
+                <a:srgbClr val="B0D2A0"/>
+              </a:solidFill>
+            </a:ln>
+          </p:spPr>
+          <p:style>
+            <a:lnRef idx="2">
+              <a:schemeClr val="accent1">
+                <a:shade val="50000"/>
+              </a:schemeClr>
+            </a:lnRef>
+            <a:fillRef idx="1">
+              <a:schemeClr val="accent1"/>
+            </a:fillRef>
+            <a:effectRef idx="0">
+              <a:schemeClr val="accent1"/>
+            </a:effectRef>
+            <a:fontRef idx="minor">
+              <a:schemeClr val="lt1"/>
+            </a:fontRef>
+          </p:style>
+          <p:txBody>
+            <a:bodyPr rtlCol="0" anchor="ctr"/>
+            <a:lstStyle/>
+            <a:p>
+              <a:endParaRPr lang="en-US" altLang="zh-CN" sz="2000" dirty="0">
+                <a:solidFill>
+                  <a:schemeClr val="tx1"/>
+                </a:solidFill>
+                <a:latin typeface="楷体" panose="02010609060101010101" pitchFamily="49" charset="-122"/>
+                <a:ea typeface="楷体" panose="02010609060101010101" pitchFamily="49" charset="-122"/>
+              </a:endParaRPr>
+            </a:p>
+          </p:txBody>
+        </p:sp>
+        <p:sp>
+          <p:nvSpPr>
+            <p:cNvPr id="13" name="矩形 12">
+              <a:extLst>
+                <a:ext uri="{FF2B5EF4-FFF2-40B4-BE49-F238E27FC236}">
+                  <a16:creationId xmlns:a16="http://schemas.microsoft.com/office/drawing/2014/main" id="{661FDE28-B2B1-4D8A-9601-4CF5B6661D38}"/>
+                </a:ext>
+              </a:extLst>
+            </p:cNvPr>
+            <p:cNvSpPr/>
+            <p:nvPr/>
+          </p:nvSpPr>
+          <p:spPr>
+            <a:xfrm>
+              <a:off x="1650609" y="-450167"/>
+              <a:ext cx="6243126" cy="5909237"/>
+            </a:xfrm>
+            <a:prstGeom prst="rect">
+              <a:avLst/>
+            </a:prstGeom>
+            <a:solidFill>
+              <a:srgbClr val="B0D2A0"/>
+            </a:solidFill>
+            <a:ln>
+              <a:solidFill>
+                <a:srgbClr val="B0D2A0"/>
+              </a:solidFill>
+            </a:ln>
+          </p:spPr>
+          <p:style>
+            <a:lnRef idx="2">
+              <a:schemeClr val="accent1">
+                <a:shade val="50000"/>
+              </a:schemeClr>
+            </a:lnRef>
+            <a:fillRef idx="1">
+              <a:schemeClr val="accent1"/>
+            </a:fillRef>
+            <a:effectRef idx="0">
+              <a:schemeClr val="accent1"/>
+            </a:effectRef>
+            <a:fontRef idx="minor">
+              <a:schemeClr val="lt1"/>
+            </a:fontRef>
+          </p:style>
+          <p:txBody>
+            <a:bodyPr rtlCol="0" anchor="ctr"/>
+            <a:lstStyle/>
+            <a:p>
+              <a:pPr algn="ctr" rtl="0">
+                <a:spcBef>
+                  <a:spcPts val="0"/>
+                </a:spcBef>
+                <a:spcAft>
+                  <a:spcPts val="0"/>
+                </a:spcAft>
+              </a:pPr>
+              <a:endParaRPr lang="en-US" altLang="zh-CN" sz="2800" dirty="0">
+                <a:solidFill>
+                  <a:schemeClr val="tx1"/>
+                </a:solidFill>
+                <a:latin typeface="Times New Roman" panose="02020603050405020304" pitchFamily="18" charset="0"/>
+                <a:ea typeface="楷体" panose="02010609060101010101" pitchFamily="49" charset="-122"/>
+                <a:cs typeface="Times New Roman" panose="02020603050405020304" pitchFamily="18" charset="0"/>
+              </a:endParaRPr>
+            </a:p>
+          </p:txBody>
+        </p:sp>
+      </p:grpSp>
+      <p:sp>
+        <p:nvSpPr>
+          <p:cNvPr id="12" name="TextBox 11">
+            <a:extLst>
+              <a:ext uri="{FF2B5EF4-FFF2-40B4-BE49-F238E27FC236}">
+                <a16:creationId xmlns:a16="http://schemas.microsoft.com/office/drawing/2014/main" id="{C4ED59B3-BEE9-1185-E370-B9608FD7FBD1}"/>
+              </a:ext>
+            </a:extLst>
+          </p:cNvPr>
+          <p:cNvSpPr txBox="1"/>
+          <p:nvPr/>
+        </p:nvSpPr>
+        <p:spPr>
+          <a:xfrm>
+            <a:off x="2577111" y="1202331"/>
+            <a:ext cx="6339842" cy="923330"/>
+          </a:xfrm>
+          <a:prstGeom prst="rect">
+            <a:avLst/>
+          </a:prstGeom>
+          <a:noFill/>
+        </p:spPr>
+        <p:txBody>
+          <a:bodyPr wrap="square">
+            <a:spAutoFit/>
+          </a:bodyPr>
+          <a:lstStyle/>
+          <a:p>
+            <a:pPr algn="ctr"/>
+            <a:r>
+              <a:rPr lang="en-US" sz="1800" b="0" i="0" u="none" strike="noStrike" dirty="0">
+                <a:solidFill>
+                  <a:srgbClr val="000000"/>
+                </a:solidFill>
+                <a:effectLst/>
+                <a:latin typeface="Arial" panose="020B0604020202020204" pitchFamily="34" charset="0"/>
+              </a:rPr>
+              <a:t>Sometimes there is one restaurant and sometimes there are two restaurants. Sometimes Alex will be there, and sometimes he won’t, and it will just be you playing.</a:t>
+            </a:r>
+            <a:endParaRPr lang="en-US" sz="2800" b="0" dirty="0">
+              <a:effectLst/>
+            </a:endParaRPr>
+          </a:p>
+        </p:txBody>
+      </p:sp>
+      <p:sp>
+        <p:nvSpPr>
+          <p:cNvPr id="15" name="TextBox 14">
+            <a:extLst>
+              <a:ext uri="{FF2B5EF4-FFF2-40B4-BE49-F238E27FC236}">
+                <a16:creationId xmlns:a16="http://schemas.microsoft.com/office/drawing/2014/main" id="{905811D4-0225-FD17-AB57-ACF6C8741475}"/>
+              </a:ext>
+            </a:extLst>
+          </p:cNvPr>
+          <p:cNvSpPr txBox="1"/>
+          <p:nvPr/>
+        </p:nvSpPr>
+        <p:spPr>
+          <a:xfrm>
+            <a:off x="2577110" y="2219712"/>
+            <a:ext cx="6397427" cy="1908215"/>
+          </a:xfrm>
+          <a:prstGeom prst="rect">
+            <a:avLst/>
+          </a:prstGeom>
+          <a:noFill/>
+        </p:spPr>
+        <p:txBody>
+          <a:bodyPr wrap="square">
+            <a:spAutoFit/>
+          </a:bodyPr>
+          <a:lstStyle/>
+          <a:p>
+            <a:pPr algn="ctr" rtl="0">
+              <a:spcBef>
+                <a:spcPts val="0"/>
+              </a:spcBef>
+              <a:spcAft>
+                <a:spcPts val="0"/>
+              </a:spcAft>
+            </a:pPr>
+            <a:endParaRPr lang="en-US" dirty="0">
+              <a:solidFill>
+                <a:srgbClr val="000000"/>
+              </a:solidFill>
+              <a:latin typeface="Arial" panose="020B0604020202020204" pitchFamily="34" charset="0"/>
+            </a:endParaRPr>
+          </a:p>
+          <a:p>
+            <a:pPr algn="ctr" rtl="0">
+              <a:spcBef>
+                <a:spcPts val="0"/>
+              </a:spcBef>
+              <a:spcAft>
+                <a:spcPts val="0"/>
+              </a:spcAft>
+            </a:pPr>
+            <a:r>
+              <a:rPr lang="en-US" sz="1800" b="0" i="0" u="none" strike="noStrike" dirty="0">
+                <a:solidFill>
+                  <a:srgbClr val="000000"/>
+                </a:solidFill>
+                <a:effectLst/>
+                <a:latin typeface="Arial" panose="020B0604020202020204" pitchFamily="34" charset="0"/>
+              </a:rPr>
+              <a:t>Your goal is to use the arrow keys (</a:t>
+            </a:r>
+            <a:r>
+              <a:rPr lang="en-US" dirty="0"/>
+              <a:t>↑↓←</a:t>
+            </a:r>
+            <a:r>
+              <a:rPr lang="zh-CN" altLang="en-US" dirty="0"/>
+              <a:t> </a:t>
+            </a:r>
+            <a:r>
+              <a:rPr lang="en-US" dirty="0"/>
+              <a:t>→</a:t>
+            </a:r>
+            <a:r>
+              <a:rPr lang="en-US" sz="1800" b="0" i="0" u="none" strike="noStrike" dirty="0">
+                <a:solidFill>
+                  <a:srgbClr val="000000"/>
+                </a:solidFill>
+                <a:effectLst/>
+                <a:latin typeface="Arial" panose="020B0604020202020204" pitchFamily="34" charset="0"/>
+              </a:rPr>
+              <a:t>) on the computer to reach one of the restaurants for a meal</a:t>
+            </a:r>
+          </a:p>
+          <a:p>
+            <a:pPr algn="ctr" rtl="0">
+              <a:spcBef>
+                <a:spcPts val="0"/>
+              </a:spcBef>
+              <a:spcAft>
+                <a:spcPts val="0"/>
+              </a:spcAft>
+            </a:pPr>
+            <a:r>
+              <a:rPr lang="en-US" sz="1800" b="0" i="0" u="none" strike="noStrike" dirty="0">
+                <a:solidFill>
+                  <a:srgbClr val="000000"/>
+                </a:solidFill>
+                <a:effectLst/>
+                <a:latin typeface="Arial" panose="020B0604020202020204" pitchFamily="34" charset="0"/>
+              </a:rPr>
+              <a:t> as fast as possible. </a:t>
+            </a:r>
+            <a:endParaRPr lang="en-US" b="0" dirty="0">
+              <a:effectLst/>
+            </a:endParaRPr>
+          </a:p>
+          <a:p>
+            <a:br>
+              <a:rPr lang="en-US" dirty="0"/>
+            </a:br>
+            <a:endParaRPr lang="en-US" altLang="zh-CN" sz="2800" dirty="0">
+              <a:solidFill>
+                <a:schemeClr val="tx1"/>
+              </a:solidFill>
+              <a:latin typeface="Times New Roman" panose="02020603050405020304" pitchFamily="18" charset="0"/>
+              <a:ea typeface="楷体" panose="02010609060101010101" pitchFamily="49" charset="-122"/>
+              <a:cs typeface="Times New Roman" panose="02020603050405020304" pitchFamily="18" charset="0"/>
+            </a:endParaRPr>
+          </a:p>
+        </p:txBody>
+      </p:sp>
+      <p:grpSp>
+        <p:nvGrpSpPr>
+          <p:cNvPr id="16" name="Group 15">
+            <a:extLst>
+              <a:ext uri="{FF2B5EF4-FFF2-40B4-BE49-F238E27FC236}">
+                <a16:creationId xmlns:a16="http://schemas.microsoft.com/office/drawing/2014/main" id="{B2C42EBE-08FE-681F-7520-655FF225A0EC}"/>
+              </a:ext>
+            </a:extLst>
+          </p:cNvPr>
+          <p:cNvGrpSpPr/>
+          <p:nvPr/>
+        </p:nvGrpSpPr>
+        <p:grpSpPr>
+          <a:xfrm>
+            <a:off x="2923954" y="3960078"/>
+            <a:ext cx="3025292" cy="2320085"/>
+            <a:chOff x="2923954" y="3960078"/>
+            <a:chExt cx="3025292" cy="2320085"/>
+          </a:xfrm>
+        </p:grpSpPr>
+        <p:sp>
+          <p:nvSpPr>
+            <p:cNvPr id="18" name="Rectangle 17">
+              <a:extLst>
+                <a:ext uri="{FF2B5EF4-FFF2-40B4-BE49-F238E27FC236}">
+                  <a16:creationId xmlns:a16="http://schemas.microsoft.com/office/drawing/2014/main" id="{90FF2A23-E902-3D55-A451-9AFA096F12AC}"/>
+                </a:ext>
+              </a:extLst>
+            </p:cNvPr>
+            <p:cNvSpPr/>
+            <p:nvPr/>
+          </p:nvSpPr>
+          <p:spPr>
+            <a:xfrm>
+              <a:off x="2923954" y="3960078"/>
+              <a:ext cx="2629588" cy="2320085"/>
+            </a:xfrm>
+            <a:prstGeom prst="rect">
+              <a:avLst/>
+            </a:prstGeom>
+            <a:solidFill>
+              <a:schemeClr val="bg1"/>
+            </a:solidFill>
+          </p:spPr>
+          <p:style>
+            <a:lnRef idx="2">
+              <a:schemeClr val="accent1">
+                <a:shade val="15000"/>
+              </a:schemeClr>
+            </a:lnRef>
+            <a:fillRef idx="1">
+              <a:schemeClr val="accent1"/>
+            </a:fillRef>
+            <a:effectRef idx="0">
+              <a:schemeClr val="accent1"/>
+            </a:effectRef>
+            <a:fontRef idx="minor">
+              <a:schemeClr val="lt1"/>
+            </a:fontRef>
+          </p:style>
+          <p:txBody>
+            <a:bodyPr rtlCol="0" anchor="ctr"/>
+            <a:lstStyle/>
+            <a:p>
+              <a:pPr algn="ctr"/>
+              <a:endParaRPr lang="en-US" dirty="0"/>
+            </a:p>
+          </p:txBody>
+        </p:sp>
+        <p:sp>
+          <p:nvSpPr>
+            <p:cNvPr id="21" name="Oval 20">
+              <a:extLst>
+                <a:ext uri="{FF2B5EF4-FFF2-40B4-BE49-F238E27FC236}">
+                  <a16:creationId xmlns:a16="http://schemas.microsoft.com/office/drawing/2014/main" id="{F0A0B344-0FBF-B325-2540-75567638BDE8}"/>
+                </a:ext>
+              </a:extLst>
+            </p:cNvPr>
+            <p:cNvSpPr/>
+            <p:nvPr/>
+          </p:nvSpPr>
+          <p:spPr>
+            <a:xfrm>
+              <a:off x="4021805" y="5655669"/>
+              <a:ext cx="361507" cy="361507"/>
+            </a:xfrm>
+            <a:prstGeom prst="ellipse">
+              <a:avLst/>
+            </a:prstGeom>
+            <a:ln>
+              <a:noFill/>
+            </a:ln>
+          </p:spPr>
+          <p:style>
+            <a:lnRef idx="2">
+              <a:schemeClr val="accent1">
+                <a:shade val="15000"/>
+              </a:schemeClr>
+            </a:lnRef>
+            <a:fillRef idx="1">
+              <a:schemeClr val="accent1"/>
+            </a:fillRef>
+            <a:effectRef idx="0">
+              <a:schemeClr val="accent1"/>
+            </a:effectRef>
+            <a:fontRef idx="minor">
+              <a:schemeClr val="lt1"/>
+            </a:fontRef>
+          </p:style>
+          <p:txBody>
+            <a:bodyPr rtlCol="0" anchor="ctr"/>
+            <a:lstStyle/>
+            <a:p>
+              <a:pPr algn="ctr"/>
+              <a:endParaRPr lang="en-US" dirty="0"/>
+            </a:p>
+          </p:txBody>
+        </p:sp>
+        <p:sp>
+          <p:nvSpPr>
+            <p:cNvPr id="22" name="Rectangle 21">
+              <a:extLst>
+                <a:ext uri="{FF2B5EF4-FFF2-40B4-BE49-F238E27FC236}">
+                  <a16:creationId xmlns:a16="http://schemas.microsoft.com/office/drawing/2014/main" id="{0E853E8F-8CDD-A76C-3554-C539B7B98662}"/>
+                </a:ext>
+              </a:extLst>
+            </p:cNvPr>
+            <p:cNvSpPr/>
+            <p:nvPr/>
+          </p:nvSpPr>
+          <p:spPr>
+            <a:xfrm>
+              <a:off x="3065686" y="4796851"/>
+              <a:ext cx="407194" cy="407194"/>
+            </a:xfrm>
+            <a:prstGeom prst="rect">
+              <a:avLst/>
+            </a:prstGeom>
+            <a:solidFill>
+              <a:srgbClr val="C00000"/>
+            </a:solidFill>
+            <a:ln>
+              <a:noFill/>
+            </a:ln>
+          </p:spPr>
+          <p:style>
+            <a:lnRef idx="2">
+              <a:schemeClr val="accent1">
+                <a:shade val="15000"/>
+              </a:schemeClr>
+            </a:lnRef>
+            <a:fillRef idx="1">
+              <a:schemeClr val="accent1"/>
+            </a:fillRef>
+            <a:effectRef idx="0">
+              <a:schemeClr val="accent1"/>
+            </a:effectRef>
+            <a:fontRef idx="minor">
+              <a:schemeClr val="lt1"/>
+            </a:fontRef>
+          </p:style>
+          <p:txBody>
+            <a:bodyPr rtlCol="0" anchor="ctr"/>
+            <a:lstStyle/>
+            <a:p>
+              <a:pPr algn="ctr"/>
+              <a:endParaRPr lang="en-US"/>
+            </a:p>
+          </p:txBody>
+        </p:sp>
+        <p:sp>
+          <p:nvSpPr>
+            <p:cNvPr id="23" name="Rectangle 22">
+              <a:extLst>
+                <a:ext uri="{FF2B5EF4-FFF2-40B4-BE49-F238E27FC236}">
+                  <a16:creationId xmlns:a16="http://schemas.microsoft.com/office/drawing/2014/main" id="{565F800F-A109-84A8-9786-1F755198D8B4}"/>
+                </a:ext>
+              </a:extLst>
+            </p:cNvPr>
+            <p:cNvSpPr/>
+            <p:nvPr/>
+          </p:nvSpPr>
+          <p:spPr>
+            <a:xfrm>
+              <a:off x="4992069" y="4798054"/>
+              <a:ext cx="407194" cy="407194"/>
+            </a:xfrm>
+            <a:prstGeom prst="rect">
+              <a:avLst/>
+            </a:prstGeom>
+            <a:solidFill>
+              <a:srgbClr val="C00000"/>
+            </a:solidFill>
+            <a:ln>
+              <a:noFill/>
+            </a:ln>
+          </p:spPr>
+          <p:style>
+            <a:lnRef idx="2">
+              <a:schemeClr val="accent1">
+                <a:shade val="15000"/>
+              </a:schemeClr>
+            </a:lnRef>
+            <a:fillRef idx="1">
+              <a:schemeClr val="accent1"/>
+            </a:fillRef>
+            <a:effectRef idx="0">
+              <a:schemeClr val="accent1"/>
+            </a:effectRef>
+            <a:fontRef idx="minor">
+              <a:schemeClr val="lt1"/>
+            </a:fontRef>
+          </p:style>
+          <p:txBody>
+            <a:bodyPr rtlCol="0" anchor="ctr"/>
+            <a:lstStyle/>
+            <a:p>
+              <a:pPr algn="ctr"/>
+              <a:endParaRPr lang="en-US"/>
+            </a:p>
+          </p:txBody>
+        </p:sp>
+        <p:sp>
+          <p:nvSpPr>
+            <p:cNvPr id="24" name="TextBox 23">
+              <a:extLst>
+                <a:ext uri="{FF2B5EF4-FFF2-40B4-BE49-F238E27FC236}">
+                  <a16:creationId xmlns:a16="http://schemas.microsoft.com/office/drawing/2014/main" id="{302BE205-4550-BAB1-AF83-0B7B9743122F}"/>
+                </a:ext>
+              </a:extLst>
+            </p:cNvPr>
+            <p:cNvSpPr txBox="1"/>
+            <p:nvPr/>
+          </p:nvSpPr>
+          <p:spPr>
+            <a:xfrm>
+              <a:off x="4021805" y="5067055"/>
+              <a:ext cx="1927441" cy="369332"/>
+            </a:xfrm>
+            <a:prstGeom prst="rect">
+              <a:avLst/>
+            </a:prstGeom>
+            <a:noFill/>
+          </p:spPr>
+          <p:txBody>
+            <a:bodyPr wrap="square">
+              <a:spAutoFit/>
+            </a:bodyPr>
+            <a:lstStyle/>
+            <a:p>
+              <a:endParaRPr lang="en-US" dirty="0"/>
+            </a:p>
+          </p:txBody>
+        </p:sp>
+      </p:grpSp>
+      <p:grpSp>
+        <p:nvGrpSpPr>
+          <p:cNvPr id="27" name="Group 26">
+            <a:extLst>
+              <a:ext uri="{FF2B5EF4-FFF2-40B4-BE49-F238E27FC236}">
+                <a16:creationId xmlns:a16="http://schemas.microsoft.com/office/drawing/2014/main" id="{2E8C9929-0D00-3F2A-A36E-7259E55EA505}"/>
+              </a:ext>
+            </a:extLst>
+          </p:cNvPr>
+          <p:cNvGrpSpPr/>
+          <p:nvPr/>
+        </p:nvGrpSpPr>
+        <p:grpSpPr>
+          <a:xfrm>
+            <a:off x="5949246" y="3960078"/>
+            <a:ext cx="3025292" cy="2320085"/>
+            <a:chOff x="2923954" y="3960078"/>
+            <a:chExt cx="3025292" cy="2320085"/>
+          </a:xfrm>
+        </p:grpSpPr>
+        <p:sp>
+          <p:nvSpPr>
+            <p:cNvPr id="28" name="Rectangle 27">
+              <a:extLst>
+                <a:ext uri="{FF2B5EF4-FFF2-40B4-BE49-F238E27FC236}">
+                  <a16:creationId xmlns:a16="http://schemas.microsoft.com/office/drawing/2014/main" id="{9FA362B3-9A50-12F5-3E55-35FB5328EA04}"/>
+                </a:ext>
+              </a:extLst>
+            </p:cNvPr>
+            <p:cNvSpPr/>
+            <p:nvPr/>
+          </p:nvSpPr>
+          <p:spPr>
+            <a:xfrm>
+              <a:off x="2923954" y="3960078"/>
+              <a:ext cx="2629588" cy="2320085"/>
+            </a:xfrm>
+            <a:prstGeom prst="rect">
+              <a:avLst/>
+            </a:prstGeom>
+            <a:solidFill>
+              <a:schemeClr val="bg1"/>
+            </a:solidFill>
+          </p:spPr>
+          <p:style>
+            <a:lnRef idx="2">
+              <a:schemeClr val="accent1">
+                <a:shade val="15000"/>
+              </a:schemeClr>
+            </a:lnRef>
+            <a:fillRef idx="1">
+              <a:schemeClr val="accent1"/>
+            </a:fillRef>
+            <a:effectRef idx="0">
+              <a:schemeClr val="accent1"/>
+            </a:effectRef>
+            <a:fontRef idx="minor">
+              <a:schemeClr val="lt1"/>
+            </a:fontRef>
+          </p:style>
+          <p:txBody>
+            <a:bodyPr rtlCol="0" anchor="ctr"/>
+            <a:lstStyle/>
+            <a:p>
+              <a:pPr algn="ctr"/>
+              <a:endParaRPr lang="en-US" dirty="0"/>
+            </a:p>
+          </p:txBody>
+        </p:sp>
+        <p:sp>
+          <p:nvSpPr>
+            <p:cNvPr id="29" name="Oval 28">
+              <a:extLst>
+                <a:ext uri="{FF2B5EF4-FFF2-40B4-BE49-F238E27FC236}">
+                  <a16:creationId xmlns:a16="http://schemas.microsoft.com/office/drawing/2014/main" id="{2736295A-DC13-155B-6D95-ED988AA7D5FA}"/>
+                </a:ext>
+              </a:extLst>
+            </p:cNvPr>
+            <p:cNvSpPr/>
+            <p:nvPr/>
+          </p:nvSpPr>
+          <p:spPr>
+            <a:xfrm>
+              <a:off x="4021804" y="4119824"/>
+              <a:ext cx="361507" cy="361507"/>
+            </a:xfrm>
+            <a:prstGeom prst="ellipse">
+              <a:avLst/>
+            </a:prstGeom>
+            <a:solidFill>
+              <a:srgbClr val="00B050"/>
+            </a:solidFill>
+            <a:ln>
+              <a:noFill/>
+            </a:ln>
+          </p:spPr>
+          <p:style>
+            <a:lnRef idx="2">
+              <a:schemeClr val="accent1">
+                <a:shade val="15000"/>
+              </a:schemeClr>
+            </a:lnRef>
+            <a:fillRef idx="1">
+              <a:schemeClr val="accent1"/>
+            </a:fillRef>
+            <a:effectRef idx="0">
+              <a:schemeClr val="accent1"/>
+            </a:effectRef>
+            <a:fontRef idx="minor">
+              <a:schemeClr val="lt1"/>
+            </a:fontRef>
+          </p:style>
+          <p:txBody>
+            <a:bodyPr rtlCol="0" anchor="ctr"/>
+            <a:lstStyle/>
+            <a:p>
+              <a:pPr algn="ctr"/>
+              <a:endParaRPr lang="en-US" dirty="0"/>
+            </a:p>
+          </p:txBody>
+        </p:sp>
+        <p:sp>
+          <p:nvSpPr>
+            <p:cNvPr id="30" name="Oval 29">
+              <a:extLst>
+                <a:ext uri="{FF2B5EF4-FFF2-40B4-BE49-F238E27FC236}">
+                  <a16:creationId xmlns:a16="http://schemas.microsoft.com/office/drawing/2014/main" id="{973E1AEE-2256-7180-4015-2071DCFB3409}"/>
+                </a:ext>
+              </a:extLst>
+            </p:cNvPr>
+            <p:cNvSpPr/>
+            <p:nvPr/>
+          </p:nvSpPr>
+          <p:spPr>
+            <a:xfrm>
+              <a:off x="4021805" y="5655669"/>
+              <a:ext cx="361507" cy="361507"/>
+            </a:xfrm>
+            <a:prstGeom prst="ellipse">
+              <a:avLst/>
+            </a:prstGeom>
+            <a:ln>
+              <a:noFill/>
+            </a:ln>
+          </p:spPr>
+          <p:style>
+            <a:lnRef idx="2">
+              <a:schemeClr val="accent1">
+                <a:shade val="15000"/>
+              </a:schemeClr>
+            </a:lnRef>
+            <a:fillRef idx="1">
+              <a:schemeClr val="accent1"/>
+            </a:fillRef>
+            <a:effectRef idx="0">
+              <a:schemeClr val="accent1"/>
+            </a:effectRef>
+            <a:fontRef idx="minor">
+              <a:schemeClr val="lt1"/>
+            </a:fontRef>
+          </p:style>
+          <p:txBody>
+            <a:bodyPr rtlCol="0" anchor="ctr"/>
+            <a:lstStyle/>
+            <a:p>
+              <a:pPr algn="ctr"/>
+              <a:endParaRPr lang="en-US" dirty="0"/>
+            </a:p>
+          </p:txBody>
+        </p:sp>
+        <p:sp>
+          <p:nvSpPr>
+            <p:cNvPr id="31" name="Rectangle 30">
+              <a:extLst>
+                <a:ext uri="{FF2B5EF4-FFF2-40B4-BE49-F238E27FC236}">
+                  <a16:creationId xmlns:a16="http://schemas.microsoft.com/office/drawing/2014/main" id="{365B9B86-3802-866E-6B16-BCF4CBEA0C41}"/>
+                </a:ext>
+              </a:extLst>
+            </p:cNvPr>
+            <p:cNvSpPr/>
+            <p:nvPr/>
+          </p:nvSpPr>
+          <p:spPr>
+            <a:xfrm>
+              <a:off x="3065686" y="4796851"/>
+              <a:ext cx="407194" cy="407194"/>
+            </a:xfrm>
+            <a:prstGeom prst="rect">
+              <a:avLst/>
+            </a:prstGeom>
+            <a:solidFill>
+              <a:srgbClr val="C00000"/>
+            </a:solidFill>
+            <a:ln>
+              <a:noFill/>
+            </a:ln>
+          </p:spPr>
+          <p:style>
+            <a:lnRef idx="2">
+              <a:schemeClr val="accent1">
+                <a:shade val="15000"/>
+              </a:schemeClr>
+            </a:lnRef>
+            <a:fillRef idx="1">
+              <a:schemeClr val="accent1"/>
+            </a:fillRef>
+            <a:effectRef idx="0">
+              <a:schemeClr val="accent1"/>
+            </a:effectRef>
+            <a:fontRef idx="minor">
+              <a:schemeClr val="lt1"/>
+            </a:fontRef>
+          </p:style>
+          <p:txBody>
+            <a:bodyPr rtlCol="0" anchor="ctr"/>
+            <a:lstStyle/>
+            <a:p>
+              <a:pPr algn="ctr"/>
+              <a:endParaRPr lang="en-US"/>
+            </a:p>
+          </p:txBody>
+        </p:sp>
+        <p:sp>
+          <p:nvSpPr>
+            <p:cNvPr id="32" name="Rectangle 31">
+              <a:extLst>
+                <a:ext uri="{FF2B5EF4-FFF2-40B4-BE49-F238E27FC236}">
+                  <a16:creationId xmlns:a16="http://schemas.microsoft.com/office/drawing/2014/main" id="{5B7F5C84-49EE-3DD6-08EA-BCFEF57857E2}"/>
+                </a:ext>
+              </a:extLst>
+            </p:cNvPr>
+            <p:cNvSpPr/>
+            <p:nvPr/>
+          </p:nvSpPr>
+          <p:spPr>
+            <a:xfrm>
+              <a:off x="4992069" y="4798054"/>
+              <a:ext cx="407194" cy="407194"/>
+            </a:xfrm>
+            <a:prstGeom prst="rect">
+              <a:avLst/>
+            </a:prstGeom>
+            <a:solidFill>
+              <a:srgbClr val="C00000"/>
+            </a:solidFill>
+            <a:ln>
+              <a:noFill/>
+            </a:ln>
+          </p:spPr>
+          <p:style>
+            <a:lnRef idx="2">
+              <a:schemeClr val="accent1">
+                <a:shade val="15000"/>
+              </a:schemeClr>
+            </a:lnRef>
+            <a:fillRef idx="1">
+              <a:schemeClr val="accent1"/>
+            </a:fillRef>
+            <a:effectRef idx="0">
+              <a:schemeClr val="accent1"/>
+            </a:effectRef>
+            <a:fontRef idx="minor">
+              <a:schemeClr val="lt1"/>
+            </a:fontRef>
+          </p:style>
+          <p:txBody>
+            <a:bodyPr rtlCol="0" anchor="ctr"/>
+            <a:lstStyle/>
+            <a:p>
+              <a:pPr algn="ctr"/>
+              <a:endParaRPr lang="en-US"/>
+            </a:p>
+          </p:txBody>
+        </p:sp>
+        <p:sp>
+          <p:nvSpPr>
+            <p:cNvPr id="33" name="TextBox 32">
+              <a:extLst>
+                <a:ext uri="{FF2B5EF4-FFF2-40B4-BE49-F238E27FC236}">
+                  <a16:creationId xmlns:a16="http://schemas.microsoft.com/office/drawing/2014/main" id="{5A2EE89C-26FE-345F-028E-1E23C2D036F0}"/>
+                </a:ext>
+              </a:extLst>
+            </p:cNvPr>
+            <p:cNvSpPr txBox="1"/>
+            <p:nvPr/>
+          </p:nvSpPr>
+          <p:spPr>
+            <a:xfrm>
+              <a:off x="4021805" y="5067055"/>
+              <a:ext cx="1927441" cy="369332"/>
+            </a:xfrm>
+            <a:prstGeom prst="rect">
+              <a:avLst/>
+            </a:prstGeom>
+            <a:noFill/>
+          </p:spPr>
+          <p:txBody>
+            <a:bodyPr wrap="square">
+              <a:spAutoFit/>
+            </a:bodyPr>
+            <a:lstStyle/>
+            <a:p>
+              <a:endParaRPr lang="en-US" dirty="0"/>
+            </a:p>
+          </p:txBody>
+        </p:sp>
+      </p:grpSp>
+    </p:spTree>
+    <p:extLst>
+      <p:ext uri="{BB962C8B-B14F-4D97-AF65-F5344CB8AC3E}">
+        <p14:creationId xmlns:p14="http://schemas.microsoft.com/office/powerpoint/2010/main" val="236705006"/>
+      </p:ext>
+    </p:extLst>
+  </p:cSld>
+  <p:clrMapOvr>
+    <a:masterClrMapping/>
+  </p:clrMapOvr>
+</p:sld>
+</file>
+
+<file path=ppt/slides/slide3.xml><?xml version="1.0" encoding="utf-8"?>
+<p:sld xmlns:a="http://schemas.openxmlformats.org/drawingml/2006/main" xmlns:r="http://schemas.openxmlformats.org/officeDocument/2006/relationships" xmlns:p="http://schemas.openxmlformats.org/presentationml/2006/main">
+  <p:cSld>
+    <p:spTree>
+      <p:nvGrpSpPr>
+        <p:cNvPr id="1" name=""/>
+        <p:cNvGrpSpPr/>
+        <p:nvPr/>
+      </p:nvGrpSpPr>
+      <p:grpSpPr>
+        <a:xfrm>
+          <a:off x="0" y="0"/>
+          <a:ext cx="0" cy="0"/>
+          <a:chOff x="0" y="0"/>
+          <a:chExt cx="0" cy="0"/>
+        </a:xfrm>
+      </p:grpSpPr>
+      <p:grpSp>
+        <p:nvGrpSpPr>
           <p:cNvPr id="19" name="组合 18">
             <a:extLst>
               <a:ext uri="{FF2B5EF4-FFF2-40B4-BE49-F238E27FC236}">
@@ -5033,260 +7451,7 @@
 </p:sld>
 </file>
 
-<file path=ppt/slides/slide10.xml><?xml version="1.0" encoding="utf-8"?>
-<p:sld xmlns:a="http://schemas.openxmlformats.org/drawingml/2006/main" xmlns:r="http://schemas.openxmlformats.org/officeDocument/2006/relationships" xmlns:p="http://schemas.openxmlformats.org/presentationml/2006/main">
-  <p:cSld>
-    <p:spTree>
-      <p:nvGrpSpPr>
-        <p:cNvPr id="1" name=""/>
-        <p:cNvGrpSpPr/>
-        <p:nvPr/>
-      </p:nvGrpSpPr>
-      <p:grpSpPr>
-        <a:xfrm>
-          <a:off x="0" y="0"/>
-          <a:ext cx="0" cy="0"/>
-          <a:chOff x="0" y="0"/>
-          <a:chExt cx="0" cy="0"/>
-        </a:xfrm>
-      </p:grpSpPr>
-      <p:grpSp>
-        <p:nvGrpSpPr>
-          <p:cNvPr id="19" name="组合 18">
-            <a:extLst>
-              <a:ext uri="{FF2B5EF4-FFF2-40B4-BE49-F238E27FC236}">
-                <a16:creationId xmlns:a16="http://schemas.microsoft.com/office/drawing/2014/main" id="{DE9C536E-1274-45A4-8808-A31579281473}"/>
-              </a:ext>
-            </a:extLst>
-          </p:cNvPr>
-          <p:cNvGrpSpPr/>
-          <p:nvPr/>
-        </p:nvGrpSpPr>
-        <p:grpSpPr>
-          <a:xfrm>
-            <a:off x="2577112" y="474381"/>
-            <a:ext cx="6339842" cy="5909238"/>
-            <a:chOff x="1650608" y="-450167"/>
-            <a:chExt cx="6339842" cy="5909238"/>
-          </a:xfrm>
-        </p:grpSpPr>
-        <p:sp>
-          <p:nvSpPr>
-            <p:cNvPr id="17" name="矩形 16">
-              <a:extLst>
-                <a:ext uri="{FF2B5EF4-FFF2-40B4-BE49-F238E27FC236}">
-                  <a16:creationId xmlns:a16="http://schemas.microsoft.com/office/drawing/2014/main" id="{08C262F2-BA1A-47F0-99F5-5E2AB168A192}"/>
-                </a:ext>
-              </a:extLst>
-            </p:cNvPr>
-            <p:cNvSpPr/>
-            <p:nvPr/>
-          </p:nvSpPr>
-          <p:spPr>
-            <a:xfrm>
-              <a:off x="1650608" y="-450167"/>
-              <a:ext cx="6339842" cy="5909238"/>
-            </a:xfrm>
-            <a:prstGeom prst="rect">
-              <a:avLst/>
-            </a:prstGeom>
-            <a:solidFill>
-              <a:srgbClr val="B0D2A0"/>
-            </a:solidFill>
-            <a:ln>
-              <a:solidFill>
-                <a:srgbClr val="B0D2A0"/>
-              </a:solidFill>
-            </a:ln>
-          </p:spPr>
-          <p:style>
-            <a:lnRef idx="2">
-              <a:schemeClr val="accent1">
-                <a:shade val="50000"/>
-              </a:schemeClr>
-            </a:lnRef>
-            <a:fillRef idx="1">
-              <a:schemeClr val="accent1"/>
-            </a:fillRef>
-            <a:effectRef idx="0">
-              <a:schemeClr val="accent1"/>
-            </a:effectRef>
-            <a:fontRef idx="minor">
-              <a:schemeClr val="lt1"/>
-            </a:fontRef>
-          </p:style>
-          <p:txBody>
-            <a:bodyPr rtlCol="0" anchor="ctr"/>
-            <a:lstStyle/>
-            <a:p>
-              <a:endParaRPr lang="en-US" altLang="zh-CN" sz="2000" dirty="0">
-                <a:solidFill>
-                  <a:schemeClr val="tx1"/>
-                </a:solidFill>
-                <a:latin typeface="楷体" panose="02010609060101010101" pitchFamily="49" charset="-122"/>
-                <a:ea typeface="楷体" panose="02010609060101010101" pitchFamily="49" charset="-122"/>
-              </a:endParaRPr>
-            </a:p>
-          </p:txBody>
-        </p:sp>
-        <p:sp>
-          <p:nvSpPr>
-            <p:cNvPr id="13" name="矩形 12">
-              <a:extLst>
-                <a:ext uri="{FF2B5EF4-FFF2-40B4-BE49-F238E27FC236}">
-                  <a16:creationId xmlns:a16="http://schemas.microsoft.com/office/drawing/2014/main" id="{661FDE28-B2B1-4D8A-9601-4CF5B6661D38}"/>
-                </a:ext>
-              </a:extLst>
-            </p:cNvPr>
-            <p:cNvSpPr/>
-            <p:nvPr/>
-          </p:nvSpPr>
-          <p:spPr>
-            <a:xfrm>
-              <a:off x="1650609" y="-450167"/>
-              <a:ext cx="6243126" cy="5909237"/>
-            </a:xfrm>
-            <a:prstGeom prst="rect">
-              <a:avLst/>
-            </a:prstGeom>
-            <a:solidFill>
-              <a:srgbClr val="B0D2A0"/>
-            </a:solidFill>
-            <a:ln>
-              <a:solidFill>
-                <a:srgbClr val="B0D2A0"/>
-              </a:solidFill>
-            </a:ln>
-          </p:spPr>
-          <p:style>
-            <a:lnRef idx="2">
-              <a:schemeClr val="accent1">
-                <a:shade val="50000"/>
-              </a:schemeClr>
-            </a:lnRef>
-            <a:fillRef idx="1">
-              <a:schemeClr val="accent1"/>
-            </a:fillRef>
-            <a:effectRef idx="0">
-              <a:schemeClr val="accent1"/>
-            </a:effectRef>
-            <a:fontRef idx="minor">
-              <a:schemeClr val="lt1"/>
-            </a:fontRef>
-          </p:style>
-          <p:txBody>
-            <a:bodyPr rtlCol="0" anchor="ctr"/>
-            <a:lstStyle/>
-            <a:p>
-              <a:br>
-                <a:rPr lang="en-US" dirty="0"/>
-              </a:br>
-              <a:endParaRPr lang="en-US" altLang="zh-CN" sz="2800" dirty="0">
-                <a:solidFill>
-                  <a:schemeClr val="tx1"/>
-                </a:solidFill>
-                <a:latin typeface="Times New Roman" panose="02020603050405020304" pitchFamily="18" charset="0"/>
-                <a:ea typeface="楷体" panose="02010609060101010101" pitchFamily="49" charset="-122"/>
-                <a:cs typeface="Times New Roman" panose="02020603050405020304" pitchFamily="18" charset="0"/>
-              </a:endParaRPr>
-            </a:p>
-          </p:txBody>
-        </p:sp>
-      </p:grpSp>
-    </p:spTree>
-    <p:extLst>
-      <p:ext uri="{BB962C8B-B14F-4D97-AF65-F5344CB8AC3E}">
-        <p14:creationId xmlns:p14="http://schemas.microsoft.com/office/powerpoint/2010/main" val="2258094496"/>
-      </p:ext>
-    </p:extLst>
-  </p:cSld>
-  <p:clrMapOvr>
-    <a:masterClrMapping/>
-  </p:clrMapOvr>
-</p:sld>
-</file>
-
-<file path=ppt/slides/slide11.xml><?xml version="1.0" encoding="utf-8"?>
-<p:sld xmlns:a="http://schemas.openxmlformats.org/drawingml/2006/main" xmlns:r="http://schemas.openxmlformats.org/officeDocument/2006/relationships" xmlns:p="http://schemas.openxmlformats.org/presentationml/2006/main">
-  <p:cSld>
-    <p:spTree>
-      <p:nvGrpSpPr>
-        <p:cNvPr id="1" name=""/>
-        <p:cNvGrpSpPr/>
-        <p:nvPr/>
-      </p:nvGrpSpPr>
-      <p:grpSpPr>
-        <a:xfrm>
-          <a:off x="0" y="0"/>
-          <a:ext cx="0" cy="0"/>
-          <a:chOff x="0" y="0"/>
-          <a:chExt cx="0" cy="0"/>
-        </a:xfrm>
-      </p:grpSpPr>
-      <p:sp>
-        <p:nvSpPr>
-          <p:cNvPr id="2" name="Title 1">
-            <a:extLst>
-              <a:ext uri="{FF2B5EF4-FFF2-40B4-BE49-F238E27FC236}">
-                <a16:creationId xmlns:a16="http://schemas.microsoft.com/office/drawing/2014/main" id="{B431B499-D516-B2A4-F113-A439C586E581}"/>
-              </a:ext>
-            </a:extLst>
-          </p:cNvPr>
-          <p:cNvSpPr>
-            <a:spLocks noGrp="1"/>
-          </p:cNvSpPr>
-          <p:nvPr>
-            <p:ph type="title"/>
-          </p:nvPr>
-        </p:nvSpPr>
-        <p:spPr/>
-        <p:txBody>
-          <a:bodyPr/>
-          <a:lstStyle/>
-          <a:p>
-            <a:endParaRPr lang="en-US"/>
-          </a:p>
-        </p:txBody>
-      </p:sp>
-      <p:sp>
-        <p:nvSpPr>
-          <p:cNvPr id="3" name="Content Placeholder 2">
-            <a:extLst>
-              <a:ext uri="{FF2B5EF4-FFF2-40B4-BE49-F238E27FC236}">
-                <a16:creationId xmlns:a16="http://schemas.microsoft.com/office/drawing/2014/main" id="{6758539F-AB19-E7B4-947D-DE33ABDE3A04}"/>
-              </a:ext>
-            </a:extLst>
-          </p:cNvPr>
-          <p:cNvSpPr>
-            <a:spLocks noGrp="1"/>
-          </p:cNvSpPr>
-          <p:nvPr>
-            <p:ph idx="1"/>
-          </p:nvPr>
-        </p:nvSpPr>
-        <p:spPr/>
-        <p:txBody>
-          <a:bodyPr/>
-          <a:lstStyle/>
-          <a:p>
-            <a:endParaRPr lang="en-US"/>
-          </a:p>
-        </p:txBody>
-      </p:sp>
-    </p:spTree>
-    <p:extLst>
-      <p:ext uri="{BB962C8B-B14F-4D97-AF65-F5344CB8AC3E}">
-        <p14:creationId xmlns:p14="http://schemas.microsoft.com/office/powerpoint/2010/main" val="3572149388"/>
-      </p:ext>
-    </p:extLst>
-  </p:cSld>
-  <p:clrMapOvr>
-    <a:masterClrMapping/>
-  </p:clrMapOvr>
-</p:sld>
-</file>
-
-<file path=ppt/slides/slide2.xml><?xml version="1.0" encoding="utf-8"?>
+<file path=ppt/slides/slide4.xml><?xml version="1.0" encoding="utf-8"?>
 <p:sld xmlns:a="http://schemas.openxmlformats.org/drawingml/2006/main" xmlns:r="http://schemas.openxmlformats.org/officeDocument/2006/relationships" xmlns:p="http://schemas.openxmlformats.org/presentationml/2006/main">
   <p:cSld>
     <p:spTree>
@@ -5499,7 +7664,7 @@
 </p:sld>
 </file>
 
-<file path=ppt/slides/slide3.xml><?xml version="1.0" encoding="utf-8"?>
+<file path=ppt/slides/slide5.xml><?xml version="1.0" encoding="utf-8"?>
 <p:sld xmlns:a="http://schemas.openxmlformats.org/drawingml/2006/main" xmlns:r="http://schemas.openxmlformats.org/officeDocument/2006/relationships" xmlns:p="http://schemas.openxmlformats.org/presentationml/2006/main">
   <p:cSld>
     <p:spTree>
@@ -5805,7 +7970,7 @@
 </p:sld>
 </file>
 
-<file path=ppt/slides/slide4.xml><?xml version="1.0" encoding="utf-8"?>
+<file path=ppt/slides/slide6.xml><?xml version="1.0" encoding="utf-8"?>
 <p:sld xmlns:a="http://schemas.openxmlformats.org/drawingml/2006/main" xmlns:r="http://schemas.openxmlformats.org/officeDocument/2006/relationships" xmlns:p="http://schemas.openxmlformats.org/presentationml/2006/main">
   <p:cSld>
     <p:spTree>
@@ -5960,7 +8125,7 @@
 </p:sld>
 </file>
 
-<file path=ppt/slides/slide5.xml><?xml version="1.0" encoding="utf-8"?>
+<file path=ppt/slides/slide7.xml><?xml version="1.0" encoding="utf-8"?>
 <p:sld xmlns:a="http://schemas.openxmlformats.org/drawingml/2006/main" xmlns:r="http://schemas.openxmlformats.org/officeDocument/2006/relationships" xmlns:p="http://schemas.openxmlformats.org/presentationml/2006/main">
   <p:cSld>
     <p:spTree>
@@ -6535,887 +8700,6 @@
 </p:sld>
 </file>
 
-<file path=ppt/slides/slide6.xml><?xml version="1.0" encoding="utf-8"?>
-<p:sld xmlns:a="http://schemas.openxmlformats.org/drawingml/2006/main" xmlns:r="http://schemas.openxmlformats.org/officeDocument/2006/relationships" xmlns:p="http://schemas.openxmlformats.org/presentationml/2006/main">
-  <p:cSld>
-    <p:spTree>
-      <p:nvGrpSpPr>
-        <p:cNvPr id="1" name=""/>
-        <p:cNvGrpSpPr/>
-        <p:nvPr/>
-      </p:nvGrpSpPr>
-      <p:grpSpPr>
-        <a:xfrm>
-          <a:off x="0" y="0"/>
-          <a:ext cx="0" cy="0"/>
-          <a:chOff x="0" y="0"/>
-          <a:chExt cx="0" cy="0"/>
-        </a:xfrm>
-      </p:grpSpPr>
-      <p:sp>
-        <p:nvSpPr>
-          <p:cNvPr id="2" name="Title 1">
-            <a:extLst>
-              <a:ext uri="{FF2B5EF4-FFF2-40B4-BE49-F238E27FC236}">
-                <a16:creationId xmlns:a16="http://schemas.microsoft.com/office/drawing/2014/main" id="{212C0D93-B3EC-0FEB-C86C-FD32795E5F43}"/>
-              </a:ext>
-            </a:extLst>
-          </p:cNvPr>
-          <p:cNvSpPr>
-            <a:spLocks noGrp="1"/>
-          </p:cNvSpPr>
-          <p:nvPr>
-            <p:ph type="title"/>
-          </p:nvPr>
-        </p:nvSpPr>
-        <p:spPr/>
-        <p:txBody>
-          <a:bodyPr/>
-          <a:lstStyle/>
-          <a:p>
-            <a:endParaRPr lang="en-US"/>
-          </a:p>
-        </p:txBody>
-      </p:sp>
-      <p:sp>
-        <p:nvSpPr>
-          <p:cNvPr id="3" name="Content Placeholder 2">
-            <a:extLst>
-              <a:ext uri="{FF2B5EF4-FFF2-40B4-BE49-F238E27FC236}">
-                <a16:creationId xmlns:a16="http://schemas.microsoft.com/office/drawing/2014/main" id="{1A8F36EF-30E7-94F8-D684-2D38C55B6F78}"/>
-              </a:ext>
-            </a:extLst>
-          </p:cNvPr>
-          <p:cNvSpPr>
-            <a:spLocks noGrp="1"/>
-          </p:cNvSpPr>
-          <p:nvPr>
-            <p:ph idx="1"/>
-          </p:nvPr>
-        </p:nvSpPr>
-        <p:spPr/>
-        <p:txBody>
-          <a:bodyPr/>
-          <a:lstStyle/>
-          <a:p>
-            <a:endParaRPr lang="en-US"/>
-          </a:p>
-        </p:txBody>
-      </p:sp>
-    </p:spTree>
-    <p:extLst>
-      <p:ext uri="{BB962C8B-B14F-4D97-AF65-F5344CB8AC3E}">
-        <p14:creationId xmlns:p14="http://schemas.microsoft.com/office/powerpoint/2010/main" val="1436597768"/>
-      </p:ext>
-    </p:extLst>
-  </p:cSld>
-  <p:clrMapOvr>
-    <a:masterClrMapping/>
-  </p:clrMapOvr>
-</p:sld>
-</file>
-
-<file path=ppt/slides/slide7.xml><?xml version="1.0" encoding="utf-8"?>
-<p:sld xmlns:a="http://schemas.openxmlformats.org/drawingml/2006/main" xmlns:r="http://schemas.openxmlformats.org/officeDocument/2006/relationships" xmlns:p="http://schemas.openxmlformats.org/presentationml/2006/main">
-  <p:cSld>
-    <p:spTree>
-      <p:nvGrpSpPr>
-        <p:cNvPr id="1" name=""/>
-        <p:cNvGrpSpPr/>
-        <p:nvPr/>
-      </p:nvGrpSpPr>
-      <p:grpSpPr>
-        <a:xfrm>
-          <a:off x="0" y="0"/>
-          <a:ext cx="0" cy="0"/>
-          <a:chOff x="0" y="0"/>
-          <a:chExt cx="0" cy="0"/>
-        </a:xfrm>
-      </p:grpSpPr>
-      <p:grpSp>
-        <p:nvGrpSpPr>
-          <p:cNvPr id="19" name="组合 18">
-            <a:extLst>
-              <a:ext uri="{FF2B5EF4-FFF2-40B4-BE49-F238E27FC236}">
-                <a16:creationId xmlns:a16="http://schemas.microsoft.com/office/drawing/2014/main" id="{DE9C536E-1274-45A4-8808-A31579281473}"/>
-              </a:ext>
-            </a:extLst>
-          </p:cNvPr>
-          <p:cNvGrpSpPr/>
-          <p:nvPr/>
-        </p:nvGrpSpPr>
-        <p:grpSpPr>
-          <a:xfrm>
-            <a:off x="2577112" y="474381"/>
-            <a:ext cx="6339842" cy="5909238"/>
-            <a:chOff x="1650608" y="-450167"/>
-            <a:chExt cx="6339842" cy="5909238"/>
-          </a:xfrm>
-        </p:grpSpPr>
-        <p:sp>
-          <p:nvSpPr>
-            <p:cNvPr id="17" name="矩形 16">
-              <a:extLst>
-                <a:ext uri="{FF2B5EF4-FFF2-40B4-BE49-F238E27FC236}">
-                  <a16:creationId xmlns:a16="http://schemas.microsoft.com/office/drawing/2014/main" id="{08C262F2-BA1A-47F0-99F5-5E2AB168A192}"/>
-                </a:ext>
-              </a:extLst>
-            </p:cNvPr>
-            <p:cNvSpPr/>
-            <p:nvPr/>
-          </p:nvSpPr>
-          <p:spPr>
-            <a:xfrm>
-              <a:off x="1650608" y="-450167"/>
-              <a:ext cx="6339842" cy="5909238"/>
-            </a:xfrm>
-            <a:prstGeom prst="rect">
-              <a:avLst/>
-            </a:prstGeom>
-            <a:solidFill>
-              <a:srgbClr val="B0D2A0"/>
-            </a:solidFill>
-            <a:ln>
-              <a:solidFill>
-                <a:srgbClr val="B0D2A0"/>
-              </a:solidFill>
-            </a:ln>
-          </p:spPr>
-          <p:style>
-            <a:lnRef idx="2">
-              <a:schemeClr val="accent1">
-                <a:shade val="50000"/>
-              </a:schemeClr>
-            </a:lnRef>
-            <a:fillRef idx="1">
-              <a:schemeClr val="accent1"/>
-            </a:fillRef>
-            <a:effectRef idx="0">
-              <a:schemeClr val="accent1"/>
-            </a:effectRef>
-            <a:fontRef idx="minor">
-              <a:schemeClr val="lt1"/>
-            </a:fontRef>
-          </p:style>
-          <p:txBody>
-            <a:bodyPr rtlCol="0" anchor="ctr"/>
-            <a:lstStyle/>
-            <a:p>
-              <a:endParaRPr lang="en-US" altLang="zh-CN" sz="2000" dirty="0">
-                <a:solidFill>
-                  <a:schemeClr val="tx1"/>
-                </a:solidFill>
-                <a:latin typeface="楷体" panose="02010609060101010101" pitchFamily="49" charset="-122"/>
-                <a:ea typeface="楷体" panose="02010609060101010101" pitchFamily="49" charset="-122"/>
-              </a:endParaRPr>
-            </a:p>
-          </p:txBody>
-        </p:sp>
-        <p:sp>
-          <p:nvSpPr>
-            <p:cNvPr id="13" name="矩形 12">
-              <a:extLst>
-                <a:ext uri="{FF2B5EF4-FFF2-40B4-BE49-F238E27FC236}">
-                  <a16:creationId xmlns:a16="http://schemas.microsoft.com/office/drawing/2014/main" id="{661FDE28-B2B1-4D8A-9601-4CF5B6661D38}"/>
-                </a:ext>
-              </a:extLst>
-            </p:cNvPr>
-            <p:cNvSpPr/>
-            <p:nvPr/>
-          </p:nvSpPr>
-          <p:spPr>
-            <a:xfrm>
-              <a:off x="1650609" y="-450167"/>
-              <a:ext cx="6243126" cy="5909237"/>
-            </a:xfrm>
-            <a:prstGeom prst="rect">
-              <a:avLst/>
-            </a:prstGeom>
-            <a:solidFill>
-              <a:srgbClr val="B0D2A0"/>
-            </a:solidFill>
-            <a:ln>
-              <a:solidFill>
-                <a:srgbClr val="B0D2A0"/>
-              </a:solidFill>
-            </a:ln>
-          </p:spPr>
-          <p:style>
-            <a:lnRef idx="2">
-              <a:schemeClr val="accent1">
-                <a:shade val="50000"/>
-              </a:schemeClr>
-            </a:lnRef>
-            <a:fillRef idx="1">
-              <a:schemeClr val="accent1"/>
-            </a:fillRef>
-            <a:effectRef idx="0">
-              <a:schemeClr val="accent1"/>
-            </a:effectRef>
-            <a:fontRef idx="minor">
-              <a:schemeClr val="lt1"/>
-            </a:fontRef>
-          </p:style>
-          <p:txBody>
-            <a:bodyPr rtlCol="0" anchor="ctr"/>
-            <a:lstStyle/>
-            <a:p>
-              <a:pPr rtl="0">
-                <a:spcBef>
-                  <a:spcPts val="0"/>
-                </a:spcBef>
-                <a:spcAft>
-                  <a:spcPts val="0"/>
-                </a:spcAft>
-              </a:pPr>
-              <a:endParaRPr lang="en-US" sz="1800" b="0" i="0" u="none" strike="noStrike" dirty="0">
-                <a:solidFill>
-                  <a:srgbClr val="000000"/>
-                </a:solidFill>
-                <a:effectLst/>
-                <a:latin typeface="Arial" panose="020B0604020202020204" pitchFamily="34" charset="0"/>
-              </a:endParaRPr>
-            </a:p>
-            <a:p>
-              <a:pPr rtl="0">
-                <a:spcBef>
-                  <a:spcPts val="0"/>
-                </a:spcBef>
-                <a:spcAft>
-                  <a:spcPts val="0"/>
-                </a:spcAft>
-              </a:pPr>
-              <a:endParaRPr lang="en-US" dirty="0">
-                <a:solidFill>
-                  <a:srgbClr val="000000"/>
-                </a:solidFill>
-                <a:latin typeface="Arial" panose="020B0604020202020204" pitchFamily="34" charset="0"/>
-              </a:endParaRPr>
-            </a:p>
-            <a:p>
-              <a:pPr rtl="0">
-                <a:spcBef>
-                  <a:spcPts val="0"/>
-                </a:spcBef>
-                <a:spcAft>
-                  <a:spcPts val="0"/>
-                </a:spcAft>
-              </a:pPr>
-              <a:endParaRPr lang="en-US" sz="1800" b="0" i="0" u="none" strike="noStrike" dirty="0">
-                <a:solidFill>
-                  <a:srgbClr val="000000"/>
-                </a:solidFill>
-                <a:effectLst/>
-                <a:latin typeface="Arial" panose="020B0604020202020204" pitchFamily="34" charset="0"/>
-              </a:endParaRPr>
-            </a:p>
-            <a:p>
-              <a:endParaRPr lang="en-US" sz="1800" b="0" i="0" u="none" strike="noStrike" dirty="0">
-                <a:solidFill>
-                  <a:srgbClr val="000000"/>
-                </a:solidFill>
-                <a:effectLst/>
-                <a:latin typeface="Arial" panose="020B0604020202020204" pitchFamily="34" charset="0"/>
-              </a:endParaRPr>
-            </a:p>
-            <a:p>
-              <a:r>
-                <a:rPr lang="en-US" altLang="zh-CN" sz="1800" b="0" i="0" u="none" strike="noStrike" dirty="0">
-                  <a:solidFill>
-                    <a:srgbClr val="000000"/>
-                  </a:solidFill>
-                  <a:effectLst/>
-                  <a:latin typeface="Arial" panose="020B0604020202020204" pitchFamily="34" charset="0"/>
-                </a:rPr>
-                <a:t>Welcome</a:t>
-              </a:r>
-              <a:r>
-                <a:rPr lang="zh-CN" altLang="en-US" sz="1800" b="0" i="0" u="none" strike="noStrike" dirty="0">
-                  <a:solidFill>
-                    <a:srgbClr val="000000"/>
-                  </a:solidFill>
-                  <a:effectLst/>
-                  <a:latin typeface="Arial" panose="020B0604020202020204" pitchFamily="34" charset="0"/>
-                </a:rPr>
-                <a:t> </a:t>
-              </a:r>
-              <a:r>
-                <a:rPr lang="en-US" altLang="zh-CN" sz="1800" b="0" i="0" u="none" strike="noStrike" dirty="0">
-                  <a:solidFill>
-                    <a:srgbClr val="000000"/>
-                  </a:solidFill>
-                  <a:effectLst/>
-                  <a:latin typeface="Arial" panose="020B0604020202020204" pitchFamily="34" charset="0"/>
-                </a:rPr>
-                <a:t>to</a:t>
-              </a:r>
-              <a:r>
-                <a:rPr lang="zh-CN" altLang="en-US" sz="1800" b="0" i="0" u="none" strike="noStrike" dirty="0">
-                  <a:solidFill>
-                    <a:srgbClr val="000000"/>
-                  </a:solidFill>
-                  <a:effectLst/>
-                  <a:latin typeface="Arial" panose="020B0604020202020204" pitchFamily="34" charset="0"/>
-                </a:rPr>
-                <a:t> </a:t>
-              </a:r>
-              <a:r>
-                <a:rPr lang="en-US" altLang="zh-CN" sz="1800" b="0" i="0" u="none" strike="noStrike" dirty="0">
-                  <a:solidFill>
-                    <a:srgbClr val="000000"/>
-                  </a:solidFill>
-                  <a:effectLst/>
-                  <a:latin typeface="Arial" panose="020B0604020202020204" pitchFamily="34" charset="0"/>
-                </a:rPr>
-                <a:t>the</a:t>
-              </a:r>
-              <a:r>
-                <a:rPr lang="zh-CN" altLang="en-US" sz="1800" b="0" i="0" u="none" strike="noStrike" dirty="0">
-                  <a:solidFill>
-                    <a:srgbClr val="000000"/>
-                  </a:solidFill>
-                  <a:effectLst/>
-                  <a:latin typeface="Arial" panose="020B0604020202020204" pitchFamily="34" charset="0"/>
-                </a:rPr>
-                <a:t> </a:t>
-              </a:r>
-              <a:r>
-                <a:rPr lang="en-US" altLang="zh-CN" sz="1800" b="0" i="0" u="none" strike="noStrike" dirty="0">
-                  <a:solidFill>
-                    <a:srgbClr val="000000"/>
-                  </a:solidFill>
-                  <a:effectLst/>
-                  <a:latin typeface="Arial" panose="020B0604020202020204" pitchFamily="34" charset="0"/>
-                </a:rPr>
-                <a:t>game!</a:t>
-              </a:r>
-            </a:p>
-            <a:p>
-              <a:endParaRPr lang="en-US" sz="1800" b="0" i="0" u="none" strike="noStrike" dirty="0">
-                <a:solidFill>
-                  <a:srgbClr val="000000"/>
-                </a:solidFill>
-                <a:effectLst/>
-                <a:latin typeface="Arial" panose="020B0604020202020204" pitchFamily="34" charset="0"/>
-              </a:endParaRPr>
-            </a:p>
-            <a:p>
-              <a:r>
-                <a:rPr lang="en-US" sz="1800" b="0" i="0" u="none" strike="noStrike" dirty="0">
-                  <a:solidFill>
-                    <a:srgbClr val="000000"/>
-                  </a:solidFill>
-                  <a:effectLst/>
-                  <a:latin typeface="Arial" panose="020B0604020202020204" pitchFamily="34" charset="0"/>
-                </a:rPr>
-                <a:t>In this game there are two hungry travelers, who need to reach a restaurant as soon as possible to get some food.</a:t>
-              </a:r>
-            </a:p>
-            <a:p>
-              <a:pPr rtl="0">
-                <a:spcBef>
-                  <a:spcPts val="0"/>
-                </a:spcBef>
-                <a:spcAft>
-                  <a:spcPts val="0"/>
-                </a:spcAft>
-              </a:pPr>
-              <a:endParaRPr lang="en-US" dirty="0">
-                <a:solidFill>
-                  <a:srgbClr val="000000"/>
-                </a:solidFill>
-                <a:latin typeface="Arial" panose="020B0604020202020204" pitchFamily="34" charset="0"/>
-              </a:endParaRPr>
-            </a:p>
-            <a:p>
-              <a:pPr rtl="0">
-                <a:spcBef>
-                  <a:spcPts val="0"/>
-                </a:spcBef>
-                <a:spcAft>
-                  <a:spcPts val="0"/>
-                </a:spcAft>
-              </a:pPr>
-              <a:endParaRPr lang="en-US" sz="1800" b="0" i="0" u="none" strike="noStrike" dirty="0">
-                <a:solidFill>
-                  <a:srgbClr val="000000"/>
-                </a:solidFill>
-                <a:effectLst/>
-                <a:latin typeface="Arial" panose="020B0604020202020204" pitchFamily="34" charset="0"/>
-              </a:endParaRPr>
-            </a:p>
-            <a:p>
-              <a:pPr rtl="0">
-                <a:spcBef>
-                  <a:spcPts val="0"/>
-                </a:spcBef>
-                <a:spcAft>
-                  <a:spcPts val="0"/>
-                </a:spcAft>
-              </a:pPr>
-              <a:endParaRPr lang="en-US" dirty="0">
-                <a:solidFill>
-                  <a:srgbClr val="000000"/>
-                </a:solidFill>
-                <a:latin typeface="Arial" panose="020B0604020202020204" pitchFamily="34" charset="0"/>
-              </a:endParaRPr>
-            </a:p>
-            <a:p>
-              <a:pPr rtl="0">
-                <a:spcBef>
-                  <a:spcPts val="0"/>
-                </a:spcBef>
-                <a:spcAft>
-                  <a:spcPts val="0"/>
-                </a:spcAft>
-              </a:pPr>
-              <a:endParaRPr lang="en-US" sz="1800" b="0" i="0" u="none" strike="noStrike" dirty="0">
-                <a:solidFill>
-                  <a:srgbClr val="000000"/>
-                </a:solidFill>
-                <a:effectLst/>
-                <a:latin typeface="Arial" panose="020B0604020202020204" pitchFamily="34" charset="0"/>
-              </a:endParaRPr>
-            </a:p>
-            <a:p>
-              <a:pPr rtl="0">
-                <a:spcBef>
-                  <a:spcPts val="0"/>
-                </a:spcBef>
-                <a:spcAft>
-                  <a:spcPts val="0"/>
-                </a:spcAft>
-              </a:pPr>
-              <a:endParaRPr lang="en-US" dirty="0">
-                <a:solidFill>
-                  <a:srgbClr val="000000"/>
-                </a:solidFill>
-                <a:latin typeface="Arial" panose="020B0604020202020204" pitchFamily="34" charset="0"/>
-              </a:endParaRPr>
-            </a:p>
-            <a:p>
-              <a:pPr rtl="0">
-                <a:spcBef>
-                  <a:spcPts val="0"/>
-                </a:spcBef>
-                <a:spcAft>
-                  <a:spcPts val="0"/>
-                </a:spcAft>
-              </a:pPr>
-              <a:endParaRPr lang="en-US" sz="1800" b="0" i="0" u="none" strike="noStrike" dirty="0">
-                <a:solidFill>
-                  <a:srgbClr val="000000"/>
-                </a:solidFill>
-                <a:effectLst/>
-                <a:latin typeface="Arial" panose="020B0604020202020204" pitchFamily="34" charset="0"/>
-              </a:endParaRPr>
-            </a:p>
-            <a:p>
-              <a:pPr rtl="0">
-                <a:spcBef>
-                  <a:spcPts val="0"/>
-                </a:spcBef>
-                <a:spcAft>
-                  <a:spcPts val="0"/>
-                </a:spcAft>
-              </a:pPr>
-              <a:endParaRPr lang="en-US" dirty="0">
-                <a:solidFill>
-                  <a:srgbClr val="000000"/>
-                </a:solidFill>
-                <a:latin typeface="Arial" panose="020B0604020202020204" pitchFamily="34" charset="0"/>
-              </a:endParaRPr>
-            </a:p>
-            <a:p>
-              <a:pPr rtl="0">
-                <a:spcBef>
-                  <a:spcPts val="0"/>
-                </a:spcBef>
-                <a:spcAft>
-                  <a:spcPts val="0"/>
-                </a:spcAft>
-              </a:pPr>
-              <a:endParaRPr lang="en-US" sz="1800" b="0" i="0" u="none" strike="noStrike" dirty="0">
-                <a:solidFill>
-                  <a:srgbClr val="000000"/>
-                </a:solidFill>
-                <a:effectLst/>
-                <a:latin typeface="Arial" panose="020B0604020202020204" pitchFamily="34" charset="0"/>
-              </a:endParaRPr>
-            </a:p>
-            <a:p>
-              <a:pPr rtl="0">
-                <a:spcBef>
-                  <a:spcPts val="0"/>
-                </a:spcBef>
-                <a:spcAft>
-                  <a:spcPts val="0"/>
-                </a:spcAft>
-              </a:pPr>
-              <a:endParaRPr lang="en-US" dirty="0">
-                <a:solidFill>
-                  <a:srgbClr val="000000"/>
-                </a:solidFill>
-                <a:latin typeface="Arial" panose="020B0604020202020204" pitchFamily="34" charset="0"/>
-              </a:endParaRPr>
-            </a:p>
-            <a:p>
-              <a:pPr rtl="0">
-                <a:spcBef>
-                  <a:spcPts val="0"/>
-                </a:spcBef>
-                <a:spcAft>
-                  <a:spcPts val="0"/>
-                </a:spcAft>
-              </a:pPr>
-              <a:endParaRPr lang="en-US" dirty="0">
-                <a:solidFill>
-                  <a:srgbClr val="000000"/>
-                </a:solidFill>
-                <a:latin typeface="Arial" panose="020B0604020202020204" pitchFamily="34" charset="0"/>
-              </a:endParaRPr>
-            </a:p>
-            <a:p>
-              <a:pPr rtl="0">
-                <a:spcBef>
-                  <a:spcPts val="0"/>
-                </a:spcBef>
-                <a:spcAft>
-                  <a:spcPts val="0"/>
-                </a:spcAft>
-              </a:pPr>
-              <a:r>
-                <a:rPr lang="en-US" sz="1800" b="0" i="0" u="none" strike="noStrike" dirty="0">
-                  <a:solidFill>
-                    <a:srgbClr val="000000"/>
-                  </a:solidFill>
-                  <a:effectLst/>
-                  <a:latin typeface="Arial" panose="020B0604020202020204" pitchFamily="34" charset="0"/>
-                </a:rPr>
-                <a:t>One of the travelers is you, this blue dot</a:t>
-              </a:r>
-            </a:p>
-            <a:p>
-              <a:pPr rtl="0">
-                <a:spcBef>
-                  <a:spcPts val="0"/>
-                </a:spcBef>
-                <a:spcAft>
-                  <a:spcPts val="0"/>
-                </a:spcAft>
-              </a:pPr>
-              <a:r>
-                <a:rPr lang="en-US" sz="1800" b="0" i="0" u="none" strike="noStrike" dirty="0">
-                  <a:solidFill>
-                    <a:srgbClr val="000000"/>
-                  </a:solidFill>
-                  <a:effectLst/>
-                  <a:latin typeface="Arial" panose="020B0604020202020204" pitchFamily="34" charset="0"/>
-                </a:rPr>
-                <a:t> </a:t>
-              </a:r>
-            </a:p>
-            <a:p>
-              <a:pPr rtl="0">
-                <a:spcBef>
-                  <a:spcPts val="0"/>
-                </a:spcBef>
-                <a:spcAft>
-                  <a:spcPts val="0"/>
-                </a:spcAft>
-              </a:pPr>
-              <a:r>
-                <a:rPr lang="en-US" sz="1800" b="0" i="0" u="none" strike="noStrike" dirty="0">
-                  <a:solidFill>
-                    <a:srgbClr val="000000"/>
-                  </a:solidFill>
-                  <a:effectLst/>
-                  <a:latin typeface="Arial" panose="020B0604020202020204" pitchFamily="34" charset="0"/>
-                </a:rPr>
-                <a:t>The other traveler is my friend Alex, he is this green dot</a:t>
-              </a:r>
-            </a:p>
-            <a:p>
-              <a:pPr rtl="0">
-                <a:spcBef>
-                  <a:spcPts val="0"/>
-                </a:spcBef>
-                <a:spcAft>
-                  <a:spcPts val="0"/>
-                </a:spcAft>
-              </a:pPr>
-              <a:endParaRPr lang="en-US" dirty="0">
-                <a:solidFill>
-                  <a:srgbClr val="000000"/>
-                </a:solidFill>
-                <a:latin typeface="Arial" panose="020B0604020202020204" pitchFamily="34" charset="0"/>
-              </a:endParaRPr>
-            </a:p>
-            <a:p>
-              <a:pPr rtl="0">
-                <a:spcBef>
-                  <a:spcPts val="0"/>
-                </a:spcBef>
-                <a:spcAft>
-                  <a:spcPts val="0"/>
-                </a:spcAft>
-              </a:pPr>
-              <a:r>
-                <a:rPr lang="en-US" sz="1800" b="0" i="0" u="none" strike="noStrike" dirty="0">
-                  <a:solidFill>
-                    <a:srgbClr val="000000"/>
-                  </a:solidFill>
-                  <a:effectLst/>
-                  <a:latin typeface="Arial" panose="020B0604020202020204" pitchFamily="34" charset="0"/>
-                </a:rPr>
-                <a:t>On this map, there are restaurants, which we can say are these red squares </a:t>
-              </a:r>
-            </a:p>
-            <a:p>
-              <a:pPr rtl="0">
-                <a:spcBef>
-                  <a:spcPts val="0"/>
-                </a:spcBef>
-                <a:spcAft>
-                  <a:spcPts val="0"/>
-                </a:spcAft>
-              </a:pPr>
-              <a:endParaRPr lang="en-US" dirty="0">
-                <a:solidFill>
-                  <a:srgbClr val="000000"/>
-                </a:solidFill>
-                <a:latin typeface="Arial" panose="020B0604020202020204" pitchFamily="34" charset="0"/>
-              </a:endParaRPr>
-            </a:p>
-            <a:p>
-              <a:pPr rtl="0">
-                <a:spcBef>
-                  <a:spcPts val="0"/>
-                </a:spcBef>
-                <a:spcAft>
-                  <a:spcPts val="0"/>
-                </a:spcAft>
-              </a:pPr>
-              <a:endParaRPr lang="en-US" sz="1800" b="0" i="0" u="none" strike="noStrike" dirty="0">
-                <a:solidFill>
-                  <a:srgbClr val="000000"/>
-                </a:solidFill>
-                <a:effectLst/>
-                <a:latin typeface="Arial" panose="020B0604020202020204" pitchFamily="34" charset="0"/>
-              </a:endParaRPr>
-            </a:p>
-            <a:p>
-              <a:br>
-                <a:rPr lang="en-US" sz="2800" dirty="0"/>
-              </a:br>
-              <a:endParaRPr lang="en-US" altLang="zh-CN" sz="2800" dirty="0">
-                <a:solidFill>
-                  <a:schemeClr val="tx1"/>
-                </a:solidFill>
-                <a:latin typeface="Times New Roman" panose="02020603050405020304" pitchFamily="18" charset="0"/>
-                <a:ea typeface="楷体" panose="02010609060101010101" pitchFamily="49" charset="-122"/>
-                <a:cs typeface="Times New Roman" panose="02020603050405020304" pitchFamily="18" charset="0"/>
-              </a:endParaRPr>
-            </a:p>
-          </p:txBody>
-        </p:sp>
-      </p:grpSp>
-      <p:sp>
-        <p:nvSpPr>
-          <p:cNvPr id="3" name="Oval 2">
-            <a:extLst>
-              <a:ext uri="{FF2B5EF4-FFF2-40B4-BE49-F238E27FC236}">
-                <a16:creationId xmlns:a16="http://schemas.microsoft.com/office/drawing/2014/main" id="{F1A3D8BD-10D7-9EAC-6661-551E6EE319F4}"/>
-              </a:ext>
-            </a:extLst>
-          </p:cNvPr>
-          <p:cNvSpPr/>
-          <p:nvPr/>
-        </p:nvSpPr>
-        <p:spPr>
-          <a:xfrm>
-            <a:off x="6781181" y="4334540"/>
-            <a:ext cx="361507" cy="361507"/>
-          </a:xfrm>
-          <a:prstGeom prst="ellipse">
-            <a:avLst/>
-          </a:prstGeom>
-          <a:ln>
-            <a:noFill/>
-          </a:ln>
-        </p:spPr>
-        <p:style>
-          <a:lnRef idx="2">
-            <a:schemeClr val="accent1">
-              <a:shade val="15000"/>
-            </a:schemeClr>
-          </a:lnRef>
-          <a:fillRef idx="1">
-            <a:schemeClr val="accent1"/>
-          </a:fillRef>
-          <a:effectRef idx="0">
-            <a:schemeClr val="accent1"/>
-          </a:effectRef>
-          <a:fontRef idx="minor">
-            <a:schemeClr val="lt1"/>
-          </a:fontRef>
-        </p:style>
-        <p:txBody>
-          <a:bodyPr rtlCol="0" anchor="ctr"/>
-          <a:lstStyle/>
-          <a:p>
-            <a:pPr algn="ctr"/>
-            <a:endParaRPr lang="en-US"/>
-          </a:p>
-        </p:txBody>
-      </p:sp>
-      <p:sp>
-        <p:nvSpPr>
-          <p:cNvPr id="4" name="Oval 3">
-            <a:extLst>
-              <a:ext uri="{FF2B5EF4-FFF2-40B4-BE49-F238E27FC236}">
-                <a16:creationId xmlns:a16="http://schemas.microsoft.com/office/drawing/2014/main" id="{C507CBCF-69EF-7B81-281C-51A282CE449B}"/>
-              </a:ext>
-            </a:extLst>
-          </p:cNvPr>
-          <p:cNvSpPr/>
-          <p:nvPr/>
-        </p:nvSpPr>
-        <p:spPr>
-          <a:xfrm>
-            <a:off x="8354473" y="4862624"/>
-            <a:ext cx="361507" cy="361507"/>
-          </a:xfrm>
-          <a:prstGeom prst="ellipse">
-            <a:avLst/>
-          </a:prstGeom>
-          <a:solidFill>
-            <a:srgbClr val="00B050"/>
-          </a:solidFill>
-          <a:ln>
-            <a:noFill/>
-          </a:ln>
-        </p:spPr>
-        <p:style>
-          <a:lnRef idx="2">
-            <a:schemeClr val="accent1">
-              <a:shade val="15000"/>
-            </a:schemeClr>
-          </a:lnRef>
-          <a:fillRef idx="1">
-            <a:schemeClr val="accent1"/>
-          </a:fillRef>
-          <a:effectRef idx="0">
-            <a:schemeClr val="accent1"/>
-          </a:effectRef>
-          <a:fontRef idx="minor">
-            <a:schemeClr val="lt1"/>
-          </a:fontRef>
-        </p:style>
-        <p:txBody>
-          <a:bodyPr rtlCol="0" anchor="ctr"/>
-          <a:lstStyle/>
-          <a:p>
-            <a:pPr algn="ctr"/>
-            <a:endParaRPr lang="en-US"/>
-          </a:p>
-        </p:txBody>
-      </p:sp>
-      <p:sp>
-        <p:nvSpPr>
-          <p:cNvPr id="5" name="Rectangle 4">
-            <a:extLst>
-              <a:ext uri="{FF2B5EF4-FFF2-40B4-BE49-F238E27FC236}">
-                <a16:creationId xmlns:a16="http://schemas.microsoft.com/office/drawing/2014/main" id="{956765C3-3CF3-0AFF-5E6D-F36589C3F02F}"/>
-              </a:ext>
-            </a:extLst>
-          </p:cNvPr>
-          <p:cNvSpPr/>
-          <p:nvPr/>
-        </p:nvSpPr>
-        <p:spPr>
-          <a:xfrm>
-            <a:off x="4603897" y="5825410"/>
-            <a:ext cx="372139" cy="372139"/>
-          </a:xfrm>
-          <a:prstGeom prst="rect">
-            <a:avLst/>
-          </a:prstGeom>
-          <a:solidFill>
-            <a:srgbClr val="C00000"/>
-          </a:solidFill>
-          <a:ln>
-            <a:noFill/>
-          </a:ln>
-        </p:spPr>
-        <p:style>
-          <a:lnRef idx="2">
-            <a:schemeClr val="accent1">
-              <a:shade val="15000"/>
-            </a:schemeClr>
-          </a:lnRef>
-          <a:fillRef idx="1">
-            <a:schemeClr val="accent1"/>
-          </a:fillRef>
-          <a:effectRef idx="0">
-            <a:schemeClr val="accent1"/>
-          </a:effectRef>
-          <a:fontRef idx="minor">
-            <a:schemeClr val="lt1"/>
-          </a:fontRef>
-        </p:style>
-        <p:txBody>
-          <a:bodyPr rtlCol="0" anchor="ctr"/>
-          <a:lstStyle/>
-          <a:p>
-            <a:pPr algn="ctr"/>
-            <a:endParaRPr lang="en-US"/>
-          </a:p>
-        </p:txBody>
-      </p:sp>
-      <p:pic>
-        <p:nvPicPr>
-          <p:cNvPr id="6" name="Picture 5">
-            <a:extLst>
-              <a:ext uri="{FF2B5EF4-FFF2-40B4-BE49-F238E27FC236}">
-                <a16:creationId xmlns:a16="http://schemas.microsoft.com/office/drawing/2014/main" id="{0D259E7C-38A1-58E0-A551-E4BE9F20007A}"/>
-              </a:ext>
-            </a:extLst>
-          </p:cNvPr>
-          <p:cNvPicPr>
-            <a:picLocks noChangeAspect="1"/>
-          </p:cNvPicPr>
-          <p:nvPr/>
-        </p:nvPicPr>
-        <p:blipFill>
-          <a:blip r:embed="rId3"/>
-          <a:stretch>
-            <a:fillRect/>
-          </a:stretch>
-        </p:blipFill>
-        <p:spPr>
-          <a:xfrm rot="16200000">
-            <a:off x="4516113" y="1790926"/>
-            <a:ext cx="2135322" cy="2145555"/>
-          </a:xfrm>
-          <a:prstGeom prst="rect">
-            <a:avLst/>
-          </a:prstGeom>
-        </p:spPr>
-      </p:pic>
-    </p:spTree>
-    <p:extLst>
-      <p:ext uri="{BB962C8B-B14F-4D97-AF65-F5344CB8AC3E}">
-        <p14:creationId xmlns:p14="http://schemas.microsoft.com/office/powerpoint/2010/main" val="771875522"/>
-      </p:ext>
-    </p:extLst>
-  </p:cSld>
-  <p:clrMapOvr>
-    <a:masterClrMapping/>
-  </p:clrMapOvr>
-</p:sld>
-</file>
-
 <file path=ppt/slides/slide8.xml><?xml version="1.0" encoding="utf-8"?>
 <p:sld xmlns:a="http://schemas.openxmlformats.org/drawingml/2006/main" xmlns:r="http://schemas.openxmlformats.org/officeDocument/2006/relationships" xmlns:p="http://schemas.openxmlformats.org/presentationml/2006/main">
   <p:cSld>
@@ -7433,275 +8717,60 @@
           <a:chExt cx="0" cy="0"/>
         </a:xfrm>
       </p:grpSpPr>
-      <p:grpSp>
-        <p:nvGrpSpPr>
-          <p:cNvPr id="19" name="组合 18">
+      <p:sp>
+        <p:nvSpPr>
+          <p:cNvPr id="2" name="Title 1">
             <a:extLst>
               <a:ext uri="{FF2B5EF4-FFF2-40B4-BE49-F238E27FC236}">
-                <a16:creationId xmlns:a16="http://schemas.microsoft.com/office/drawing/2014/main" id="{DE9C536E-1274-45A4-8808-A31579281473}"/>
+                <a16:creationId xmlns:a16="http://schemas.microsoft.com/office/drawing/2014/main" id="{212C0D93-B3EC-0FEB-C86C-FD32795E5F43}"/>
               </a:ext>
             </a:extLst>
           </p:cNvPr>
-          <p:cNvGrpSpPr/>
-          <p:nvPr/>
-        </p:nvGrpSpPr>
-        <p:grpSpPr>
-          <a:xfrm>
-            <a:off x="2577112" y="474381"/>
-            <a:ext cx="6339842" cy="5909238"/>
-            <a:chOff x="1650608" y="-450167"/>
-            <a:chExt cx="6339842" cy="5909238"/>
-          </a:xfrm>
-        </p:grpSpPr>
-        <p:sp>
-          <p:nvSpPr>
-            <p:cNvPr id="17" name="矩形 16">
-              <a:extLst>
-                <a:ext uri="{FF2B5EF4-FFF2-40B4-BE49-F238E27FC236}">
-                  <a16:creationId xmlns:a16="http://schemas.microsoft.com/office/drawing/2014/main" id="{08C262F2-BA1A-47F0-99F5-5E2AB168A192}"/>
-                </a:ext>
-              </a:extLst>
-            </p:cNvPr>
-            <p:cNvSpPr/>
-            <p:nvPr/>
-          </p:nvSpPr>
-          <p:spPr>
-            <a:xfrm>
-              <a:off x="1650608" y="-450167"/>
-              <a:ext cx="6339842" cy="5909238"/>
-            </a:xfrm>
-            <a:prstGeom prst="rect">
-              <a:avLst/>
-            </a:prstGeom>
-            <a:solidFill>
-              <a:srgbClr val="B0D2A0"/>
-            </a:solidFill>
-            <a:ln>
-              <a:solidFill>
-                <a:srgbClr val="B0D2A0"/>
-              </a:solidFill>
-            </a:ln>
-          </p:spPr>
-          <p:style>
-            <a:lnRef idx="2">
-              <a:schemeClr val="accent1">
-                <a:shade val="50000"/>
-              </a:schemeClr>
-            </a:lnRef>
-            <a:fillRef idx="1">
-              <a:schemeClr val="accent1"/>
-            </a:fillRef>
-            <a:effectRef idx="0">
-              <a:schemeClr val="accent1"/>
-            </a:effectRef>
-            <a:fontRef idx="minor">
-              <a:schemeClr val="lt1"/>
-            </a:fontRef>
-          </p:style>
-          <p:txBody>
-            <a:bodyPr rtlCol="0" anchor="ctr"/>
-            <a:lstStyle/>
-            <a:p>
-              <a:endParaRPr lang="en-US" altLang="zh-CN" sz="2000" dirty="0">
-                <a:solidFill>
-                  <a:schemeClr val="tx1"/>
-                </a:solidFill>
-                <a:latin typeface="楷体" panose="02010609060101010101" pitchFamily="49" charset="-122"/>
-                <a:ea typeface="楷体" panose="02010609060101010101" pitchFamily="49" charset="-122"/>
-              </a:endParaRPr>
-            </a:p>
-          </p:txBody>
-        </p:sp>
-        <p:sp>
-          <p:nvSpPr>
-            <p:cNvPr id="13" name="矩形 12">
-              <a:extLst>
-                <a:ext uri="{FF2B5EF4-FFF2-40B4-BE49-F238E27FC236}">
-                  <a16:creationId xmlns:a16="http://schemas.microsoft.com/office/drawing/2014/main" id="{661FDE28-B2B1-4D8A-9601-4CF5B6661D38}"/>
-                </a:ext>
-              </a:extLst>
-            </p:cNvPr>
-            <p:cNvSpPr/>
-            <p:nvPr/>
-          </p:nvSpPr>
-          <p:spPr>
-            <a:xfrm>
-              <a:off x="1650609" y="-450167"/>
-              <a:ext cx="6243126" cy="5909237"/>
-            </a:xfrm>
-            <a:prstGeom prst="rect">
-              <a:avLst/>
-            </a:prstGeom>
-            <a:solidFill>
-              <a:srgbClr val="B0D2A0"/>
-            </a:solidFill>
-            <a:ln>
-              <a:solidFill>
-                <a:srgbClr val="B0D2A0"/>
-              </a:solidFill>
-            </a:ln>
-          </p:spPr>
-          <p:style>
-            <a:lnRef idx="2">
-              <a:schemeClr val="accent1">
-                <a:shade val="50000"/>
-              </a:schemeClr>
-            </a:lnRef>
-            <a:fillRef idx="1">
-              <a:schemeClr val="accent1"/>
-            </a:fillRef>
-            <a:effectRef idx="0">
-              <a:schemeClr val="accent1"/>
-            </a:effectRef>
-            <a:fontRef idx="minor">
-              <a:schemeClr val="lt1"/>
-            </a:fontRef>
-          </p:style>
-          <p:txBody>
-            <a:bodyPr rtlCol="0" anchor="ctr"/>
-            <a:lstStyle/>
-            <a:p>
-              <a:pPr algn="ctr"/>
-              <a:r>
-                <a:rPr lang="en-US" sz="1800" b="0" i="0" u="none" strike="noStrike" dirty="0">
-                  <a:solidFill>
-                    <a:srgbClr val="000000"/>
-                  </a:solidFill>
-                  <a:effectLst/>
-                  <a:latin typeface="Arial" panose="020B0604020202020204" pitchFamily="34" charset="0"/>
-                </a:rPr>
-                <a:t>Sometimes there is one restaurant and sometimes there are two restaurants. Sometimes Alex will be there, and sometimes he won’t, and it will just be you playing.</a:t>
-              </a:r>
-              <a:endParaRPr lang="en-US" sz="2800" b="0" dirty="0">
-                <a:effectLst/>
-              </a:endParaRPr>
-            </a:p>
-            <a:p>
-              <a:pPr algn="ctr" rtl="0">
-                <a:spcBef>
-                  <a:spcPts val="0"/>
-                </a:spcBef>
-                <a:spcAft>
-                  <a:spcPts val="0"/>
-                </a:spcAft>
-              </a:pPr>
-              <a:endParaRPr lang="en-US" sz="1800" b="0" i="0" u="none" strike="noStrike" dirty="0">
-                <a:solidFill>
-                  <a:srgbClr val="000000"/>
-                </a:solidFill>
-                <a:effectLst/>
-                <a:latin typeface="Arial" panose="020B0604020202020204" pitchFamily="34" charset="0"/>
-              </a:endParaRPr>
-            </a:p>
-            <a:p>
-              <a:pPr algn="ctr" rtl="0">
-                <a:spcBef>
-                  <a:spcPts val="0"/>
-                </a:spcBef>
-                <a:spcAft>
-                  <a:spcPts val="0"/>
-                </a:spcAft>
-              </a:pPr>
-              <a:endParaRPr lang="en-US" dirty="0">
-                <a:solidFill>
-                  <a:srgbClr val="000000"/>
-                </a:solidFill>
-                <a:latin typeface="Arial" panose="020B0604020202020204" pitchFamily="34" charset="0"/>
-              </a:endParaRPr>
-            </a:p>
-            <a:p>
-              <a:pPr algn="ctr" rtl="0">
-                <a:spcBef>
-                  <a:spcPts val="0"/>
-                </a:spcBef>
-                <a:spcAft>
-                  <a:spcPts val="0"/>
-                </a:spcAft>
-              </a:pPr>
-              <a:endParaRPr lang="en-US" dirty="0">
-                <a:solidFill>
-                  <a:srgbClr val="000000"/>
-                </a:solidFill>
-                <a:latin typeface="Arial" panose="020B0604020202020204" pitchFamily="34" charset="0"/>
-              </a:endParaRPr>
-            </a:p>
-            <a:p>
-              <a:pPr algn="ctr" rtl="0">
-                <a:spcBef>
-                  <a:spcPts val="0"/>
-                </a:spcBef>
-                <a:spcAft>
-                  <a:spcPts val="0"/>
-                </a:spcAft>
-              </a:pPr>
-              <a:r>
-                <a:rPr lang="en-US" sz="1800" b="0" i="0" u="none" strike="noStrike" dirty="0">
-                  <a:solidFill>
-                    <a:srgbClr val="000000"/>
-                  </a:solidFill>
-                  <a:effectLst/>
-                  <a:latin typeface="Arial" panose="020B0604020202020204" pitchFamily="34" charset="0"/>
-                </a:rPr>
-                <a:t>Your goal is to use the arrow keys (</a:t>
-              </a:r>
-              <a:r>
-                <a:rPr lang="en-US" dirty="0"/>
-                <a:t>↑↓←→</a:t>
-              </a:r>
-              <a:r>
-                <a:rPr lang="en-US" sz="1800" b="0" i="0" u="none" strike="noStrike" dirty="0">
-                  <a:solidFill>
-                    <a:srgbClr val="000000"/>
-                  </a:solidFill>
-                  <a:effectLst/>
-                  <a:latin typeface="Arial" panose="020B0604020202020204" pitchFamily="34" charset="0"/>
-                </a:rPr>
-                <a:t>) on the computer to reach one of the restaurants for a meal</a:t>
-              </a:r>
-            </a:p>
-            <a:p>
-              <a:pPr algn="ctr" rtl="0">
-                <a:spcBef>
-                  <a:spcPts val="0"/>
-                </a:spcBef>
-                <a:spcAft>
-                  <a:spcPts val="0"/>
-                </a:spcAft>
-              </a:pPr>
-              <a:r>
-                <a:rPr lang="en-US" sz="1800" b="0" i="0" u="none" strike="noStrike" dirty="0">
-                  <a:solidFill>
-                    <a:srgbClr val="000000"/>
-                  </a:solidFill>
-                  <a:effectLst/>
-                  <a:latin typeface="Arial" panose="020B0604020202020204" pitchFamily="34" charset="0"/>
-                </a:rPr>
-                <a:t> as fast as possible. </a:t>
-              </a:r>
-              <a:endParaRPr lang="en-US" b="0" dirty="0">
-                <a:effectLst/>
-              </a:endParaRPr>
-            </a:p>
-            <a:p>
-              <a:br>
-                <a:rPr lang="en-US" dirty="0"/>
-              </a:br>
-              <a:endParaRPr lang="en-US" altLang="zh-CN" sz="2800" dirty="0">
-                <a:solidFill>
-                  <a:schemeClr val="tx1"/>
-                </a:solidFill>
-                <a:latin typeface="Times New Roman" panose="02020603050405020304" pitchFamily="18" charset="0"/>
-                <a:ea typeface="楷体" panose="02010609060101010101" pitchFamily="49" charset="-122"/>
-                <a:cs typeface="Times New Roman" panose="02020603050405020304" pitchFamily="18" charset="0"/>
-              </a:endParaRPr>
-            </a:p>
-          </p:txBody>
-        </p:sp>
-      </p:grpSp>
+          <p:cNvSpPr>
+            <a:spLocks noGrp="1"/>
+          </p:cNvSpPr>
+          <p:nvPr>
+            <p:ph type="title"/>
+          </p:nvPr>
+        </p:nvSpPr>
+        <p:spPr/>
+        <p:txBody>
+          <a:bodyPr/>
+          <a:lstStyle/>
+          <a:p>
+            <a:endParaRPr lang="en-US"/>
+          </a:p>
+        </p:txBody>
+      </p:sp>
+      <p:sp>
+        <p:nvSpPr>
+          <p:cNvPr id="3" name="Content Placeholder 2">
+            <a:extLst>
+              <a:ext uri="{FF2B5EF4-FFF2-40B4-BE49-F238E27FC236}">
+                <a16:creationId xmlns:a16="http://schemas.microsoft.com/office/drawing/2014/main" id="{1A8F36EF-30E7-94F8-D684-2D38C55B6F78}"/>
+              </a:ext>
+            </a:extLst>
+          </p:cNvPr>
+          <p:cNvSpPr>
+            <a:spLocks noGrp="1"/>
+          </p:cNvSpPr>
+          <p:nvPr>
+            <p:ph idx="1"/>
+          </p:nvPr>
+        </p:nvSpPr>
+        <p:spPr/>
+        <p:txBody>
+          <a:bodyPr/>
+          <a:lstStyle/>
+          <a:p>
+            <a:endParaRPr lang="en-US"/>
+          </a:p>
+        </p:txBody>
+      </p:sp>
     </p:spTree>
     <p:extLst>
       <p:ext uri="{BB962C8B-B14F-4D97-AF65-F5344CB8AC3E}">
-        <p14:creationId xmlns:p14="http://schemas.microsoft.com/office/powerpoint/2010/main" val="2904635062"/>
+        <p14:creationId xmlns:p14="http://schemas.microsoft.com/office/powerpoint/2010/main" val="1436597768"/>
       </p:ext>
     </p:extLst>
   </p:cSld>

--- a/SCC-version1.1/introduction_text.pptx
+++ b/SCC-version1.1/introduction_text.pptx
@@ -5,20 +5,24 @@
     <p:sldMasterId id="2147483648" r:id="rId1"/>
   </p:sldMasterIdLst>
   <p:notesMasterIdLst>
-    <p:notesMasterId r:id="rId13"/>
+    <p:notesMasterId r:id="rId17"/>
   </p:notesMasterIdLst>
   <p:sldIdLst>
     <p:sldId id="278" r:id="rId2"/>
     <p:sldId id="279" r:id="rId3"/>
-    <p:sldId id="270" r:id="rId4"/>
-    <p:sldId id="272" r:id="rId5"/>
-    <p:sldId id="276" r:id="rId6"/>
-    <p:sldId id="273" r:id="rId7"/>
-    <p:sldId id="274" r:id="rId8"/>
-    <p:sldId id="282" r:id="rId9"/>
-    <p:sldId id="280" r:id="rId10"/>
-    <p:sldId id="281" r:id="rId11"/>
-    <p:sldId id="277" r:id="rId12"/>
+    <p:sldId id="283" r:id="rId4"/>
+    <p:sldId id="280" r:id="rId5"/>
+    <p:sldId id="286" r:id="rId6"/>
+    <p:sldId id="287" r:id="rId7"/>
+    <p:sldId id="285" r:id="rId8"/>
+    <p:sldId id="270" r:id="rId9"/>
+    <p:sldId id="272" r:id="rId10"/>
+    <p:sldId id="276" r:id="rId11"/>
+    <p:sldId id="273" r:id="rId12"/>
+    <p:sldId id="274" r:id="rId13"/>
+    <p:sldId id="282" r:id="rId14"/>
+    <p:sldId id="281" r:id="rId15"/>
+    <p:sldId id="277" r:id="rId16"/>
   </p:sldIdLst>
   <p:sldSz cx="12192000" cy="6858000"/>
   <p:notesSz cx="6858000" cy="9144000"/>
@@ -207,7 +211,7 @@
           <a:p>
             <a:fld id="{C0546B5F-B17E-4A11-A9CD-A10C644EC78D}" type="datetimeFigureOut">
               <a:rPr lang="zh-CN" altLang="en-US" smtClean="0"/>
-              <a:t>2024/10/1</a:t>
+              <a:t>2024/10/2</a:t>
             </a:fld>
             <a:endParaRPr lang="zh-CN" altLang="en-US"/>
           </a:p>
@@ -558,6 +562,258 @@
 </p:notes>
 </file>
 
+<file path=ppt/notesSlides/notesSlide10.xml><?xml version="1.0" encoding="utf-8"?>
+<p:notes xmlns:a="http://schemas.openxmlformats.org/drawingml/2006/main" xmlns:r="http://schemas.openxmlformats.org/officeDocument/2006/relationships" xmlns:p="http://schemas.openxmlformats.org/presentationml/2006/main">
+  <p:cSld>
+    <p:spTree>
+      <p:nvGrpSpPr>
+        <p:cNvPr id="1" name=""/>
+        <p:cNvGrpSpPr/>
+        <p:nvPr/>
+      </p:nvGrpSpPr>
+      <p:grpSpPr>
+        <a:xfrm>
+          <a:off x="0" y="0"/>
+          <a:ext cx="0" cy="0"/>
+          <a:chOff x="0" y="0"/>
+          <a:chExt cx="0" cy="0"/>
+        </a:xfrm>
+      </p:grpSpPr>
+      <p:sp>
+        <p:nvSpPr>
+          <p:cNvPr id="2" name="幻灯片图像占位符 1"/>
+          <p:cNvSpPr>
+            <a:spLocks noGrp="1" noRot="1" noChangeAspect="1"/>
+          </p:cNvSpPr>
+          <p:nvPr>
+            <p:ph type="sldImg"/>
+          </p:nvPr>
+        </p:nvSpPr>
+        <p:spPr/>
+      </p:sp>
+      <p:sp>
+        <p:nvSpPr>
+          <p:cNvPr id="3" name="备注占位符 2"/>
+          <p:cNvSpPr>
+            <a:spLocks noGrp="1"/>
+          </p:cNvSpPr>
+          <p:nvPr>
+            <p:ph type="body" idx="1"/>
+          </p:nvPr>
+        </p:nvSpPr>
+        <p:spPr/>
+        <p:txBody>
+          <a:bodyPr/>
+          <a:lstStyle/>
+          <a:p>
+            <a:endParaRPr lang="zh-CN" altLang="en-US" dirty="0"/>
+          </a:p>
+        </p:txBody>
+      </p:sp>
+      <p:sp>
+        <p:nvSpPr>
+          <p:cNvPr id="4" name="灯片编号占位符 3"/>
+          <p:cNvSpPr>
+            <a:spLocks noGrp="1"/>
+          </p:cNvSpPr>
+          <p:nvPr>
+            <p:ph type="sldNum" sz="quarter" idx="5"/>
+          </p:nvPr>
+        </p:nvSpPr>
+        <p:spPr/>
+        <p:txBody>
+          <a:bodyPr/>
+          <a:lstStyle/>
+          <a:p>
+            <a:fld id="{19214DBA-04C0-4AE0-9391-D985D3AC6701}" type="slidenum">
+              <a:rPr lang="zh-CN" altLang="en-US" smtClean="0"/>
+              <a:t>11</a:t>
+            </a:fld>
+            <a:endParaRPr lang="zh-CN" altLang="en-US"/>
+          </a:p>
+        </p:txBody>
+      </p:sp>
+    </p:spTree>
+    <p:extLst>
+      <p:ext uri="{BB962C8B-B14F-4D97-AF65-F5344CB8AC3E}">
+        <p14:creationId xmlns:p14="http://schemas.microsoft.com/office/powerpoint/2010/main" val="3167693218"/>
+      </p:ext>
+    </p:extLst>
+  </p:cSld>
+  <p:clrMapOvr>
+    <a:masterClrMapping/>
+  </p:clrMapOvr>
+</p:notes>
+</file>
+
+<file path=ppt/notesSlides/notesSlide11.xml><?xml version="1.0" encoding="utf-8"?>
+<p:notes xmlns:a="http://schemas.openxmlformats.org/drawingml/2006/main" xmlns:r="http://schemas.openxmlformats.org/officeDocument/2006/relationships" xmlns:p="http://schemas.openxmlformats.org/presentationml/2006/main">
+  <p:cSld>
+    <p:spTree>
+      <p:nvGrpSpPr>
+        <p:cNvPr id="1" name=""/>
+        <p:cNvGrpSpPr/>
+        <p:nvPr/>
+      </p:nvGrpSpPr>
+      <p:grpSpPr>
+        <a:xfrm>
+          <a:off x="0" y="0"/>
+          <a:ext cx="0" cy="0"/>
+          <a:chOff x="0" y="0"/>
+          <a:chExt cx="0" cy="0"/>
+        </a:xfrm>
+      </p:grpSpPr>
+      <p:sp>
+        <p:nvSpPr>
+          <p:cNvPr id="2" name="幻灯片图像占位符 1"/>
+          <p:cNvSpPr>
+            <a:spLocks noGrp="1" noRot="1" noChangeAspect="1"/>
+          </p:cNvSpPr>
+          <p:nvPr>
+            <p:ph type="sldImg"/>
+          </p:nvPr>
+        </p:nvSpPr>
+        <p:spPr/>
+      </p:sp>
+      <p:sp>
+        <p:nvSpPr>
+          <p:cNvPr id="3" name="备注占位符 2"/>
+          <p:cNvSpPr>
+            <a:spLocks noGrp="1"/>
+          </p:cNvSpPr>
+          <p:nvPr>
+            <p:ph type="body" idx="1"/>
+          </p:nvPr>
+        </p:nvSpPr>
+        <p:spPr/>
+        <p:txBody>
+          <a:bodyPr/>
+          <a:lstStyle/>
+          <a:p>
+            <a:endParaRPr lang="zh-CN" altLang="en-US" dirty="0"/>
+          </a:p>
+        </p:txBody>
+      </p:sp>
+      <p:sp>
+        <p:nvSpPr>
+          <p:cNvPr id="4" name="灯片编号占位符 3"/>
+          <p:cNvSpPr>
+            <a:spLocks noGrp="1"/>
+          </p:cNvSpPr>
+          <p:nvPr>
+            <p:ph type="sldNum" sz="quarter" idx="5"/>
+          </p:nvPr>
+        </p:nvSpPr>
+        <p:spPr/>
+        <p:txBody>
+          <a:bodyPr/>
+          <a:lstStyle/>
+          <a:p>
+            <a:fld id="{19214DBA-04C0-4AE0-9391-D985D3AC6701}" type="slidenum">
+              <a:rPr lang="zh-CN" altLang="en-US" smtClean="0"/>
+              <a:t>12</a:t>
+            </a:fld>
+            <a:endParaRPr lang="zh-CN" altLang="en-US"/>
+          </a:p>
+        </p:txBody>
+      </p:sp>
+    </p:spTree>
+    <p:extLst>
+      <p:ext uri="{BB962C8B-B14F-4D97-AF65-F5344CB8AC3E}">
+        <p14:creationId xmlns:p14="http://schemas.microsoft.com/office/powerpoint/2010/main" val="2987064198"/>
+      </p:ext>
+    </p:extLst>
+  </p:cSld>
+  <p:clrMapOvr>
+    <a:masterClrMapping/>
+  </p:clrMapOvr>
+</p:notes>
+</file>
+
+<file path=ppt/notesSlides/notesSlide12.xml><?xml version="1.0" encoding="utf-8"?>
+<p:notes xmlns:a="http://schemas.openxmlformats.org/drawingml/2006/main" xmlns:r="http://schemas.openxmlformats.org/officeDocument/2006/relationships" xmlns:p="http://schemas.openxmlformats.org/presentationml/2006/main">
+  <p:cSld>
+    <p:spTree>
+      <p:nvGrpSpPr>
+        <p:cNvPr id="1" name=""/>
+        <p:cNvGrpSpPr/>
+        <p:nvPr/>
+      </p:nvGrpSpPr>
+      <p:grpSpPr>
+        <a:xfrm>
+          <a:off x="0" y="0"/>
+          <a:ext cx="0" cy="0"/>
+          <a:chOff x="0" y="0"/>
+          <a:chExt cx="0" cy="0"/>
+        </a:xfrm>
+      </p:grpSpPr>
+      <p:sp>
+        <p:nvSpPr>
+          <p:cNvPr id="2" name="幻灯片图像占位符 1"/>
+          <p:cNvSpPr>
+            <a:spLocks noGrp="1" noRot="1" noChangeAspect="1"/>
+          </p:cNvSpPr>
+          <p:nvPr>
+            <p:ph type="sldImg"/>
+          </p:nvPr>
+        </p:nvSpPr>
+        <p:spPr/>
+      </p:sp>
+      <p:sp>
+        <p:nvSpPr>
+          <p:cNvPr id="3" name="备注占位符 2"/>
+          <p:cNvSpPr>
+            <a:spLocks noGrp="1"/>
+          </p:cNvSpPr>
+          <p:nvPr>
+            <p:ph type="body" idx="1"/>
+          </p:nvPr>
+        </p:nvSpPr>
+        <p:spPr/>
+        <p:txBody>
+          <a:bodyPr/>
+          <a:lstStyle/>
+          <a:p>
+            <a:endParaRPr lang="zh-CN" altLang="en-US" dirty="0"/>
+          </a:p>
+        </p:txBody>
+      </p:sp>
+      <p:sp>
+        <p:nvSpPr>
+          <p:cNvPr id="4" name="灯片编号占位符 3"/>
+          <p:cNvSpPr>
+            <a:spLocks noGrp="1"/>
+          </p:cNvSpPr>
+          <p:nvPr>
+            <p:ph type="sldNum" sz="quarter" idx="5"/>
+          </p:nvPr>
+        </p:nvSpPr>
+        <p:spPr/>
+        <p:txBody>
+          <a:bodyPr/>
+          <a:lstStyle/>
+          <a:p>
+            <a:fld id="{19214DBA-04C0-4AE0-9391-D985D3AC6701}" type="slidenum">
+              <a:rPr lang="zh-CN" altLang="en-US" smtClean="0"/>
+              <a:t>14</a:t>
+            </a:fld>
+            <a:endParaRPr lang="zh-CN" altLang="en-US"/>
+          </a:p>
+        </p:txBody>
+      </p:sp>
+    </p:spTree>
+    <p:extLst>
+      <p:ext uri="{BB962C8B-B14F-4D97-AF65-F5344CB8AC3E}">
+        <p14:creationId xmlns:p14="http://schemas.microsoft.com/office/powerpoint/2010/main" val="1584196810"/>
+      </p:ext>
+    </p:extLst>
+  </p:cSld>
+  <p:clrMapOvr>
+    <a:masterClrMapping/>
+  </p:clrMapOvr>
+</p:notes>
+</file>
+
 <file path=ppt/notesSlides/notesSlide2.xml><?xml version="1.0" encoding="utf-8"?>
 <p:notes xmlns:a="http://schemas.openxmlformats.org/drawingml/2006/main" xmlns:r="http://schemas.openxmlformats.org/officeDocument/2006/relationships" xmlns:p="http://schemas.openxmlformats.org/presentationml/2006/main">
   <p:cSld>
@@ -716,7 +972,7 @@
     </p:spTree>
     <p:extLst>
       <p:ext uri="{BB962C8B-B14F-4D97-AF65-F5344CB8AC3E}">
-        <p14:creationId xmlns:p14="http://schemas.microsoft.com/office/powerpoint/2010/main" val="1184795264"/>
+        <p14:creationId xmlns:p14="http://schemas.microsoft.com/office/powerpoint/2010/main" val="2932599411"/>
       </p:ext>
     </p:extLst>
   </p:cSld>
@@ -800,7 +1056,7 @@
     </p:spTree>
     <p:extLst>
       <p:ext uri="{BB962C8B-B14F-4D97-AF65-F5344CB8AC3E}">
-        <p14:creationId xmlns:p14="http://schemas.microsoft.com/office/powerpoint/2010/main" val="3027442788"/>
+        <p14:creationId xmlns:p14="http://schemas.microsoft.com/office/powerpoint/2010/main" val="1170039828"/>
       </p:ext>
     </p:extLst>
   </p:cSld>
@@ -884,7 +1140,7 @@
     </p:spTree>
     <p:extLst>
       <p:ext uri="{BB962C8B-B14F-4D97-AF65-F5344CB8AC3E}">
-        <p14:creationId xmlns:p14="http://schemas.microsoft.com/office/powerpoint/2010/main" val="208957997"/>
+        <p14:creationId xmlns:p14="http://schemas.microsoft.com/office/powerpoint/2010/main" val="1770263972"/>
       </p:ext>
     </p:extLst>
   </p:cSld>
@@ -968,7 +1224,7 @@
     </p:spTree>
     <p:extLst>
       <p:ext uri="{BB962C8B-B14F-4D97-AF65-F5344CB8AC3E}">
-        <p14:creationId xmlns:p14="http://schemas.microsoft.com/office/powerpoint/2010/main" val="3167693218"/>
+        <p14:creationId xmlns:p14="http://schemas.microsoft.com/office/powerpoint/2010/main" val="563686153"/>
       </p:ext>
     </p:extLst>
   </p:cSld>
@@ -1043,7 +1299,7 @@
           <a:p>
             <a:fld id="{19214DBA-04C0-4AE0-9391-D985D3AC6701}" type="slidenum">
               <a:rPr lang="zh-CN" altLang="en-US" smtClean="0"/>
-              <a:t>7</a:t>
+              <a:t>8</a:t>
             </a:fld>
             <a:endParaRPr lang="zh-CN" altLang="en-US"/>
           </a:p>
@@ -1052,7 +1308,7 @@
     </p:spTree>
     <p:extLst>
       <p:ext uri="{BB962C8B-B14F-4D97-AF65-F5344CB8AC3E}">
-        <p14:creationId xmlns:p14="http://schemas.microsoft.com/office/powerpoint/2010/main" val="2987064198"/>
+        <p14:creationId xmlns:p14="http://schemas.microsoft.com/office/powerpoint/2010/main" val="1184795264"/>
       </p:ext>
     </p:extLst>
   </p:cSld>
@@ -1136,7 +1392,7 @@
     </p:spTree>
     <p:extLst>
       <p:ext uri="{BB962C8B-B14F-4D97-AF65-F5344CB8AC3E}">
-        <p14:creationId xmlns:p14="http://schemas.microsoft.com/office/powerpoint/2010/main" val="502121823"/>
+        <p14:creationId xmlns:p14="http://schemas.microsoft.com/office/powerpoint/2010/main" val="3027442788"/>
       </p:ext>
     </p:extLst>
   </p:cSld>
@@ -1220,7 +1476,7 @@
     </p:spTree>
     <p:extLst>
       <p:ext uri="{BB962C8B-B14F-4D97-AF65-F5344CB8AC3E}">
-        <p14:creationId xmlns:p14="http://schemas.microsoft.com/office/powerpoint/2010/main" val="1584196810"/>
+        <p14:creationId xmlns:p14="http://schemas.microsoft.com/office/powerpoint/2010/main" val="208957997"/>
       </p:ext>
     </p:extLst>
   </p:cSld>
@@ -1377,7 +1633,7 @@
           <a:p>
             <a:fld id="{22C6D5CB-9E91-4D8B-8A6F-E7E64CE5E759}" type="datetimeFigureOut">
               <a:rPr lang="zh-CN" altLang="en-US" smtClean="0"/>
-              <a:t>2024/10/1</a:t>
+              <a:t>2024/10/2</a:t>
             </a:fld>
             <a:endParaRPr lang="zh-CN" altLang="en-US"/>
           </a:p>
@@ -1575,7 +1831,7 @@
           <a:p>
             <a:fld id="{22C6D5CB-9E91-4D8B-8A6F-E7E64CE5E759}" type="datetimeFigureOut">
               <a:rPr lang="zh-CN" altLang="en-US" smtClean="0"/>
-              <a:t>2024/10/1</a:t>
+              <a:t>2024/10/2</a:t>
             </a:fld>
             <a:endParaRPr lang="zh-CN" altLang="en-US"/>
           </a:p>
@@ -1783,7 +2039,7 @@
           <a:p>
             <a:fld id="{22C6D5CB-9E91-4D8B-8A6F-E7E64CE5E759}" type="datetimeFigureOut">
               <a:rPr lang="zh-CN" altLang="en-US" smtClean="0"/>
-              <a:t>2024/10/1</a:t>
+              <a:t>2024/10/2</a:t>
             </a:fld>
             <a:endParaRPr lang="zh-CN" altLang="en-US"/>
           </a:p>
@@ -1981,7 +2237,7 @@
           <a:p>
             <a:fld id="{22C6D5CB-9E91-4D8B-8A6F-E7E64CE5E759}" type="datetimeFigureOut">
               <a:rPr lang="zh-CN" altLang="en-US" smtClean="0"/>
-              <a:t>2024/10/1</a:t>
+              <a:t>2024/10/2</a:t>
             </a:fld>
             <a:endParaRPr lang="zh-CN" altLang="en-US"/>
           </a:p>
@@ -2256,7 +2512,7 @@
           <a:p>
             <a:fld id="{22C6D5CB-9E91-4D8B-8A6F-E7E64CE5E759}" type="datetimeFigureOut">
               <a:rPr lang="zh-CN" altLang="en-US" smtClean="0"/>
-              <a:t>2024/10/1</a:t>
+              <a:t>2024/10/2</a:t>
             </a:fld>
             <a:endParaRPr lang="zh-CN" altLang="en-US"/>
           </a:p>
@@ -2521,7 +2777,7 @@
           <a:p>
             <a:fld id="{22C6D5CB-9E91-4D8B-8A6F-E7E64CE5E759}" type="datetimeFigureOut">
               <a:rPr lang="zh-CN" altLang="en-US" smtClean="0"/>
-              <a:t>2024/10/1</a:t>
+              <a:t>2024/10/2</a:t>
             </a:fld>
             <a:endParaRPr lang="zh-CN" altLang="en-US"/>
           </a:p>
@@ -2933,7 +3189,7 @@
           <a:p>
             <a:fld id="{22C6D5CB-9E91-4D8B-8A6F-E7E64CE5E759}" type="datetimeFigureOut">
               <a:rPr lang="zh-CN" altLang="en-US" smtClean="0"/>
-              <a:t>2024/10/1</a:t>
+              <a:t>2024/10/2</a:t>
             </a:fld>
             <a:endParaRPr lang="zh-CN" altLang="en-US"/>
           </a:p>
@@ -3074,7 +3330,7 @@
           <a:p>
             <a:fld id="{22C6D5CB-9E91-4D8B-8A6F-E7E64CE5E759}" type="datetimeFigureOut">
               <a:rPr lang="zh-CN" altLang="en-US" smtClean="0"/>
-              <a:t>2024/10/1</a:t>
+              <a:t>2024/10/2</a:t>
             </a:fld>
             <a:endParaRPr lang="zh-CN" altLang="en-US"/>
           </a:p>
@@ -3187,7 +3443,7 @@
           <a:p>
             <a:fld id="{22C6D5CB-9E91-4D8B-8A6F-E7E64CE5E759}" type="datetimeFigureOut">
               <a:rPr lang="zh-CN" altLang="en-US" smtClean="0"/>
-              <a:t>2024/10/1</a:t>
+              <a:t>2024/10/2</a:t>
             </a:fld>
             <a:endParaRPr lang="zh-CN" altLang="en-US"/>
           </a:p>
@@ -3498,7 +3754,7 @@
           <a:p>
             <a:fld id="{22C6D5CB-9E91-4D8B-8A6F-E7E64CE5E759}" type="datetimeFigureOut">
               <a:rPr lang="zh-CN" altLang="en-US" smtClean="0"/>
-              <a:t>2024/10/1</a:t>
+              <a:t>2024/10/2</a:t>
             </a:fld>
             <a:endParaRPr lang="zh-CN" altLang="en-US"/>
           </a:p>
@@ -3786,7 +4042,7 @@
           <a:p>
             <a:fld id="{22C6D5CB-9E91-4D8B-8A6F-E7E64CE5E759}" type="datetimeFigureOut">
               <a:rPr lang="zh-CN" altLang="en-US" smtClean="0"/>
-              <a:t>2024/10/1</a:t>
+              <a:t>2024/10/2</a:t>
             </a:fld>
             <a:endParaRPr lang="zh-CN" altLang="en-US"/>
           </a:p>
@@ -4027,7 +4283,7 @@
           <a:p>
             <a:fld id="{22C6D5CB-9E91-4D8B-8A6F-E7E64CE5E759}" type="datetimeFigureOut">
               <a:rPr lang="zh-CN" altLang="en-US" smtClean="0"/>
-              <a:t>2024/10/1</a:t>
+              <a:t>2024/10/2</a:t>
             </a:fld>
             <a:endParaRPr lang="zh-CN" altLang="en-US"/>
           </a:p>
@@ -5715,6 +5971,1122 @@
         </p:nvGrpSpPr>
         <p:grpSpPr>
           <a:xfrm>
+            <a:off x="1917893" y="464233"/>
+            <a:ext cx="6339842" cy="5909238"/>
+            <a:chOff x="1650608" y="-450167"/>
+            <a:chExt cx="6339842" cy="5909238"/>
+          </a:xfrm>
+        </p:grpSpPr>
+        <p:sp>
+          <p:nvSpPr>
+            <p:cNvPr id="17" name="矩形 16">
+              <a:extLst>
+                <a:ext uri="{FF2B5EF4-FFF2-40B4-BE49-F238E27FC236}">
+                  <a16:creationId xmlns:a16="http://schemas.microsoft.com/office/drawing/2014/main" id="{08C262F2-BA1A-47F0-99F5-5E2AB168A192}"/>
+                </a:ext>
+              </a:extLst>
+            </p:cNvPr>
+            <p:cNvSpPr/>
+            <p:nvPr/>
+          </p:nvSpPr>
+          <p:spPr>
+            <a:xfrm>
+              <a:off x="1650608" y="-450167"/>
+              <a:ext cx="6339842" cy="5909238"/>
+            </a:xfrm>
+            <a:prstGeom prst="rect">
+              <a:avLst/>
+            </a:prstGeom>
+            <a:solidFill>
+              <a:srgbClr val="B0D2A0"/>
+            </a:solidFill>
+            <a:ln>
+              <a:solidFill>
+                <a:srgbClr val="B0D2A0"/>
+              </a:solidFill>
+            </a:ln>
+          </p:spPr>
+          <p:style>
+            <a:lnRef idx="2">
+              <a:schemeClr val="accent1">
+                <a:shade val="50000"/>
+              </a:schemeClr>
+            </a:lnRef>
+            <a:fillRef idx="1">
+              <a:schemeClr val="accent1"/>
+            </a:fillRef>
+            <a:effectRef idx="0">
+              <a:schemeClr val="accent1"/>
+            </a:effectRef>
+            <a:fontRef idx="minor">
+              <a:schemeClr val="lt1"/>
+            </a:fontRef>
+          </p:style>
+          <p:txBody>
+            <a:bodyPr rtlCol="0" anchor="ctr"/>
+            <a:lstStyle/>
+            <a:p>
+              <a:endParaRPr lang="en-US" altLang="zh-CN" sz="2000" dirty="0">
+                <a:solidFill>
+                  <a:schemeClr val="tx1"/>
+                </a:solidFill>
+                <a:latin typeface="楷体" panose="02010609060101010101" pitchFamily="49" charset="-122"/>
+                <a:ea typeface="楷体" panose="02010609060101010101" pitchFamily="49" charset="-122"/>
+              </a:endParaRPr>
+            </a:p>
+          </p:txBody>
+        </p:sp>
+        <p:sp>
+          <p:nvSpPr>
+            <p:cNvPr id="13" name="矩形 12">
+              <a:extLst>
+                <a:ext uri="{FF2B5EF4-FFF2-40B4-BE49-F238E27FC236}">
+                  <a16:creationId xmlns:a16="http://schemas.microsoft.com/office/drawing/2014/main" id="{661FDE28-B2B1-4D8A-9601-4CF5B6661D38}"/>
+                </a:ext>
+              </a:extLst>
+            </p:cNvPr>
+            <p:cNvSpPr/>
+            <p:nvPr/>
+          </p:nvSpPr>
+          <p:spPr>
+            <a:xfrm>
+              <a:off x="1650609" y="-450167"/>
+              <a:ext cx="6243126" cy="5909237"/>
+            </a:xfrm>
+            <a:prstGeom prst="rect">
+              <a:avLst/>
+            </a:prstGeom>
+            <a:solidFill>
+              <a:srgbClr val="B0D2A0"/>
+            </a:solidFill>
+            <a:ln>
+              <a:solidFill>
+                <a:srgbClr val="B0D2A0"/>
+              </a:solidFill>
+            </a:ln>
+          </p:spPr>
+          <p:style>
+            <a:lnRef idx="2">
+              <a:schemeClr val="accent1">
+                <a:shade val="50000"/>
+              </a:schemeClr>
+            </a:lnRef>
+            <a:fillRef idx="1">
+              <a:schemeClr val="accent1"/>
+            </a:fillRef>
+            <a:effectRef idx="0">
+              <a:schemeClr val="accent1"/>
+            </a:effectRef>
+            <a:fontRef idx="minor">
+              <a:schemeClr val="lt1"/>
+            </a:fontRef>
+          </p:style>
+          <p:txBody>
+            <a:bodyPr rtlCol="0" anchor="ctr"/>
+            <a:lstStyle/>
+            <a:p>
+              <a:pPr algn="ctr"/>
+              <a:r>
+                <a:rPr lang="en-US" altLang="zh-CN" sz="2800" dirty="0">
+                  <a:solidFill>
+                    <a:schemeClr val="tx1"/>
+                  </a:solidFill>
+                  <a:latin typeface="Times New Roman" panose="02020603050405020304" pitchFamily="18" charset="0"/>
+                  <a:ea typeface="楷体" panose="02010609060101010101" pitchFamily="49" charset="-122"/>
+                  <a:cs typeface="Times New Roman" panose="02020603050405020304" pitchFamily="18" charset="0"/>
+                </a:rPr>
+                <a:t>Press</a:t>
+              </a:r>
+              <a:r>
+                <a:rPr lang="zh-CN" altLang="en-US" sz="2800" dirty="0">
+                  <a:solidFill>
+                    <a:schemeClr val="tx1"/>
+                  </a:solidFill>
+                  <a:latin typeface="Times New Roman" panose="02020603050405020304" pitchFamily="18" charset="0"/>
+                  <a:ea typeface="楷体" panose="02010609060101010101" pitchFamily="49" charset="-122"/>
+                  <a:cs typeface="Times New Roman" panose="02020603050405020304" pitchFamily="18" charset="0"/>
+                </a:rPr>
+                <a:t> </a:t>
+              </a:r>
+              <a:r>
+                <a:rPr lang="en-US" altLang="zh-CN" sz="2800" dirty="0">
+                  <a:solidFill>
+                    <a:schemeClr val="tx1"/>
+                  </a:solidFill>
+                  <a:latin typeface="Times New Roman" panose="02020603050405020304" pitchFamily="18" charset="0"/>
+                  <a:ea typeface="楷体" panose="02010609060101010101" pitchFamily="49" charset="-122"/>
+                  <a:cs typeface="Times New Roman" panose="02020603050405020304" pitchFamily="18" charset="0"/>
+                </a:rPr>
+                <a:t>the</a:t>
+              </a:r>
+              <a:r>
+                <a:rPr lang="zh-CN" altLang="en-US" sz="2800" dirty="0">
+                  <a:solidFill>
+                    <a:schemeClr val="tx1"/>
+                  </a:solidFill>
+                  <a:latin typeface="Times New Roman" panose="02020603050405020304" pitchFamily="18" charset="0"/>
+                  <a:ea typeface="楷体" panose="02010609060101010101" pitchFamily="49" charset="-122"/>
+                  <a:cs typeface="Times New Roman" panose="02020603050405020304" pitchFamily="18" charset="0"/>
+                </a:rPr>
+                <a:t> </a:t>
+              </a:r>
+              <a:r>
+                <a:rPr lang="en-US" altLang="zh-CN" sz="2800" b="1" dirty="0">
+                  <a:solidFill>
+                    <a:schemeClr val="tx1"/>
+                  </a:solidFill>
+                  <a:latin typeface="Times New Roman" panose="02020603050405020304" pitchFamily="18" charset="0"/>
+                  <a:ea typeface="楷体" panose="02010609060101010101" pitchFamily="49" charset="-122"/>
+                  <a:cs typeface="Times New Roman" panose="02020603050405020304" pitchFamily="18" charset="0"/>
+                </a:rPr>
+                <a:t>spacebar</a:t>
+              </a:r>
+              <a:r>
+                <a:rPr lang="zh-CN" altLang="en-US" sz="2800" dirty="0">
+                  <a:solidFill>
+                    <a:schemeClr val="tx1"/>
+                  </a:solidFill>
+                  <a:latin typeface="Times New Roman" panose="02020603050405020304" pitchFamily="18" charset="0"/>
+                  <a:ea typeface="楷体" panose="02010609060101010101" pitchFamily="49" charset="-122"/>
+                  <a:cs typeface="Times New Roman" panose="02020603050405020304" pitchFamily="18" charset="0"/>
+                </a:rPr>
+                <a:t> </a:t>
+              </a:r>
+              <a:r>
+                <a:rPr lang="en-US" altLang="zh-CN" sz="2800" dirty="0">
+                  <a:solidFill>
+                    <a:schemeClr val="tx1"/>
+                  </a:solidFill>
+                  <a:latin typeface="Times New Roman" panose="02020603050405020304" pitchFamily="18" charset="0"/>
+                  <a:ea typeface="楷体" panose="02010609060101010101" pitchFamily="49" charset="-122"/>
+                  <a:cs typeface="Times New Roman" panose="02020603050405020304" pitchFamily="18" charset="0"/>
+                </a:rPr>
+                <a:t>to</a:t>
+              </a:r>
+              <a:r>
+                <a:rPr lang="zh-CN" altLang="en-US" sz="2800" dirty="0">
+                  <a:solidFill>
+                    <a:schemeClr val="tx1"/>
+                  </a:solidFill>
+                  <a:latin typeface="Times New Roman" panose="02020603050405020304" pitchFamily="18" charset="0"/>
+                  <a:ea typeface="楷体" panose="02010609060101010101" pitchFamily="49" charset="-122"/>
+                  <a:cs typeface="Times New Roman" panose="02020603050405020304" pitchFamily="18" charset="0"/>
+                </a:rPr>
+                <a:t> </a:t>
+              </a:r>
+              <a:r>
+                <a:rPr lang="en-US" altLang="zh-CN" sz="2800" dirty="0">
+                  <a:solidFill>
+                    <a:schemeClr val="tx1"/>
+                  </a:solidFill>
+                  <a:latin typeface="Times New Roman" panose="02020603050405020304" pitchFamily="18" charset="0"/>
+                  <a:ea typeface="楷体" panose="02010609060101010101" pitchFamily="49" charset="-122"/>
+                  <a:cs typeface="Times New Roman" panose="02020603050405020304" pitchFamily="18" charset="0"/>
+                </a:rPr>
+                <a:t>start</a:t>
+              </a:r>
+              <a:r>
+                <a:rPr lang="zh-CN" altLang="en-US" sz="2800" dirty="0">
+                  <a:solidFill>
+                    <a:schemeClr val="tx1"/>
+                  </a:solidFill>
+                  <a:latin typeface="Times New Roman" panose="02020603050405020304" pitchFamily="18" charset="0"/>
+                  <a:ea typeface="楷体" panose="02010609060101010101" pitchFamily="49" charset="-122"/>
+                  <a:cs typeface="Times New Roman" panose="02020603050405020304" pitchFamily="18" charset="0"/>
+                </a:rPr>
+                <a:t> </a:t>
+              </a:r>
+              <a:r>
+                <a:rPr lang="en-US" altLang="zh-CN" sz="2800" dirty="0">
+                  <a:solidFill>
+                    <a:schemeClr val="tx1"/>
+                  </a:solidFill>
+                  <a:latin typeface="Times New Roman" panose="02020603050405020304" pitchFamily="18" charset="0"/>
+                  <a:ea typeface="楷体" panose="02010609060101010101" pitchFamily="49" charset="-122"/>
+                  <a:cs typeface="Times New Roman" panose="02020603050405020304" pitchFamily="18" charset="0"/>
+                </a:rPr>
+                <a:t>the</a:t>
+              </a:r>
+              <a:r>
+                <a:rPr lang="zh-CN" altLang="en-US" sz="2800" dirty="0">
+                  <a:solidFill>
+                    <a:schemeClr val="tx1"/>
+                  </a:solidFill>
+                  <a:latin typeface="Times New Roman" panose="02020603050405020304" pitchFamily="18" charset="0"/>
+                  <a:ea typeface="楷体" panose="02010609060101010101" pitchFamily="49" charset="-122"/>
+                  <a:cs typeface="Times New Roman" panose="02020603050405020304" pitchFamily="18" charset="0"/>
+                </a:rPr>
+                <a:t> </a:t>
+              </a:r>
+              <a:r>
+                <a:rPr lang="en-US" altLang="zh-CN" sz="2800" dirty="0">
+                  <a:solidFill>
+                    <a:schemeClr val="tx1"/>
+                  </a:solidFill>
+                  <a:latin typeface="Times New Roman" panose="02020603050405020304" pitchFamily="18" charset="0"/>
+                  <a:ea typeface="楷体" panose="02010609060101010101" pitchFamily="49" charset="-122"/>
+                  <a:cs typeface="Times New Roman" panose="02020603050405020304" pitchFamily="18" charset="0"/>
+                </a:rPr>
+                <a:t>game!</a:t>
+              </a:r>
+            </a:p>
+          </p:txBody>
+        </p:sp>
+      </p:grpSp>
+    </p:spTree>
+    <p:extLst>
+      <p:ext uri="{BB962C8B-B14F-4D97-AF65-F5344CB8AC3E}">
+        <p14:creationId xmlns:p14="http://schemas.microsoft.com/office/powerpoint/2010/main" val="2845442518"/>
+      </p:ext>
+    </p:extLst>
+  </p:cSld>
+  <p:clrMapOvr>
+    <a:masterClrMapping/>
+  </p:clrMapOvr>
+</p:sld>
+</file>
+
+<file path=ppt/slides/slide11.xml><?xml version="1.0" encoding="utf-8"?>
+<p:sld xmlns:a="http://schemas.openxmlformats.org/drawingml/2006/main" xmlns:r="http://schemas.openxmlformats.org/officeDocument/2006/relationships" xmlns:p="http://schemas.openxmlformats.org/presentationml/2006/main">
+  <p:cSld>
+    <p:spTree>
+      <p:nvGrpSpPr>
+        <p:cNvPr id="1" name=""/>
+        <p:cNvGrpSpPr/>
+        <p:nvPr/>
+      </p:nvGrpSpPr>
+      <p:grpSpPr>
+        <a:xfrm>
+          <a:off x="0" y="0"/>
+          <a:ext cx="0" cy="0"/>
+          <a:chOff x="0" y="0"/>
+          <a:chExt cx="0" cy="0"/>
+        </a:xfrm>
+      </p:grpSpPr>
+      <p:sp>
+        <p:nvSpPr>
+          <p:cNvPr id="13" name="矩形 12">
+            <a:extLst>
+              <a:ext uri="{FF2B5EF4-FFF2-40B4-BE49-F238E27FC236}">
+                <a16:creationId xmlns:a16="http://schemas.microsoft.com/office/drawing/2014/main" id="{661FDE28-B2B1-4D8A-9601-4CF5B6661D38}"/>
+              </a:ext>
+            </a:extLst>
+          </p:cNvPr>
+          <p:cNvSpPr/>
+          <p:nvPr/>
+        </p:nvSpPr>
+        <p:spPr>
+          <a:xfrm>
+            <a:off x="2600556" y="946345"/>
+            <a:ext cx="6790870" cy="4965310"/>
+          </a:xfrm>
+          <a:prstGeom prst="rect">
+            <a:avLst/>
+          </a:prstGeom>
+          <a:solidFill>
+            <a:srgbClr val="B0D2A0"/>
+          </a:solidFill>
+          <a:ln>
+            <a:solidFill>
+              <a:srgbClr val="B0D2A0"/>
+            </a:solidFill>
+          </a:ln>
+        </p:spPr>
+        <p:style>
+          <a:lnRef idx="2">
+            <a:schemeClr val="accent1">
+              <a:shade val="50000"/>
+            </a:schemeClr>
+          </a:lnRef>
+          <a:fillRef idx="1">
+            <a:schemeClr val="accent1"/>
+          </a:fillRef>
+          <a:effectRef idx="0">
+            <a:schemeClr val="accent1"/>
+          </a:effectRef>
+          <a:fontRef idx="minor">
+            <a:schemeClr val="lt1"/>
+          </a:fontRef>
+        </p:style>
+        <p:txBody>
+          <a:bodyPr rtlCol="0" anchor="ctr"/>
+          <a:lstStyle/>
+          <a:p>
+            <a:pPr lvl="1" algn="ctr"/>
+            <a:endParaRPr lang="en-US" altLang="zh-CN" sz="3200" dirty="0">
+              <a:solidFill>
+                <a:schemeClr val="tx1"/>
+              </a:solidFill>
+              <a:latin typeface="楷体" panose="02010609060101010101" pitchFamily="49" charset="-122"/>
+              <a:ea typeface="楷体" panose="02010609060101010101" pitchFamily="49" charset="-122"/>
+            </a:endParaRPr>
+          </a:p>
+        </p:txBody>
+      </p:sp>
+      <p:sp>
+        <p:nvSpPr>
+          <p:cNvPr id="5" name="TextBox 4">
+            <a:extLst>
+              <a:ext uri="{FF2B5EF4-FFF2-40B4-BE49-F238E27FC236}">
+                <a16:creationId xmlns:a16="http://schemas.microsoft.com/office/drawing/2014/main" id="{D5945C27-3B06-84F6-C2B3-BB15EFD30459}"/>
+              </a:ext>
+            </a:extLst>
+          </p:cNvPr>
+          <p:cNvSpPr txBox="1"/>
+          <p:nvPr/>
+        </p:nvSpPr>
+        <p:spPr>
+          <a:xfrm>
+            <a:off x="2487541" y="1365259"/>
+            <a:ext cx="6612271" cy="1815882"/>
+          </a:xfrm>
+          <a:prstGeom prst="rect">
+            <a:avLst/>
+          </a:prstGeom>
+          <a:noFill/>
+        </p:spPr>
+        <p:txBody>
+          <a:bodyPr wrap="square">
+            <a:spAutoFit/>
+          </a:bodyPr>
+          <a:lstStyle/>
+          <a:p>
+            <a:pPr lvl="1" algn="ctr"/>
+            <a:r>
+              <a:rPr lang="en-US" altLang="zh-CN" sz="2800" dirty="0">
+                <a:solidFill>
+                  <a:schemeClr val="tx1"/>
+                </a:solidFill>
+                <a:latin typeface="Times New Roman" panose="02020603050405020304" pitchFamily="18" charset="0"/>
+                <a:ea typeface="楷体" panose="02010609060101010101" pitchFamily="49" charset="-122"/>
+                <a:cs typeface="Times New Roman" panose="02020603050405020304" pitchFamily="18" charset="0"/>
+              </a:rPr>
+              <a:t>You have finished the game!</a:t>
+            </a:r>
+          </a:p>
+          <a:p>
+            <a:pPr lvl="1" algn="ctr"/>
+            <a:r>
+              <a:rPr lang="en-US" altLang="zh-CN" sz="2800" dirty="0">
+                <a:solidFill>
+                  <a:schemeClr val="tx1"/>
+                </a:solidFill>
+                <a:latin typeface="Times New Roman" panose="02020603050405020304" pitchFamily="18" charset="0"/>
+                <a:ea typeface="楷体" panose="02010609060101010101" pitchFamily="49" charset="-122"/>
+                <a:cs typeface="Times New Roman" panose="02020603050405020304" pitchFamily="18" charset="0"/>
+              </a:rPr>
+              <a:t>Please scan the QR code below to fill out the questionnaire and complete the experiment.</a:t>
+            </a:r>
+            <a:endParaRPr lang="en-US" altLang="zh-CN" sz="3200" dirty="0">
+              <a:solidFill>
+                <a:schemeClr val="tx1"/>
+              </a:solidFill>
+              <a:latin typeface="Times New Roman" panose="02020603050405020304" pitchFamily="18" charset="0"/>
+              <a:ea typeface="楷体" panose="02010609060101010101" pitchFamily="49" charset="-122"/>
+              <a:cs typeface="Times New Roman" panose="02020603050405020304" pitchFamily="18" charset="0"/>
+            </a:endParaRPr>
+          </a:p>
+        </p:txBody>
+      </p:sp>
+    </p:spTree>
+    <p:extLst>
+      <p:ext uri="{BB962C8B-B14F-4D97-AF65-F5344CB8AC3E}">
+        <p14:creationId xmlns:p14="http://schemas.microsoft.com/office/powerpoint/2010/main" val="4096702402"/>
+      </p:ext>
+    </p:extLst>
+  </p:cSld>
+  <p:clrMapOvr>
+    <a:masterClrMapping/>
+  </p:clrMapOvr>
+</p:sld>
+</file>
+
+<file path=ppt/slides/slide12.xml><?xml version="1.0" encoding="utf-8"?>
+<p:sld xmlns:a="http://schemas.openxmlformats.org/drawingml/2006/main" xmlns:r="http://schemas.openxmlformats.org/officeDocument/2006/relationships" xmlns:p="http://schemas.openxmlformats.org/presentationml/2006/main">
+  <p:cSld>
+    <p:spTree>
+      <p:nvGrpSpPr>
+        <p:cNvPr id="1" name=""/>
+        <p:cNvGrpSpPr/>
+        <p:nvPr/>
+      </p:nvGrpSpPr>
+      <p:grpSpPr>
+        <a:xfrm>
+          <a:off x="0" y="0"/>
+          <a:ext cx="0" cy="0"/>
+          <a:chOff x="0" y="0"/>
+          <a:chExt cx="0" cy="0"/>
+        </a:xfrm>
+      </p:grpSpPr>
+      <p:grpSp>
+        <p:nvGrpSpPr>
+          <p:cNvPr id="19" name="组合 18">
+            <a:extLst>
+              <a:ext uri="{FF2B5EF4-FFF2-40B4-BE49-F238E27FC236}">
+                <a16:creationId xmlns:a16="http://schemas.microsoft.com/office/drawing/2014/main" id="{DE9C536E-1274-45A4-8808-A31579281473}"/>
+              </a:ext>
+            </a:extLst>
+          </p:cNvPr>
+          <p:cNvGrpSpPr/>
+          <p:nvPr/>
+        </p:nvGrpSpPr>
+        <p:grpSpPr>
+          <a:xfrm>
+            <a:off x="3532372" y="597671"/>
+            <a:ext cx="6339842" cy="5909238"/>
+            <a:chOff x="1650608" y="-450167"/>
+            <a:chExt cx="6339842" cy="5909238"/>
+          </a:xfrm>
+        </p:grpSpPr>
+        <p:sp>
+          <p:nvSpPr>
+            <p:cNvPr id="17" name="矩形 16">
+              <a:extLst>
+                <a:ext uri="{FF2B5EF4-FFF2-40B4-BE49-F238E27FC236}">
+                  <a16:creationId xmlns:a16="http://schemas.microsoft.com/office/drawing/2014/main" id="{08C262F2-BA1A-47F0-99F5-5E2AB168A192}"/>
+                </a:ext>
+              </a:extLst>
+            </p:cNvPr>
+            <p:cNvSpPr/>
+            <p:nvPr/>
+          </p:nvSpPr>
+          <p:spPr>
+            <a:xfrm>
+              <a:off x="1650608" y="-450167"/>
+              <a:ext cx="6339842" cy="5909238"/>
+            </a:xfrm>
+            <a:prstGeom prst="rect">
+              <a:avLst/>
+            </a:prstGeom>
+            <a:solidFill>
+              <a:srgbClr val="B0D2A0"/>
+            </a:solidFill>
+            <a:ln>
+              <a:solidFill>
+                <a:srgbClr val="B0D2A0"/>
+              </a:solidFill>
+            </a:ln>
+          </p:spPr>
+          <p:style>
+            <a:lnRef idx="2">
+              <a:schemeClr val="accent1">
+                <a:shade val="50000"/>
+              </a:schemeClr>
+            </a:lnRef>
+            <a:fillRef idx="1">
+              <a:schemeClr val="accent1"/>
+            </a:fillRef>
+            <a:effectRef idx="0">
+              <a:schemeClr val="accent1"/>
+            </a:effectRef>
+            <a:fontRef idx="minor">
+              <a:schemeClr val="lt1"/>
+            </a:fontRef>
+          </p:style>
+          <p:txBody>
+            <a:bodyPr rtlCol="0" anchor="ctr"/>
+            <a:lstStyle/>
+            <a:p>
+              <a:endParaRPr lang="en-US" altLang="zh-CN" sz="2000" dirty="0">
+                <a:solidFill>
+                  <a:schemeClr val="tx1"/>
+                </a:solidFill>
+                <a:latin typeface="楷体" panose="02010609060101010101" pitchFamily="49" charset="-122"/>
+                <a:ea typeface="楷体" panose="02010609060101010101" pitchFamily="49" charset="-122"/>
+              </a:endParaRPr>
+            </a:p>
+          </p:txBody>
+        </p:sp>
+        <p:sp>
+          <p:nvSpPr>
+            <p:cNvPr id="13" name="矩形 12">
+              <a:extLst>
+                <a:ext uri="{FF2B5EF4-FFF2-40B4-BE49-F238E27FC236}">
+                  <a16:creationId xmlns:a16="http://schemas.microsoft.com/office/drawing/2014/main" id="{661FDE28-B2B1-4D8A-9601-4CF5B6661D38}"/>
+                </a:ext>
+              </a:extLst>
+            </p:cNvPr>
+            <p:cNvSpPr/>
+            <p:nvPr/>
+          </p:nvSpPr>
+          <p:spPr>
+            <a:xfrm>
+              <a:off x="1650608" y="670338"/>
+              <a:ext cx="3981462" cy="3195271"/>
+            </a:xfrm>
+            <a:prstGeom prst="rect">
+              <a:avLst/>
+            </a:prstGeom>
+            <a:solidFill>
+              <a:srgbClr val="B0D2A0"/>
+            </a:solidFill>
+            <a:ln>
+              <a:solidFill>
+                <a:srgbClr val="B0D2A0"/>
+              </a:solidFill>
+            </a:ln>
+          </p:spPr>
+          <p:style>
+            <a:lnRef idx="2">
+              <a:schemeClr val="accent1">
+                <a:shade val="50000"/>
+              </a:schemeClr>
+            </a:lnRef>
+            <a:fillRef idx="1">
+              <a:schemeClr val="accent1"/>
+            </a:fillRef>
+            <a:effectRef idx="0">
+              <a:schemeClr val="accent1"/>
+            </a:effectRef>
+            <a:fontRef idx="minor">
+              <a:schemeClr val="lt1"/>
+            </a:fontRef>
+          </p:style>
+          <p:txBody>
+            <a:bodyPr rtlCol="0" anchor="ctr"/>
+            <a:lstStyle/>
+            <a:p>
+              <a:pPr lvl="1"/>
+              <a:endParaRPr lang="en-US" altLang="zh-CN" sz="1400" dirty="0">
+                <a:solidFill>
+                  <a:schemeClr val="tx1"/>
+                </a:solidFill>
+                <a:latin typeface="Times New Roman" panose="02020603050405020304" pitchFamily="18" charset="0"/>
+                <a:ea typeface="楷体" panose="02010609060101010101" pitchFamily="49" charset="-122"/>
+                <a:cs typeface="Times New Roman" panose="02020603050405020304" pitchFamily="18" charset="0"/>
+              </a:endParaRPr>
+            </a:p>
+            <a:p>
+              <a:pPr lvl="2"/>
+              <a:endParaRPr lang="en-US" altLang="zh-CN" sz="1400" dirty="0">
+                <a:solidFill>
+                  <a:schemeClr val="tx1"/>
+                </a:solidFill>
+                <a:latin typeface="Times New Roman" panose="02020603050405020304" pitchFamily="18" charset="0"/>
+                <a:ea typeface="楷体" panose="02010609060101010101" pitchFamily="49" charset="-122"/>
+                <a:cs typeface="Times New Roman" panose="02020603050405020304" pitchFamily="18" charset="0"/>
+              </a:endParaRPr>
+            </a:p>
+            <a:p>
+              <a:pPr lvl="2"/>
+              <a:endParaRPr lang="en-US" altLang="zh-CN" sz="1400" dirty="0">
+                <a:solidFill>
+                  <a:schemeClr val="tx1"/>
+                </a:solidFill>
+                <a:latin typeface="Times New Roman" panose="02020603050405020304" pitchFamily="18" charset="0"/>
+                <a:ea typeface="楷体" panose="02010609060101010101" pitchFamily="49" charset="-122"/>
+                <a:cs typeface="Times New Roman" panose="02020603050405020304" pitchFamily="18" charset="0"/>
+              </a:endParaRPr>
+            </a:p>
+            <a:p>
+              <a:pPr lvl="2"/>
+              <a:endParaRPr lang="en-US" altLang="zh-CN" sz="1400" dirty="0">
+                <a:solidFill>
+                  <a:schemeClr val="tx1"/>
+                </a:solidFill>
+                <a:latin typeface="Times New Roman" panose="02020603050405020304" pitchFamily="18" charset="0"/>
+                <a:ea typeface="楷体" panose="02010609060101010101" pitchFamily="49" charset="-122"/>
+                <a:cs typeface="Times New Roman" panose="02020603050405020304" pitchFamily="18" charset="0"/>
+              </a:endParaRPr>
+            </a:p>
+            <a:p>
+              <a:pPr lvl="2"/>
+              <a:r>
+                <a:rPr lang="en-US" altLang="zh-CN" b="1" dirty="0">
+                  <a:solidFill>
+                    <a:schemeClr val="tx1"/>
+                  </a:solidFill>
+                  <a:latin typeface="Times New Roman" panose="02020603050405020304" pitchFamily="18" charset="0"/>
+                  <a:ea typeface="楷体" panose="02010609060101010101" pitchFamily="49" charset="-122"/>
+                  <a:cs typeface="Times New Roman" panose="02020603050405020304" pitchFamily="18" charset="0"/>
+                </a:rPr>
+                <a:t>Welcome to the experiment!</a:t>
+              </a:r>
+            </a:p>
+            <a:p>
+              <a:pPr lvl="2"/>
+              <a:endParaRPr lang="en-US" altLang="zh-CN" sz="1400" b="1" dirty="0">
+                <a:solidFill>
+                  <a:schemeClr val="tx1"/>
+                </a:solidFill>
+                <a:latin typeface="Times New Roman" panose="02020603050405020304" pitchFamily="18" charset="0"/>
+                <a:ea typeface="楷体" panose="02010609060101010101" pitchFamily="49" charset="-122"/>
+                <a:cs typeface="Times New Roman" panose="02020603050405020304" pitchFamily="18" charset="0"/>
+              </a:endParaRPr>
+            </a:p>
+            <a:p>
+              <a:pPr lvl="2"/>
+              <a:r>
+                <a:rPr lang="en-US" altLang="zh-CN" sz="1400" b="1" dirty="0">
+                  <a:solidFill>
+                    <a:schemeClr val="tx1"/>
+                  </a:solidFill>
+                  <a:latin typeface="Times New Roman" panose="02020603050405020304" pitchFamily="18" charset="0"/>
+                  <a:ea typeface="楷体" panose="02010609060101010101" pitchFamily="49" charset="-122"/>
+                  <a:cs typeface="Times New Roman" panose="02020603050405020304" pitchFamily="18" charset="0"/>
+                </a:rPr>
+                <a:t>You two a hungry traveler (</a:t>
+              </a:r>
+              <a:r>
+                <a:rPr lang="en-US" altLang="zh-CN" sz="1400" b="1" dirty="0">
+                  <a:solidFill>
+                    <a:srgbClr val="0070C0"/>
+                  </a:solidFill>
+                  <a:latin typeface="Times New Roman" panose="02020603050405020304" pitchFamily="18" charset="0"/>
+                  <a:ea typeface="楷体" panose="02010609060101010101" pitchFamily="49" charset="-122"/>
+                  <a:cs typeface="Times New Roman" panose="02020603050405020304" pitchFamily="18" charset="0"/>
+                </a:rPr>
+                <a:t>blue circle</a:t>
+              </a:r>
+              <a:r>
+                <a:rPr lang="en-US" altLang="zh-CN" sz="1400" b="1" dirty="0">
+                  <a:solidFill>
+                    <a:schemeClr val="tx1"/>
+                  </a:solidFill>
+                  <a:latin typeface="Times New Roman" panose="02020603050405020304" pitchFamily="18" charset="0"/>
+                  <a:ea typeface="楷体" panose="02010609060101010101" pitchFamily="49" charset="-122"/>
+                  <a:cs typeface="Times New Roman" panose="02020603050405020304" pitchFamily="18" charset="0"/>
+                </a:rPr>
+                <a:t>) who need to reach a restaurant as soon as possible to replenish your food. There are two restaurants on the map (red squares). Your goal is to maneuver the keys (up, down, left, right) to navigate and reach one of the restaurants for a meal in as few steps as possible. The blue circle is controlled by WSAD keys, and the green circle is controlled by arrow keys</a:t>
+              </a:r>
+              <a:r>
+                <a:rPr lang="zh-CN" altLang="en-US" sz="1400" b="1" dirty="0">
+                  <a:solidFill>
+                    <a:schemeClr val="tx1"/>
+                  </a:solidFill>
+                  <a:latin typeface="Times New Roman" panose="02020603050405020304" pitchFamily="18" charset="0"/>
+                  <a:ea typeface="楷体" panose="02010609060101010101" pitchFamily="49" charset="-122"/>
+                  <a:cs typeface="Times New Roman" panose="02020603050405020304" pitchFamily="18" charset="0"/>
+                </a:rPr>
+                <a:t> </a:t>
+              </a:r>
+              <a:r>
+                <a:rPr lang="en-US" altLang="zh-CN" sz="1400" b="1" dirty="0">
+                  <a:solidFill>
+                    <a:srgbClr val="00B050"/>
+                  </a:solidFill>
+                  <a:latin typeface="楷体" panose="02010609060101010101" pitchFamily="49" charset="-122"/>
+                  <a:ea typeface="楷体" panose="02010609060101010101" pitchFamily="49" charset="-122"/>
+                </a:rPr>
+                <a:t>↑↓←→</a:t>
+              </a:r>
+              <a:r>
+                <a:rPr lang="en-US" altLang="zh-CN" sz="1400" b="1" dirty="0">
+                  <a:solidFill>
+                    <a:schemeClr val="tx1"/>
+                  </a:solidFill>
+                  <a:latin typeface="Times New Roman" panose="02020603050405020304" pitchFamily="18" charset="0"/>
+                  <a:ea typeface="楷体" panose="02010609060101010101" pitchFamily="49" charset="-122"/>
+                  <a:cs typeface="Times New Roman" panose="02020603050405020304" pitchFamily="18" charset="0"/>
+                </a:rPr>
+                <a:t>.</a:t>
+              </a:r>
+            </a:p>
+            <a:p>
+              <a:pPr lvl="2"/>
+              <a:endParaRPr lang="en-US" altLang="zh-CN" sz="1400" b="1" dirty="0">
+                <a:solidFill>
+                  <a:schemeClr val="tx1"/>
+                </a:solidFill>
+                <a:latin typeface="Times New Roman" panose="02020603050405020304" pitchFamily="18" charset="0"/>
+                <a:ea typeface="楷体" panose="02010609060101010101" pitchFamily="49" charset="-122"/>
+                <a:cs typeface="Times New Roman" panose="02020603050405020304" pitchFamily="18" charset="0"/>
+              </a:endParaRPr>
+            </a:p>
+            <a:p>
+              <a:pPr lvl="2"/>
+              <a:r>
+                <a:rPr lang="en-US" altLang="zh-CN" sz="1400" b="1" dirty="0">
+                  <a:solidFill>
+                    <a:schemeClr val="tx1"/>
+                  </a:solidFill>
+                  <a:latin typeface="Times New Roman" panose="02020603050405020304" pitchFamily="18" charset="0"/>
+                  <a:ea typeface="楷体" panose="02010609060101010101" pitchFamily="49" charset="-122"/>
+                  <a:cs typeface="Times New Roman" panose="02020603050405020304" pitchFamily="18" charset="0"/>
+                </a:rPr>
+                <a:t>Please note:</a:t>
+              </a:r>
+            </a:p>
+            <a:p>
+              <a:pPr lvl="2"/>
+              <a:endParaRPr lang="en-US" altLang="zh-CN" sz="1400" b="1" dirty="0">
+                <a:solidFill>
+                  <a:schemeClr val="tx1"/>
+                </a:solidFill>
+                <a:latin typeface="Times New Roman" panose="02020603050405020304" pitchFamily="18" charset="0"/>
+                <a:ea typeface="楷体" panose="02010609060101010101" pitchFamily="49" charset="-122"/>
+                <a:cs typeface="Times New Roman" panose="02020603050405020304" pitchFamily="18" charset="0"/>
+              </a:endParaRPr>
+            </a:p>
+            <a:p>
+              <a:pPr lvl="2"/>
+              <a:r>
+                <a:rPr lang="en-US" altLang="zh-CN" sz="1400" b="1" dirty="0">
+                  <a:solidFill>
+                    <a:schemeClr val="tx1"/>
+                  </a:solidFill>
+                  <a:latin typeface="Times New Roman" panose="02020603050405020304" pitchFamily="18" charset="0"/>
+                  <a:ea typeface="楷体" panose="02010609060101010101" pitchFamily="49" charset="-122"/>
+                  <a:cs typeface="Times New Roman" panose="02020603050405020304" pitchFamily="18" charset="0"/>
+                </a:rPr>
+                <a:t>Your positions can overlap and you can reach the same restaurant. However, for each person, in each round</a:t>
+              </a:r>
+              <a:r>
+                <a:rPr lang="zh-CN" altLang="en-US" sz="1400" b="1" dirty="0">
+                  <a:solidFill>
+                    <a:schemeClr val="tx1"/>
+                  </a:solidFill>
+                  <a:latin typeface="Times New Roman" panose="02020603050405020304" pitchFamily="18" charset="0"/>
+                  <a:ea typeface="楷体" panose="02010609060101010101" pitchFamily="49" charset="-122"/>
+                  <a:cs typeface="Times New Roman" panose="02020603050405020304" pitchFamily="18" charset="0"/>
+                </a:rPr>
+                <a:t> </a:t>
+              </a:r>
+              <a:r>
+                <a:rPr lang="en-US" altLang="zh-CN" sz="1400" b="1" dirty="0">
+                  <a:solidFill>
+                    <a:schemeClr val="tx1"/>
+                  </a:solidFill>
+                  <a:latin typeface="Times New Roman" panose="02020603050405020304" pitchFamily="18" charset="0"/>
+                  <a:ea typeface="楷体" panose="02010609060101010101" pitchFamily="49" charset="-122"/>
+                  <a:cs typeface="Times New Roman" panose="02020603050405020304" pitchFamily="18" charset="0"/>
+                </a:rPr>
+                <a:t>(total</a:t>
+              </a:r>
+              <a:r>
+                <a:rPr lang="zh-CN" altLang="en-US" sz="1400" b="1" dirty="0">
+                  <a:solidFill>
+                    <a:schemeClr val="tx1"/>
+                  </a:solidFill>
+                  <a:latin typeface="Times New Roman" panose="02020603050405020304" pitchFamily="18" charset="0"/>
+                  <a:ea typeface="楷体" panose="02010609060101010101" pitchFamily="49" charset="-122"/>
+                  <a:cs typeface="Times New Roman" panose="02020603050405020304" pitchFamily="18" charset="0"/>
+                </a:rPr>
+                <a:t> </a:t>
+              </a:r>
+              <a:r>
+                <a:rPr lang="en-US" altLang="zh-CN" sz="1400" b="1" dirty="0">
+                  <a:solidFill>
+                    <a:schemeClr val="tx1"/>
+                  </a:solidFill>
+                  <a:latin typeface="Times New Roman" panose="02020603050405020304" pitchFamily="18" charset="0"/>
+                  <a:ea typeface="楷体" panose="02010609060101010101" pitchFamily="49" charset="-122"/>
+                  <a:cs typeface="Times New Roman" panose="02020603050405020304" pitchFamily="18" charset="0"/>
+                </a:rPr>
+                <a:t>10</a:t>
+              </a:r>
+              <a:r>
+                <a:rPr lang="zh-CN" altLang="en-US" sz="1400" b="1" dirty="0">
+                  <a:solidFill>
+                    <a:schemeClr val="tx1"/>
+                  </a:solidFill>
+                  <a:latin typeface="Times New Roman" panose="02020603050405020304" pitchFamily="18" charset="0"/>
+                  <a:ea typeface="楷体" panose="02010609060101010101" pitchFamily="49" charset="-122"/>
+                  <a:cs typeface="Times New Roman" panose="02020603050405020304" pitchFamily="18" charset="0"/>
+                </a:rPr>
+                <a:t> </a:t>
+              </a:r>
+              <a:r>
+                <a:rPr lang="en-US" altLang="zh-CN" sz="1400" b="1" dirty="0">
+                  <a:solidFill>
+                    <a:schemeClr val="tx1"/>
+                  </a:solidFill>
+                  <a:latin typeface="Times New Roman" panose="02020603050405020304" pitchFamily="18" charset="0"/>
+                  <a:ea typeface="楷体" panose="02010609060101010101" pitchFamily="49" charset="-122"/>
+                  <a:cs typeface="Times New Roman" panose="02020603050405020304" pitchFamily="18" charset="0"/>
+                </a:rPr>
+                <a:t>rounds) only one restaurant can be reached for dining.</a:t>
+              </a:r>
+            </a:p>
+            <a:p>
+              <a:pPr lvl="2"/>
+              <a:endParaRPr lang="en-US" altLang="zh-CN" sz="1400" b="1" dirty="0">
+                <a:solidFill>
+                  <a:schemeClr val="tx1"/>
+                </a:solidFill>
+                <a:latin typeface="Times New Roman" panose="02020603050405020304" pitchFamily="18" charset="0"/>
+                <a:ea typeface="楷体" panose="02010609060101010101" pitchFamily="49" charset="-122"/>
+                <a:cs typeface="Times New Roman" panose="02020603050405020304" pitchFamily="18" charset="0"/>
+              </a:endParaRPr>
+            </a:p>
+            <a:p>
+              <a:pPr lvl="2"/>
+              <a:endParaRPr lang="en-US" altLang="zh-CN" sz="1400" b="1" dirty="0">
+                <a:solidFill>
+                  <a:schemeClr val="tx1"/>
+                </a:solidFill>
+                <a:latin typeface="Times New Roman" panose="02020603050405020304" pitchFamily="18" charset="0"/>
+                <a:ea typeface="楷体" panose="02010609060101010101" pitchFamily="49" charset="-122"/>
+                <a:cs typeface="Times New Roman" panose="02020603050405020304" pitchFamily="18" charset="0"/>
+              </a:endParaRPr>
+            </a:p>
+            <a:p>
+              <a:endParaRPr lang="en-US" altLang="zh-CN" sz="1400" dirty="0">
+                <a:solidFill>
+                  <a:schemeClr val="tx1"/>
+                </a:solidFill>
+                <a:latin typeface="Times New Roman" panose="02020603050405020304" pitchFamily="18" charset="0"/>
+                <a:ea typeface="楷体" panose="02010609060101010101" pitchFamily="49" charset="-122"/>
+                <a:cs typeface="Times New Roman" panose="02020603050405020304" pitchFamily="18" charset="0"/>
+              </a:endParaRPr>
+            </a:p>
+          </p:txBody>
+        </p:sp>
+      </p:grpSp>
+      <p:sp>
+        <p:nvSpPr>
+          <p:cNvPr id="4" name="TextBox 3">
+            <a:extLst>
+              <a:ext uri="{FF2B5EF4-FFF2-40B4-BE49-F238E27FC236}">
+                <a16:creationId xmlns:a16="http://schemas.microsoft.com/office/drawing/2014/main" id="{9B7858F5-5204-3083-76B5-B61B0F6DC2C0}"/>
+              </a:ext>
+            </a:extLst>
+          </p:cNvPr>
+          <p:cNvSpPr txBox="1"/>
+          <p:nvPr/>
+        </p:nvSpPr>
+        <p:spPr>
+          <a:xfrm>
+            <a:off x="3532372" y="6033952"/>
+            <a:ext cx="6339842" cy="369332"/>
+          </a:xfrm>
+          <a:prstGeom prst="rect">
+            <a:avLst/>
+          </a:prstGeom>
+          <a:noFill/>
+        </p:spPr>
+        <p:txBody>
+          <a:bodyPr wrap="square">
+            <a:spAutoFit/>
+          </a:bodyPr>
+          <a:lstStyle/>
+          <a:p>
+            <a:pPr lvl="2"/>
+            <a:r>
+              <a:rPr lang="en-US" altLang="zh-CN" sz="1800" dirty="0">
+                <a:solidFill>
+                  <a:schemeClr val="tx1"/>
+                </a:solidFill>
+                <a:latin typeface="Times New Roman" panose="02020603050405020304" pitchFamily="18" charset="0"/>
+                <a:ea typeface="楷体" panose="02010609060101010101" pitchFamily="49" charset="-122"/>
+                <a:cs typeface="Times New Roman" panose="02020603050405020304" pitchFamily="18" charset="0"/>
+              </a:rPr>
+              <a:t>Press the </a:t>
+            </a:r>
+            <a:r>
+              <a:rPr lang="en-US" altLang="zh-CN" sz="1800" u="sng" dirty="0">
+                <a:solidFill>
+                  <a:schemeClr val="tx1"/>
+                </a:solidFill>
+                <a:latin typeface="Times New Roman" panose="02020603050405020304" pitchFamily="18" charset="0"/>
+                <a:ea typeface="楷体" panose="02010609060101010101" pitchFamily="49" charset="-122"/>
+                <a:cs typeface="Times New Roman" panose="02020603050405020304" pitchFamily="18" charset="0"/>
+              </a:rPr>
+              <a:t>spacebar</a:t>
+            </a:r>
+            <a:r>
+              <a:rPr lang="en-US" altLang="zh-CN" sz="1800" dirty="0">
+                <a:solidFill>
+                  <a:schemeClr val="tx1"/>
+                </a:solidFill>
+                <a:latin typeface="Times New Roman" panose="02020603050405020304" pitchFamily="18" charset="0"/>
+                <a:ea typeface="楷体" panose="02010609060101010101" pitchFamily="49" charset="-122"/>
+                <a:cs typeface="Times New Roman" panose="02020603050405020304" pitchFamily="18" charset="0"/>
+              </a:rPr>
+              <a:t> to start the experiment!</a:t>
+            </a:r>
+          </a:p>
+        </p:txBody>
+      </p:sp>
+      <p:pic>
+        <p:nvPicPr>
+          <p:cNvPr id="5" name="Picture 4">
+            <a:extLst>
+              <a:ext uri="{FF2B5EF4-FFF2-40B4-BE49-F238E27FC236}">
+                <a16:creationId xmlns:a16="http://schemas.microsoft.com/office/drawing/2014/main" id="{DE6C0BEA-E914-165B-A3AD-6797DBBB91E5}"/>
+              </a:ext>
+            </a:extLst>
+          </p:cNvPr>
+          <p:cNvPicPr>
+            <a:picLocks noChangeAspect="1"/>
+          </p:cNvPicPr>
+          <p:nvPr/>
+        </p:nvPicPr>
+        <p:blipFill>
+          <a:blip r:embed="rId3"/>
+          <a:stretch>
+            <a:fillRect/>
+          </a:stretch>
+        </p:blipFill>
+        <p:spPr>
+          <a:xfrm>
+            <a:off x="7889540" y="1427883"/>
+            <a:ext cx="1606967" cy="1614668"/>
+          </a:xfrm>
+          <a:prstGeom prst="rect">
+            <a:avLst/>
+          </a:prstGeom>
+        </p:spPr>
+      </p:pic>
+      <p:sp>
+        <p:nvSpPr>
+          <p:cNvPr id="2" name="TextBox 1">
+            <a:extLst>
+              <a:ext uri="{FF2B5EF4-FFF2-40B4-BE49-F238E27FC236}">
+                <a16:creationId xmlns:a16="http://schemas.microsoft.com/office/drawing/2014/main" id="{6DE9DD36-7D61-0AEC-875F-337A15EB637D}"/>
+              </a:ext>
+            </a:extLst>
+          </p:cNvPr>
+          <p:cNvSpPr txBox="1"/>
+          <p:nvPr/>
+        </p:nvSpPr>
+        <p:spPr>
+          <a:xfrm>
+            <a:off x="842481" y="1756881"/>
+            <a:ext cx="1617751" cy="369332"/>
+          </a:xfrm>
+          <a:prstGeom prst="rect">
+            <a:avLst/>
+          </a:prstGeom>
+          <a:noFill/>
+        </p:spPr>
+        <p:txBody>
+          <a:bodyPr wrap="none" rtlCol="0">
+            <a:spAutoFit/>
+          </a:bodyPr>
+          <a:lstStyle/>
+          <a:p>
+            <a:r>
+              <a:rPr lang="en-US" dirty="0"/>
+              <a:t>Practice round</a:t>
+            </a:r>
+          </a:p>
+        </p:txBody>
+      </p:sp>
+    </p:spTree>
+    <p:extLst>
+      <p:ext uri="{BB962C8B-B14F-4D97-AF65-F5344CB8AC3E}">
+        <p14:creationId xmlns:p14="http://schemas.microsoft.com/office/powerpoint/2010/main" val="50894363"/>
+      </p:ext>
+    </p:extLst>
+  </p:cSld>
+  <p:clrMapOvr>
+    <a:masterClrMapping/>
+  </p:clrMapOvr>
+</p:sld>
+</file>
+
+<file path=ppt/slides/slide13.xml><?xml version="1.0" encoding="utf-8"?>
+<p:sld xmlns:a="http://schemas.openxmlformats.org/drawingml/2006/main" xmlns:r="http://schemas.openxmlformats.org/officeDocument/2006/relationships" xmlns:p="http://schemas.openxmlformats.org/presentationml/2006/main">
+  <p:cSld>
+    <p:spTree>
+      <p:nvGrpSpPr>
+        <p:cNvPr id="1" name=""/>
+        <p:cNvGrpSpPr/>
+        <p:nvPr/>
+      </p:nvGrpSpPr>
+      <p:grpSpPr>
+        <a:xfrm>
+          <a:off x="0" y="0"/>
+          <a:ext cx="0" cy="0"/>
+          <a:chOff x="0" y="0"/>
+          <a:chExt cx="0" cy="0"/>
+        </a:xfrm>
+      </p:grpSpPr>
+      <p:sp>
+        <p:nvSpPr>
+          <p:cNvPr id="2" name="Title 1">
+            <a:extLst>
+              <a:ext uri="{FF2B5EF4-FFF2-40B4-BE49-F238E27FC236}">
+                <a16:creationId xmlns:a16="http://schemas.microsoft.com/office/drawing/2014/main" id="{212C0D93-B3EC-0FEB-C86C-FD32795E5F43}"/>
+              </a:ext>
+            </a:extLst>
+          </p:cNvPr>
+          <p:cNvSpPr>
+            <a:spLocks noGrp="1"/>
+          </p:cNvSpPr>
+          <p:nvPr>
+            <p:ph type="title"/>
+          </p:nvPr>
+        </p:nvSpPr>
+        <p:spPr/>
+        <p:txBody>
+          <a:bodyPr/>
+          <a:lstStyle/>
+          <a:p>
+            <a:endParaRPr lang="en-US"/>
+          </a:p>
+        </p:txBody>
+      </p:sp>
+      <p:sp>
+        <p:nvSpPr>
+          <p:cNvPr id="3" name="Content Placeholder 2">
+            <a:extLst>
+              <a:ext uri="{FF2B5EF4-FFF2-40B4-BE49-F238E27FC236}">
+                <a16:creationId xmlns:a16="http://schemas.microsoft.com/office/drawing/2014/main" id="{1A8F36EF-30E7-94F8-D684-2D38C55B6F78}"/>
+              </a:ext>
+            </a:extLst>
+          </p:cNvPr>
+          <p:cNvSpPr>
+            <a:spLocks noGrp="1"/>
+          </p:cNvSpPr>
+          <p:nvPr>
+            <p:ph idx="1"/>
+          </p:nvPr>
+        </p:nvSpPr>
+        <p:spPr/>
+        <p:txBody>
+          <a:bodyPr/>
+          <a:lstStyle/>
+          <a:p>
+            <a:endParaRPr lang="en-US"/>
+          </a:p>
+        </p:txBody>
+      </p:sp>
+    </p:spTree>
+    <p:extLst>
+      <p:ext uri="{BB962C8B-B14F-4D97-AF65-F5344CB8AC3E}">
+        <p14:creationId xmlns:p14="http://schemas.microsoft.com/office/powerpoint/2010/main" val="1436597768"/>
+      </p:ext>
+    </p:extLst>
+  </p:cSld>
+  <p:clrMapOvr>
+    <a:masterClrMapping/>
+  </p:clrMapOvr>
+</p:sld>
+</file>
+
+<file path=ppt/slides/slide14.xml><?xml version="1.0" encoding="utf-8"?>
+<p:sld xmlns:a="http://schemas.openxmlformats.org/drawingml/2006/main" xmlns:r="http://schemas.openxmlformats.org/officeDocument/2006/relationships" xmlns:p="http://schemas.openxmlformats.org/presentationml/2006/main">
+  <p:cSld>
+    <p:spTree>
+      <p:nvGrpSpPr>
+        <p:cNvPr id="1" name=""/>
+        <p:cNvGrpSpPr/>
+        <p:nvPr/>
+      </p:nvGrpSpPr>
+      <p:grpSpPr>
+        <a:xfrm>
+          <a:off x="0" y="0"/>
+          <a:ext cx="0" cy="0"/>
+          <a:chOff x="0" y="0"/>
+          <a:chExt cx="0" cy="0"/>
+        </a:xfrm>
+      </p:grpSpPr>
+      <p:grpSp>
+        <p:nvGrpSpPr>
+          <p:cNvPr id="19" name="组合 18">
+            <a:extLst>
+              <a:ext uri="{FF2B5EF4-FFF2-40B4-BE49-F238E27FC236}">
+                <a16:creationId xmlns:a16="http://schemas.microsoft.com/office/drawing/2014/main" id="{DE9C536E-1274-45A4-8808-A31579281473}"/>
+              </a:ext>
+            </a:extLst>
+          </p:cNvPr>
+          <p:cNvGrpSpPr/>
+          <p:nvPr/>
+        </p:nvGrpSpPr>
+        <p:grpSpPr>
+          <a:xfrm>
             <a:off x="2577112" y="474381"/>
             <a:ext cx="6339842" cy="5909238"/>
             <a:chOff x="1650608" y="-450167"/>
@@ -5857,7 +7229,7 @@
 </p:sld>
 </file>
 
-<file path=ppt/slides/slide11.xml><?xml version="1.0" encoding="utf-8"?>
+<file path=ppt/slides/slide15.xml><?xml version="1.0" encoding="utf-8"?>
 <p:sld xmlns:a="http://schemas.openxmlformats.org/drawingml/2006/main" xmlns:r="http://schemas.openxmlformats.org/officeDocument/2006/relationships" xmlns:p="http://schemas.openxmlformats.org/presentationml/2006/main">
   <p:cSld>
     <p:spTree>
@@ -6876,6 +8248,1459 @@
         </p:nvGrpSpPr>
         <p:grpSpPr>
           <a:xfrm>
+            <a:off x="1917893" y="464233"/>
+            <a:ext cx="6339842" cy="5909238"/>
+            <a:chOff x="1650608" y="-450167"/>
+            <a:chExt cx="6339842" cy="5909238"/>
+          </a:xfrm>
+        </p:grpSpPr>
+        <p:sp>
+          <p:nvSpPr>
+            <p:cNvPr id="17" name="矩形 16">
+              <a:extLst>
+                <a:ext uri="{FF2B5EF4-FFF2-40B4-BE49-F238E27FC236}">
+                  <a16:creationId xmlns:a16="http://schemas.microsoft.com/office/drawing/2014/main" id="{08C262F2-BA1A-47F0-99F5-5E2AB168A192}"/>
+                </a:ext>
+              </a:extLst>
+            </p:cNvPr>
+            <p:cNvSpPr/>
+            <p:nvPr/>
+          </p:nvSpPr>
+          <p:spPr>
+            <a:xfrm>
+              <a:off x="1650608" y="-450167"/>
+              <a:ext cx="6339842" cy="5909238"/>
+            </a:xfrm>
+            <a:prstGeom prst="rect">
+              <a:avLst/>
+            </a:prstGeom>
+            <a:solidFill>
+              <a:srgbClr val="B0D2A0"/>
+            </a:solidFill>
+            <a:ln>
+              <a:solidFill>
+                <a:srgbClr val="B0D2A0"/>
+              </a:solidFill>
+            </a:ln>
+          </p:spPr>
+          <p:style>
+            <a:lnRef idx="2">
+              <a:schemeClr val="accent1">
+                <a:shade val="50000"/>
+              </a:schemeClr>
+            </a:lnRef>
+            <a:fillRef idx="1">
+              <a:schemeClr val="accent1"/>
+            </a:fillRef>
+            <a:effectRef idx="0">
+              <a:schemeClr val="accent1"/>
+            </a:effectRef>
+            <a:fontRef idx="minor">
+              <a:schemeClr val="lt1"/>
+            </a:fontRef>
+          </p:style>
+          <p:txBody>
+            <a:bodyPr rtlCol="0" anchor="ctr"/>
+            <a:lstStyle/>
+            <a:p>
+              <a:endParaRPr lang="en-US" altLang="zh-CN" sz="2000" dirty="0">
+                <a:solidFill>
+                  <a:schemeClr val="tx1"/>
+                </a:solidFill>
+                <a:latin typeface="楷体" panose="02010609060101010101" pitchFamily="49" charset="-122"/>
+                <a:ea typeface="楷体" panose="02010609060101010101" pitchFamily="49" charset="-122"/>
+              </a:endParaRPr>
+            </a:p>
+          </p:txBody>
+        </p:sp>
+        <p:sp>
+          <p:nvSpPr>
+            <p:cNvPr id="13" name="矩形 12">
+              <a:extLst>
+                <a:ext uri="{FF2B5EF4-FFF2-40B4-BE49-F238E27FC236}">
+                  <a16:creationId xmlns:a16="http://schemas.microsoft.com/office/drawing/2014/main" id="{661FDE28-B2B1-4D8A-9601-4CF5B6661D38}"/>
+                </a:ext>
+              </a:extLst>
+            </p:cNvPr>
+            <p:cNvSpPr/>
+            <p:nvPr/>
+          </p:nvSpPr>
+          <p:spPr>
+            <a:xfrm>
+              <a:off x="1650609" y="-450167"/>
+              <a:ext cx="6243126" cy="5909237"/>
+            </a:xfrm>
+            <a:prstGeom prst="rect">
+              <a:avLst/>
+            </a:prstGeom>
+            <a:solidFill>
+              <a:srgbClr val="B0D2A0"/>
+            </a:solidFill>
+            <a:ln>
+              <a:solidFill>
+                <a:srgbClr val="B0D2A0"/>
+              </a:solidFill>
+            </a:ln>
+          </p:spPr>
+          <p:style>
+            <a:lnRef idx="2">
+              <a:schemeClr val="accent1">
+                <a:shade val="50000"/>
+              </a:schemeClr>
+            </a:lnRef>
+            <a:fillRef idx="1">
+              <a:schemeClr val="accent1"/>
+            </a:fillRef>
+            <a:effectRef idx="0">
+              <a:schemeClr val="accent1"/>
+            </a:effectRef>
+            <a:fontRef idx="minor">
+              <a:schemeClr val="lt1"/>
+            </a:fontRef>
+          </p:style>
+          <p:txBody>
+            <a:bodyPr rtlCol="0" anchor="ctr"/>
+            <a:lstStyle/>
+            <a:p>
+              <a:pPr algn="ctr"/>
+              <a:endParaRPr lang="en-US" altLang="zh-CN" sz="2800" dirty="0">
+                <a:solidFill>
+                  <a:schemeClr val="tx1"/>
+                </a:solidFill>
+                <a:latin typeface="Times New Roman" panose="02020603050405020304" pitchFamily="18" charset="0"/>
+                <a:ea typeface="楷体" panose="02010609060101010101" pitchFamily="49" charset="-122"/>
+                <a:cs typeface="Times New Roman" panose="02020603050405020304" pitchFamily="18" charset="0"/>
+              </a:endParaRPr>
+            </a:p>
+          </p:txBody>
+        </p:sp>
+      </p:grpSp>
+      <p:sp>
+        <p:nvSpPr>
+          <p:cNvPr id="3" name="TextBox 2">
+            <a:extLst>
+              <a:ext uri="{FF2B5EF4-FFF2-40B4-BE49-F238E27FC236}">
+                <a16:creationId xmlns:a16="http://schemas.microsoft.com/office/drawing/2014/main" id="{536199DC-F404-9144-32FD-DD75900A71A6}"/>
+              </a:ext>
+            </a:extLst>
+          </p:cNvPr>
+          <p:cNvSpPr txBox="1"/>
+          <p:nvPr/>
+        </p:nvSpPr>
+        <p:spPr>
+          <a:xfrm>
+            <a:off x="1917892" y="2640641"/>
+            <a:ext cx="6339841" cy="2031325"/>
+          </a:xfrm>
+          <a:prstGeom prst="rect">
+            <a:avLst/>
+          </a:prstGeom>
+          <a:noFill/>
+        </p:spPr>
+        <p:txBody>
+          <a:bodyPr wrap="square">
+            <a:spAutoFit/>
+          </a:bodyPr>
+          <a:lstStyle/>
+          <a:p>
+            <a:pPr algn="ctr" rtl="0">
+              <a:spcBef>
+                <a:spcPts val="0"/>
+              </a:spcBef>
+              <a:spcAft>
+                <a:spcPts val="0"/>
+              </a:spcAft>
+            </a:pPr>
+            <a:r>
+              <a:rPr lang="en-US" sz="1800" b="0" i="0" u="none" strike="noStrike" dirty="0">
+                <a:solidFill>
+                  <a:srgbClr val="000000"/>
+                </a:solidFill>
+                <a:effectLst/>
+                <a:latin typeface="Arial" panose="020B0604020202020204" pitchFamily="34" charset="0"/>
+                <a:cs typeface="Arial" panose="020B0604020202020204" pitchFamily="34" charset="0"/>
+              </a:rPr>
+              <a:t>First, let’s practice</a:t>
+            </a:r>
+            <a:r>
+              <a:rPr lang="en-US" altLang="zh-CN" dirty="0">
+                <a:solidFill>
+                  <a:srgbClr val="000000"/>
+                </a:solidFill>
+                <a:latin typeface="Arial" panose="020B0604020202020204" pitchFamily="34" charset="0"/>
+                <a:cs typeface="Arial" panose="020B0604020202020204" pitchFamily="34" charset="0"/>
+              </a:rPr>
+              <a:t>!</a:t>
+            </a:r>
+          </a:p>
+          <a:p>
+            <a:pPr algn="ctr" rtl="0">
+              <a:spcBef>
+                <a:spcPts val="0"/>
+              </a:spcBef>
+              <a:spcAft>
+                <a:spcPts val="0"/>
+              </a:spcAft>
+            </a:pPr>
+            <a:r>
+              <a:rPr lang="en-US" sz="1800" b="0" i="0" u="none" strike="noStrike" dirty="0">
+                <a:solidFill>
+                  <a:srgbClr val="000000"/>
+                </a:solidFill>
+                <a:effectLst/>
+                <a:latin typeface="Arial" panose="020B0604020202020204" pitchFamily="34" charset="0"/>
+                <a:cs typeface="Arial" panose="020B0604020202020204" pitchFamily="34" charset="0"/>
+              </a:rPr>
+              <a:t> Alex won’t be playing with us on these first few tries. </a:t>
+            </a:r>
+          </a:p>
+          <a:p>
+            <a:pPr algn="ctr" rtl="0">
+              <a:spcBef>
+                <a:spcPts val="0"/>
+              </a:spcBef>
+              <a:spcAft>
+                <a:spcPts val="0"/>
+              </a:spcAft>
+            </a:pPr>
+            <a:r>
+              <a:rPr lang="en-US" sz="1800" b="0" i="0" u="none" strike="noStrike" dirty="0">
+                <a:solidFill>
+                  <a:srgbClr val="000000"/>
+                </a:solidFill>
+                <a:effectLst/>
+                <a:latin typeface="Arial" panose="020B0604020202020204" pitchFamily="34" charset="0"/>
+                <a:cs typeface="Arial" panose="020B0604020202020204" pitchFamily="34" charset="0"/>
+              </a:rPr>
+              <a:t>On this first practice, there is just one restaurant. </a:t>
+            </a:r>
+          </a:p>
+          <a:p>
+            <a:pPr algn="ctr" rtl="0">
+              <a:spcBef>
+                <a:spcPts val="0"/>
+              </a:spcBef>
+              <a:spcAft>
+                <a:spcPts val="0"/>
+              </a:spcAft>
+            </a:pPr>
+            <a:endParaRPr lang="en-US" dirty="0">
+              <a:solidFill>
+                <a:srgbClr val="000000"/>
+              </a:solidFill>
+              <a:latin typeface="Arial" panose="020B0604020202020204" pitchFamily="34" charset="0"/>
+              <a:cs typeface="Arial" panose="020B0604020202020204" pitchFamily="34" charset="0"/>
+            </a:endParaRPr>
+          </a:p>
+          <a:p>
+            <a:pPr algn="ctr"/>
+            <a:endParaRPr lang="en-US" dirty="0">
+              <a:latin typeface="Arial" panose="020B0604020202020204" pitchFamily="34" charset="0"/>
+              <a:cs typeface="Arial" panose="020B0604020202020204" pitchFamily="34" charset="0"/>
+            </a:endParaRPr>
+          </a:p>
+          <a:p>
+            <a:pPr algn="ctr"/>
+            <a:br>
+              <a:rPr lang="en-US" dirty="0">
+                <a:latin typeface="Arial" panose="020B0604020202020204" pitchFamily="34" charset="0"/>
+                <a:cs typeface="Arial" panose="020B0604020202020204" pitchFamily="34" charset="0"/>
+              </a:rPr>
+            </a:br>
+            <a:endParaRPr lang="en-US" dirty="0">
+              <a:latin typeface="Arial" panose="020B0604020202020204" pitchFamily="34" charset="0"/>
+              <a:cs typeface="Arial" panose="020B0604020202020204" pitchFamily="34" charset="0"/>
+            </a:endParaRPr>
+          </a:p>
+        </p:txBody>
+      </p:sp>
+      <p:sp>
+        <p:nvSpPr>
+          <p:cNvPr id="5" name="TextBox 4">
+            <a:extLst>
+              <a:ext uri="{FF2B5EF4-FFF2-40B4-BE49-F238E27FC236}">
+                <a16:creationId xmlns:a16="http://schemas.microsoft.com/office/drawing/2014/main" id="{8F46867E-3149-35DA-1CE0-01C8E77D3DA4}"/>
+              </a:ext>
+            </a:extLst>
+          </p:cNvPr>
+          <p:cNvSpPr txBox="1"/>
+          <p:nvPr/>
+        </p:nvSpPr>
+        <p:spPr>
+          <a:xfrm>
+            <a:off x="1917890" y="4208429"/>
+            <a:ext cx="6339841" cy="369332"/>
+          </a:xfrm>
+          <a:prstGeom prst="rect">
+            <a:avLst/>
+          </a:prstGeom>
+          <a:noFill/>
+        </p:spPr>
+        <p:txBody>
+          <a:bodyPr wrap="square">
+            <a:spAutoFit/>
+          </a:bodyPr>
+          <a:lstStyle/>
+          <a:p>
+            <a:pPr algn="ctr"/>
+            <a:r>
+              <a:rPr lang="en-US" altLang="zh-CN" dirty="0">
+                <a:solidFill>
+                  <a:schemeClr val="tx1"/>
+                </a:solidFill>
+                <a:latin typeface="Arial" panose="020B0604020202020204" pitchFamily="34" charset="0"/>
+                <a:ea typeface="楷体" panose="02010609060101010101" pitchFamily="49" charset="-122"/>
+                <a:cs typeface="Arial" panose="020B0604020202020204" pitchFamily="34" charset="0"/>
+              </a:rPr>
+              <a:t>Press the </a:t>
+            </a:r>
+            <a:r>
+              <a:rPr lang="en-US" altLang="zh-CN" b="1" dirty="0">
+                <a:solidFill>
+                  <a:schemeClr val="tx1"/>
+                </a:solidFill>
+                <a:latin typeface="Arial" panose="020B0604020202020204" pitchFamily="34" charset="0"/>
+                <a:ea typeface="楷体" panose="02010609060101010101" pitchFamily="49" charset="-122"/>
+                <a:cs typeface="Arial" panose="020B0604020202020204" pitchFamily="34" charset="0"/>
+              </a:rPr>
+              <a:t>spacebar</a:t>
+            </a:r>
+            <a:r>
+              <a:rPr lang="en-US" altLang="zh-CN" dirty="0">
+                <a:solidFill>
+                  <a:schemeClr val="tx1"/>
+                </a:solidFill>
+                <a:latin typeface="Arial" panose="020B0604020202020204" pitchFamily="34" charset="0"/>
+                <a:ea typeface="楷体" panose="02010609060101010101" pitchFamily="49" charset="-122"/>
+                <a:cs typeface="Arial" panose="020B0604020202020204" pitchFamily="34" charset="0"/>
+              </a:rPr>
+              <a:t> when you are ready to go!</a:t>
+            </a:r>
+          </a:p>
+        </p:txBody>
+      </p:sp>
+    </p:spTree>
+    <p:extLst>
+      <p:ext uri="{BB962C8B-B14F-4D97-AF65-F5344CB8AC3E}">
+        <p14:creationId xmlns:p14="http://schemas.microsoft.com/office/powerpoint/2010/main" val="800204649"/>
+      </p:ext>
+    </p:extLst>
+  </p:cSld>
+  <p:clrMapOvr>
+    <a:masterClrMapping/>
+  </p:clrMapOvr>
+</p:sld>
+</file>
+
+<file path=ppt/slides/slide4.xml><?xml version="1.0" encoding="utf-8"?>
+<p:sld xmlns:a="http://schemas.openxmlformats.org/drawingml/2006/main" xmlns:r="http://schemas.openxmlformats.org/officeDocument/2006/relationships" xmlns:p="http://schemas.openxmlformats.org/presentationml/2006/main">
+  <p:cSld>
+    <p:spTree>
+      <p:nvGrpSpPr>
+        <p:cNvPr id="1" name=""/>
+        <p:cNvGrpSpPr/>
+        <p:nvPr/>
+      </p:nvGrpSpPr>
+      <p:grpSpPr>
+        <a:xfrm>
+          <a:off x="0" y="0"/>
+          <a:ext cx="0" cy="0"/>
+          <a:chOff x="0" y="0"/>
+          <a:chExt cx="0" cy="0"/>
+        </a:xfrm>
+      </p:grpSpPr>
+      <p:grpSp>
+        <p:nvGrpSpPr>
+          <p:cNvPr id="19" name="组合 18">
+            <a:extLst>
+              <a:ext uri="{FF2B5EF4-FFF2-40B4-BE49-F238E27FC236}">
+                <a16:creationId xmlns:a16="http://schemas.microsoft.com/office/drawing/2014/main" id="{DE9C536E-1274-45A4-8808-A31579281473}"/>
+              </a:ext>
+            </a:extLst>
+          </p:cNvPr>
+          <p:cNvGrpSpPr/>
+          <p:nvPr/>
+        </p:nvGrpSpPr>
+        <p:grpSpPr>
+          <a:xfrm>
+            <a:off x="2577112" y="474381"/>
+            <a:ext cx="6339842" cy="5909238"/>
+            <a:chOff x="1650608" y="-450167"/>
+            <a:chExt cx="6339842" cy="5909238"/>
+          </a:xfrm>
+        </p:grpSpPr>
+        <p:sp>
+          <p:nvSpPr>
+            <p:cNvPr id="17" name="矩形 16">
+              <a:extLst>
+                <a:ext uri="{FF2B5EF4-FFF2-40B4-BE49-F238E27FC236}">
+                  <a16:creationId xmlns:a16="http://schemas.microsoft.com/office/drawing/2014/main" id="{08C262F2-BA1A-47F0-99F5-5E2AB168A192}"/>
+                </a:ext>
+              </a:extLst>
+            </p:cNvPr>
+            <p:cNvSpPr/>
+            <p:nvPr/>
+          </p:nvSpPr>
+          <p:spPr>
+            <a:xfrm>
+              <a:off x="1650608" y="-450167"/>
+              <a:ext cx="6339842" cy="5909238"/>
+            </a:xfrm>
+            <a:prstGeom prst="rect">
+              <a:avLst/>
+            </a:prstGeom>
+            <a:solidFill>
+              <a:srgbClr val="B0D2A0"/>
+            </a:solidFill>
+            <a:ln>
+              <a:solidFill>
+                <a:srgbClr val="B0D2A0"/>
+              </a:solidFill>
+            </a:ln>
+          </p:spPr>
+          <p:style>
+            <a:lnRef idx="2">
+              <a:schemeClr val="accent1">
+                <a:shade val="50000"/>
+              </a:schemeClr>
+            </a:lnRef>
+            <a:fillRef idx="1">
+              <a:schemeClr val="accent1"/>
+            </a:fillRef>
+            <a:effectRef idx="0">
+              <a:schemeClr val="accent1"/>
+            </a:effectRef>
+            <a:fontRef idx="minor">
+              <a:schemeClr val="lt1"/>
+            </a:fontRef>
+          </p:style>
+          <p:txBody>
+            <a:bodyPr rtlCol="0" anchor="ctr"/>
+            <a:lstStyle/>
+            <a:p>
+              <a:endParaRPr lang="en-US" altLang="zh-CN" sz="2000" dirty="0">
+                <a:solidFill>
+                  <a:schemeClr val="tx1"/>
+                </a:solidFill>
+                <a:latin typeface="楷体" panose="02010609060101010101" pitchFamily="49" charset="-122"/>
+                <a:ea typeface="楷体" panose="02010609060101010101" pitchFamily="49" charset="-122"/>
+              </a:endParaRPr>
+            </a:p>
+          </p:txBody>
+        </p:sp>
+        <p:sp>
+          <p:nvSpPr>
+            <p:cNvPr id="13" name="矩形 12">
+              <a:extLst>
+                <a:ext uri="{FF2B5EF4-FFF2-40B4-BE49-F238E27FC236}">
+                  <a16:creationId xmlns:a16="http://schemas.microsoft.com/office/drawing/2014/main" id="{661FDE28-B2B1-4D8A-9601-4CF5B6661D38}"/>
+                </a:ext>
+              </a:extLst>
+            </p:cNvPr>
+            <p:cNvSpPr/>
+            <p:nvPr/>
+          </p:nvSpPr>
+          <p:spPr>
+            <a:xfrm>
+              <a:off x="1650609" y="-450167"/>
+              <a:ext cx="6243126" cy="5909237"/>
+            </a:xfrm>
+            <a:prstGeom prst="rect">
+              <a:avLst/>
+            </a:prstGeom>
+            <a:solidFill>
+              <a:srgbClr val="B0D2A0"/>
+            </a:solidFill>
+            <a:ln>
+              <a:solidFill>
+                <a:srgbClr val="B0D2A0"/>
+              </a:solidFill>
+            </a:ln>
+          </p:spPr>
+          <p:style>
+            <a:lnRef idx="2">
+              <a:schemeClr val="accent1">
+                <a:shade val="50000"/>
+              </a:schemeClr>
+            </a:lnRef>
+            <a:fillRef idx="1">
+              <a:schemeClr val="accent1"/>
+            </a:fillRef>
+            <a:effectRef idx="0">
+              <a:schemeClr val="accent1"/>
+            </a:effectRef>
+            <a:fontRef idx="minor">
+              <a:schemeClr val="lt1"/>
+            </a:fontRef>
+          </p:style>
+          <p:txBody>
+            <a:bodyPr rtlCol="0" anchor="ctr"/>
+            <a:lstStyle/>
+            <a:p>
+              <a:br>
+                <a:rPr lang="en-US" dirty="0"/>
+              </a:br>
+              <a:endParaRPr lang="en-US" altLang="zh-CN" sz="2800" dirty="0">
+                <a:solidFill>
+                  <a:schemeClr val="tx1"/>
+                </a:solidFill>
+                <a:latin typeface="Times New Roman" panose="02020603050405020304" pitchFamily="18" charset="0"/>
+                <a:ea typeface="楷体" panose="02010609060101010101" pitchFamily="49" charset="-122"/>
+                <a:cs typeface="Times New Roman" panose="02020603050405020304" pitchFamily="18" charset="0"/>
+              </a:endParaRPr>
+            </a:p>
+          </p:txBody>
+        </p:sp>
+      </p:grpSp>
+      <p:sp>
+        <p:nvSpPr>
+          <p:cNvPr id="3" name="TextBox 2">
+            <a:extLst>
+              <a:ext uri="{FF2B5EF4-FFF2-40B4-BE49-F238E27FC236}">
+                <a16:creationId xmlns:a16="http://schemas.microsoft.com/office/drawing/2014/main" id="{2208FAD1-3122-08F5-BA13-3724336828C3}"/>
+              </a:ext>
+            </a:extLst>
+          </p:cNvPr>
+          <p:cNvSpPr txBox="1"/>
+          <p:nvPr/>
+        </p:nvSpPr>
+        <p:spPr>
+          <a:xfrm>
+            <a:off x="2577111" y="2223845"/>
+            <a:ext cx="6339843" cy="2585323"/>
+          </a:xfrm>
+          <a:prstGeom prst="rect">
+            <a:avLst/>
+          </a:prstGeom>
+          <a:noFill/>
+        </p:spPr>
+        <p:txBody>
+          <a:bodyPr wrap="square">
+            <a:spAutoFit/>
+          </a:bodyPr>
+          <a:lstStyle/>
+          <a:p>
+            <a:pPr algn="ctr" rtl="0">
+              <a:spcBef>
+                <a:spcPts val="0"/>
+              </a:spcBef>
+              <a:spcAft>
+                <a:spcPts val="0"/>
+              </a:spcAft>
+            </a:pPr>
+            <a:r>
+              <a:rPr lang="en-US" sz="1800" b="0" i="0" u="none" strike="noStrike" dirty="0">
+                <a:solidFill>
+                  <a:srgbClr val="000000"/>
+                </a:solidFill>
+                <a:effectLst/>
+                <a:latin typeface="Arial" panose="020B0604020202020204" pitchFamily="34" charset="0"/>
+              </a:rPr>
+              <a:t>Great job! Now let's practice one more time. </a:t>
+            </a:r>
+          </a:p>
+          <a:p>
+            <a:pPr algn="ctr" rtl="0">
+              <a:spcBef>
+                <a:spcPts val="0"/>
+              </a:spcBef>
+              <a:spcAft>
+                <a:spcPts val="0"/>
+              </a:spcAft>
+            </a:pPr>
+            <a:endParaRPr lang="en-US" dirty="0">
+              <a:solidFill>
+                <a:srgbClr val="000000"/>
+              </a:solidFill>
+              <a:latin typeface="Arial" panose="020B0604020202020204" pitchFamily="34" charset="0"/>
+            </a:endParaRPr>
+          </a:p>
+          <a:p>
+            <a:pPr algn="ctr" rtl="0">
+              <a:spcBef>
+                <a:spcPts val="0"/>
+              </a:spcBef>
+              <a:spcAft>
+                <a:spcPts val="0"/>
+              </a:spcAft>
+            </a:pPr>
+            <a:r>
+              <a:rPr lang="en-US" sz="1800" b="0" i="0" u="none" strike="noStrike" dirty="0">
+                <a:solidFill>
+                  <a:srgbClr val="000000"/>
+                </a:solidFill>
+                <a:effectLst/>
+                <a:latin typeface="Arial" panose="020B0604020202020204" pitchFamily="34" charset="0"/>
+              </a:rPr>
+              <a:t>On this map, there are two restaurants, you can go to either one. See if you can reach one of the restaurants as fast as possible. </a:t>
+            </a:r>
+          </a:p>
+          <a:p>
+            <a:pPr algn="ctr" rtl="0">
+              <a:spcBef>
+                <a:spcPts val="0"/>
+              </a:spcBef>
+              <a:spcAft>
+                <a:spcPts val="0"/>
+              </a:spcAft>
+            </a:pPr>
+            <a:endParaRPr lang="en-US" dirty="0">
+              <a:solidFill>
+                <a:srgbClr val="000000"/>
+              </a:solidFill>
+              <a:latin typeface="Arial" panose="020B0604020202020204" pitchFamily="34" charset="0"/>
+            </a:endParaRPr>
+          </a:p>
+          <a:p>
+            <a:pPr algn="ctr"/>
+            <a:r>
+              <a:rPr lang="en-US" altLang="zh-CN" dirty="0">
+                <a:solidFill>
+                  <a:schemeClr val="tx1"/>
+                </a:solidFill>
+                <a:latin typeface="Arial" panose="020B0604020202020204" pitchFamily="34" charset="0"/>
+                <a:ea typeface="楷体" panose="02010609060101010101" pitchFamily="49" charset="-122"/>
+                <a:cs typeface="Arial" panose="020B0604020202020204" pitchFamily="34" charset="0"/>
+              </a:rPr>
+              <a:t>Press the </a:t>
+            </a:r>
+            <a:r>
+              <a:rPr lang="en-US" altLang="zh-CN" b="1" dirty="0">
+                <a:solidFill>
+                  <a:schemeClr val="tx1"/>
+                </a:solidFill>
+                <a:latin typeface="Arial" panose="020B0604020202020204" pitchFamily="34" charset="0"/>
+                <a:ea typeface="楷体" panose="02010609060101010101" pitchFamily="49" charset="-122"/>
+                <a:cs typeface="Arial" panose="020B0604020202020204" pitchFamily="34" charset="0"/>
+              </a:rPr>
+              <a:t>spacebar</a:t>
+            </a:r>
+            <a:r>
+              <a:rPr lang="en-US" altLang="zh-CN" dirty="0">
+                <a:solidFill>
+                  <a:schemeClr val="tx1"/>
+                </a:solidFill>
+                <a:latin typeface="Arial" panose="020B0604020202020204" pitchFamily="34" charset="0"/>
+                <a:ea typeface="楷体" panose="02010609060101010101" pitchFamily="49" charset="-122"/>
+                <a:cs typeface="Arial" panose="020B0604020202020204" pitchFamily="34" charset="0"/>
+              </a:rPr>
+              <a:t> when you are ready to go!</a:t>
+            </a:r>
+          </a:p>
+          <a:p>
+            <a:pPr algn="ctr"/>
+            <a:br>
+              <a:rPr lang="en-US" dirty="0"/>
+            </a:br>
+            <a:endParaRPr lang="en-US" dirty="0"/>
+          </a:p>
+        </p:txBody>
+      </p:sp>
+    </p:spTree>
+    <p:extLst>
+      <p:ext uri="{BB962C8B-B14F-4D97-AF65-F5344CB8AC3E}">
+        <p14:creationId xmlns:p14="http://schemas.microsoft.com/office/powerpoint/2010/main" val="2771188302"/>
+      </p:ext>
+    </p:extLst>
+  </p:cSld>
+  <p:clrMapOvr>
+    <a:masterClrMapping/>
+  </p:clrMapOvr>
+</p:sld>
+</file>
+
+<file path=ppt/slides/slide5.xml><?xml version="1.0" encoding="utf-8"?>
+<p:sld xmlns:a="http://schemas.openxmlformats.org/drawingml/2006/main" xmlns:r="http://schemas.openxmlformats.org/officeDocument/2006/relationships" xmlns:p="http://schemas.openxmlformats.org/presentationml/2006/main">
+  <p:cSld>
+    <p:spTree>
+      <p:nvGrpSpPr>
+        <p:cNvPr id="1" name=""/>
+        <p:cNvGrpSpPr/>
+        <p:nvPr/>
+      </p:nvGrpSpPr>
+      <p:grpSpPr>
+        <a:xfrm>
+          <a:off x="0" y="0"/>
+          <a:ext cx="0" cy="0"/>
+          <a:chOff x="0" y="0"/>
+          <a:chExt cx="0" cy="0"/>
+        </a:xfrm>
+      </p:grpSpPr>
+      <p:grpSp>
+        <p:nvGrpSpPr>
+          <p:cNvPr id="19" name="组合 18">
+            <a:extLst>
+              <a:ext uri="{FF2B5EF4-FFF2-40B4-BE49-F238E27FC236}">
+                <a16:creationId xmlns:a16="http://schemas.microsoft.com/office/drawing/2014/main" id="{DE9C536E-1274-45A4-8808-A31579281473}"/>
+              </a:ext>
+            </a:extLst>
+          </p:cNvPr>
+          <p:cNvGrpSpPr/>
+          <p:nvPr/>
+        </p:nvGrpSpPr>
+        <p:grpSpPr>
+          <a:xfrm>
+            <a:off x="2577112" y="474381"/>
+            <a:ext cx="6339842" cy="5909238"/>
+            <a:chOff x="1650608" y="-450167"/>
+            <a:chExt cx="6339842" cy="5909238"/>
+          </a:xfrm>
+        </p:grpSpPr>
+        <p:sp>
+          <p:nvSpPr>
+            <p:cNvPr id="17" name="矩形 16">
+              <a:extLst>
+                <a:ext uri="{FF2B5EF4-FFF2-40B4-BE49-F238E27FC236}">
+                  <a16:creationId xmlns:a16="http://schemas.microsoft.com/office/drawing/2014/main" id="{08C262F2-BA1A-47F0-99F5-5E2AB168A192}"/>
+                </a:ext>
+              </a:extLst>
+            </p:cNvPr>
+            <p:cNvSpPr/>
+            <p:nvPr/>
+          </p:nvSpPr>
+          <p:spPr>
+            <a:xfrm>
+              <a:off x="1650608" y="-450167"/>
+              <a:ext cx="6339842" cy="5909238"/>
+            </a:xfrm>
+            <a:prstGeom prst="rect">
+              <a:avLst/>
+            </a:prstGeom>
+            <a:solidFill>
+              <a:srgbClr val="B0D2A0"/>
+            </a:solidFill>
+            <a:ln>
+              <a:solidFill>
+                <a:srgbClr val="B0D2A0"/>
+              </a:solidFill>
+            </a:ln>
+          </p:spPr>
+          <p:style>
+            <a:lnRef idx="2">
+              <a:schemeClr val="accent1">
+                <a:shade val="50000"/>
+              </a:schemeClr>
+            </a:lnRef>
+            <a:fillRef idx="1">
+              <a:schemeClr val="accent1"/>
+            </a:fillRef>
+            <a:effectRef idx="0">
+              <a:schemeClr val="accent1"/>
+            </a:effectRef>
+            <a:fontRef idx="minor">
+              <a:schemeClr val="lt1"/>
+            </a:fontRef>
+          </p:style>
+          <p:txBody>
+            <a:bodyPr rtlCol="0" anchor="ctr"/>
+            <a:lstStyle/>
+            <a:p>
+              <a:endParaRPr lang="en-US" altLang="zh-CN" sz="2000" dirty="0">
+                <a:solidFill>
+                  <a:schemeClr val="tx1"/>
+                </a:solidFill>
+                <a:latin typeface="楷体" panose="02010609060101010101" pitchFamily="49" charset="-122"/>
+                <a:ea typeface="楷体" panose="02010609060101010101" pitchFamily="49" charset="-122"/>
+              </a:endParaRPr>
+            </a:p>
+          </p:txBody>
+        </p:sp>
+        <p:sp>
+          <p:nvSpPr>
+            <p:cNvPr id="13" name="矩形 12">
+              <a:extLst>
+                <a:ext uri="{FF2B5EF4-FFF2-40B4-BE49-F238E27FC236}">
+                  <a16:creationId xmlns:a16="http://schemas.microsoft.com/office/drawing/2014/main" id="{661FDE28-B2B1-4D8A-9601-4CF5B6661D38}"/>
+                </a:ext>
+              </a:extLst>
+            </p:cNvPr>
+            <p:cNvSpPr/>
+            <p:nvPr/>
+          </p:nvSpPr>
+          <p:spPr>
+            <a:xfrm>
+              <a:off x="1650609" y="-450167"/>
+              <a:ext cx="6243126" cy="5909237"/>
+            </a:xfrm>
+            <a:prstGeom prst="rect">
+              <a:avLst/>
+            </a:prstGeom>
+            <a:solidFill>
+              <a:srgbClr val="B0D2A0"/>
+            </a:solidFill>
+            <a:ln>
+              <a:solidFill>
+                <a:srgbClr val="B0D2A0"/>
+              </a:solidFill>
+            </a:ln>
+          </p:spPr>
+          <p:style>
+            <a:lnRef idx="2">
+              <a:schemeClr val="accent1">
+                <a:shade val="50000"/>
+              </a:schemeClr>
+            </a:lnRef>
+            <a:fillRef idx="1">
+              <a:schemeClr val="accent1"/>
+            </a:fillRef>
+            <a:effectRef idx="0">
+              <a:schemeClr val="accent1"/>
+            </a:effectRef>
+            <a:fontRef idx="minor">
+              <a:schemeClr val="lt1"/>
+            </a:fontRef>
+          </p:style>
+          <p:txBody>
+            <a:bodyPr rtlCol="0" anchor="ctr"/>
+            <a:lstStyle/>
+            <a:p>
+              <a:br>
+                <a:rPr lang="en-US" dirty="0"/>
+              </a:br>
+              <a:endParaRPr lang="en-US" altLang="zh-CN" sz="2800" dirty="0">
+                <a:solidFill>
+                  <a:schemeClr val="tx1"/>
+                </a:solidFill>
+                <a:latin typeface="Times New Roman" panose="02020603050405020304" pitchFamily="18" charset="0"/>
+                <a:ea typeface="楷体" panose="02010609060101010101" pitchFamily="49" charset="-122"/>
+                <a:cs typeface="Times New Roman" panose="02020603050405020304" pitchFamily="18" charset="0"/>
+              </a:endParaRPr>
+            </a:p>
+          </p:txBody>
+        </p:sp>
+      </p:grpSp>
+      <p:sp>
+        <p:nvSpPr>
+          <p:cNvPr id="3" name="TextBox 2">
+            <a:extLst>
+              <a:ext uri="{FF2B5EF4-FFF2-40B4-BE49-F238E27FC236}">
+                <a16:creationId xmlns:a16="http://schemas.microsoft.com/office/drawing/2014/main" id="{6AADA721-1E44-838E-8765-26A486AEA9AD}"/>
+              </a:ext>
+            </a:extLst>
+          </p:cNvPr>
+          <p:cNvSpPr txBox="1"/>
+          <p:nvPr/>
+        </p:nvSpPr>
+        <p:spPr>
+          <a:xfrm>
+            <a:off x="2577112" y="2090136"/>
+            <a:ext cx="6339842" cy="3139321"/>
+          </a:xfrm>
+          <a:prstGeom prst="rect">
+            <a:avLst/>
+          </a:prstGeom>
+          <a:noFill/>
+        </p:spPr>
+        <p:txBody>
+          <a:bodyPr wrap="square">
+            <a:spAutoFit/>
+          </a:bodyPr>
+          <a:lstStyle/>
+          <a:p>
+            <a:pPr algn="ctr" rtl="0">
+              <a:spcBef>
+                <a:spcPts val="0"/>
+              </a:spcBef>
+              <a:spcAft>
+                <a:spcPts val="0"/>
+              </a:spcAft>
+            </a:pPr>
+            <a:r>
+              <a:rPr lang="en-US" sz="1800" b="0" i="0" u="none" strike="noStrike" dirty="0">
+                <a:solidFill>
+                  <a:srgbClr val="000000"/>
+                </a:solidFill>
+                <a:effectLst/>
+                <a:latin typeface="Arial" panose="020B0604020202020204" pitchFamily="34" charset="0"/>
+              </a:rPr>
+              <a:t>Great job! Are you ready to play the game? </a:t>
+            </a:r>
+          </a:p>
+          <a:p>
+            <a:pPr algn="ctr" rtl="0">
+              <a:spcBef>
+                <a:spcPts val="0"/>
+              </a:spcBef>
+              <a:spcAft>
+                <a:spcPts val="0"/>
+              </a:spcAft>
+            </a:pPr>
+            <a:endParaRPr lang="en-US" dirty="0">
+              <a:solidFill>
+                <a:srgbClr val="000000"/>
+              </a:solidFill>
+              <a:latin typeface="Arial" panose="020B0604020202020204" pitchFamily="34" charset="0"/>
+            </a:endParaRPr>
+          </a:p>
+          <a:p>
+            <a:pPr algn="ctr" rtl="0">
+              <a:spcBef>
+                <a:spcPts val="0"/>
+              </a:spcBef>
+              <a:spcAft>
+                <a:spcPts val="0"/>
+              </a:spcAft>
+            </a:pPr>
+            <a:r>
+              <a:rPr lang="en-US" sz="1800" b="0" i="0" u="none" strike="noStrike" dirty="0">
+                <a:solidFill>
+                  <a:srgbClr val="000000"/>
+                </a:solidFill>
+                <a:effectLst/>
+                <a:latin typeface="Arial" panose="020B0604020202020204" pitchFamily="34" charset="0"/>
+              </a:rPr>
+              <a:t>One last thing before you start, you and Alex can go to different restaurants or you can go to the same restaurant, and it doesn’t matter either way. You can also cross paths or touch sometimes, that’s okay too! </a:t>
+            </a:r>
+          </a:p>
+          <a:p>
+            <a:pPr algn="ctr" rtl="0">
+              <a:spcBef>
+                <a:spcPts val="0"/>
+              </a:spcBef>
+              <a:spcAft>
+                <a:spcPts val="0"/>
+              </a:spcAft>
+            </a:pPr>
+            <a:endParaRPr lang="en-US" sz="1800" b="0" i="0" u="none" strike="noStrike" dirty="0">
+              <a:solidFill>
+                <a:srgbClr val="000000"/>
+              </a:solidFill>
+              <a:effectLst/>
+              <a:latin typeface="Arial" panose="020B0604020202020204" pitchFamily="34" charset="0"/>
+            </a:endParaRPr>
+          </a:p>
+          <a:p>
+            <a:pPr algn="ctr" rtl="0">
+              <a:spcBef>
+                <a:spcPts val="0"/>
+              </a:spcBef>
+              <a:spcAft>
+                <a:spcPts val="0"/>
+              </a:spcAft>
+            </a:pPr>
+            <a:endParaRPr lang="en-US" dirty="0">
+              <a:solidFill>
+                <a:srgbClr val="000000"/>
+              </a:solidFill>
+              <a:latin typeface="Arial" panose="020B0604020202020204" pitchFamily="34" charset="0"/>
+            </a:endParaRPr>
+          </a:p>
+          <a:p>
+            <a:pPr algn="ctr"/>
+            <a:r>
+              <a:rPr lang="en-US" altLang="zh-CN" dirty="0">
+                <a:solidFill>
+                  <a:schemeClr val="tx1"/>
+                </a:solidFill>
+                <a:latin typeface="Arial" panose="020B0604020202020204" pitchFamily="34" charset="0"/>
+                <a:ea typeface="楷体" panose="02010609060101010101" pitchFamily="49" charset="-122"/>
+                <a:cs typeface="Arial" panose="020B0604020202020204" pitchFamily="34" charset="0"/>
+              </a:rPr>
+              <a:t>Press the </a:t>
+            </a:r>
+            <a:r>
+              <a:rPr lang="en-US" altLang="zh-CN" b="1" dirty="0">
+                <a:solidFill>
+                  <a:schemeClr val="tx1"/>
+                </a:solidFill>
+                <a:latin typeface="Arial" panose="020B0604020202020204" pitchFamily="34" charset="0"/>
+                <a:ea typeface="楷体" panose="02010609060101010101" pitchFamily="49" charset="-122"/>
+                <a:cs typeface="Arial" panose="020B0604020202020204" pitchFamily="34" charset="0"/>
+              </a:rPr>
+              <a:t>spacebar</a:t>
+            </a:r>
+            <a:r>
+              <a:rPr lang="en-US" altLang="zh-CN" dirty="0">
+                <a:solidFill>
+                  <a:schemeClr val="tx1"/>
+                </a:solidFill>
+                <a:latin typeface="Arial" panose="020B0604020202020204" pitchFamily="34" charset="0"/>
+                <a:ea typeface="楷体" panose="02010609060101010101" pitchFamily="49" charset="-122"/>
+                <a:cs typeface="Arial" panose="020B0604020202020204" pitchFamily="34" charset="0"/>
+              </a:rPr>
+              <a:t> when you are ready to go!</a:t>
+            </a:r>
+          </a:p>
+          <a:p>
+            <a:pPr algn="ctr"/>
+            <a:br>
+              <a:rPr lang="en-US" dirty="0"/>
+            </a:br>
+            <a:endParaRPr lang="en-US" dirty="0"/>
+          </a:p>
+        </p:txBody>
+      </p:sp>
+    </p:spTree>
+    <p:extLst>
+      <p:ext uri="{BB962C8B-B14F-4D97-AF65-F5344CB8AC3E}">
+        <p14:creationId xmlns:p14="http://schemas.microsoft.com/office/powerpoint/2010/main" val="3323764315"/>
+      </p:ext>
+    </p:extLst>
+  </p:cSld>
+  <p:clrMapOvr>
+    <a:masterClrMapping/>
+  </p:clrMapOvr>
+</p:sld>
+</file>
+
+<file path=ppt/slides/slide6.xml><?xml version="1.0" encoding="utf-8"?>
+<p:sld xmlns:a="http://schemas.openxmlformats.org/drawingml/2006/main" xmlns:r="http://schemas.openxmlformats.org/officeDocument/2006/relationships" xmlns:p="http://schemas.openxmlformats.org/presentationml/2006/main">
+  <p:cSld>
+    <p:spTree>
+      <p:nvGrpSpPr>
+        <p:cNvPr id="1" name=""/>
+        <p:cNvGrpSpPr/>
+        <p:nvPr/>
+      </p:nvGrpSpPr>
+      <p:grpSpPr>
+        <a:xfrm>
+          <a:off x="0" y="0"/>
+          <a:ext cx="0" cy="0"/>
+          <a:chOff x="0" y="0"/>
+          <a:chExt cx="0" cy="0"/>
+        </a:xfrm>
+      </p:grpSpPr>
+      <p:grpSp>
+        <p:nvGrpSpPr>
+          <p:cNvPr id="19" name="组合 18">
+            <a:extLst>
+              <a:ext uri="{FF2B5EF4-FFF2-40B4-BE49-F238E27FC236}">
+                <a16:creationId xmlns:a16="http://schemas.microsoft.com/office/drawing/2014/main" id="{DE9C536E-1274-45A4-8808-A31579281473}"/>
+              </a:ext>
+            </a:extLst>
+          </p:cNvPr>
+          <p:cNvGrpSpPr/>
+          <p:nvPr/>
+        </p:nvGrpSpPr>
+        <p:grpSpPr>
+          <a:xfrm>
+            <a:off x="2577112" y="474381"/>
+            <a:ext cx="6339842" cy="5909238"/>
+            <a:chOff x="1650608" y="-450167"/>
+            <a:chExt cx="6339842" cy="5909238"/>
+          </a:xfrm>
+        </p:grpSpPr>
+        <p:sp>
+          <p:nvSpPr>
+            <p:cNvPr id="17" name="矩形 16">
+              <a:extLst>
+                <a:ext uri="{FF2B5EF4-FFF2-40B4-BE49-F238E27FC236}">
+                  <a16:creationId xmlns:a16="http://schemas.microsoft.com/office/drawing/2014/main" id="{08C262F2-BA1A-47F0-99F5-5E2AB168A192}"/>
+                </a:ext>
+              </a:extLst>
+            </p:cNvPr>
+            <p:cNvSpPr/>
+            <p:nvPr/>
+          </p:nvSpPr>
+          <p:spPr>
+            <a:xfrm>
+              <a:off x="1650608" y="-450167"/>
+              <a:ext cx="6339842" cy="5909238"/>
+            </a:xfrm>
+            <a:prstGeom prst="rect">
+              <a:avLst/>
+            </a:prstGeom>
+            <a:solidFill>
+              <a:srgbClr val="B0D2A0"/>
+            </a:solidFill>
+            <a:ln>
+              <a:solidFill>
+                <a:srgbClr val="B0D2A0"/>
+              </a:solidFill>
+            </a:ln>
+          </p:spPr>
+          <p:style>
+            <a:lnRef idx="2">
+              <a:schemeClr val="accent1">
+                <a:shade val="50000"/>
+              </a:schemeClr>
+            </a:lnRef>
+            <a:fillRef idx="1">
+              <a:schemeClr val="accent1"/>
+            </a:fillRef>
+            <a:effectRef idx="0">
+              <a:schemeClr val="accent1"/>
+            </a:effectRef>
+            <a:fontRef idx="minor">
+              <a:schemeClr val="lt1"/>
+            </a:fontRef>
+          </p:style>
+          <p:txBody>
+            <a:bodyPr rtlCol="0" anchor="ctr"/>
+            <a:lstStyle/>
+            <a:p>
+              <a:endParaRPr lang="en-US" altLang="zh-CN" sz="2000" dirty="0">
+                <a:solidFill>
+                  <a:schemeClr val="tx1"/>
+                </a:solidFill>
+                <a:latin typeface="楷体" panose="02010609060101010101" pitchFamily="49" charset="-122"/>
+                <a:ea typeface="楷体" panose="02010609060101010101" pitchFamily="49" charset="-122"/>
+              </a:endParaRPr>
+            </a:p>
+          </p:txBody>
+        </p:sp>
+        <p:sp>
+          <p:nvSpPr>
+            <p:cNvPr id="13" name="矩形 12">
+              <a:extLst>
+                <a:ext uri="{FF2B5EF4-FFF2-40B4-BE49-F238E27FC236}">
+                  <a16:creationId xmlns:a16="http://schemas.microsoft.com/office/drawing/2014/main" id="{661FDE28-B2B1-4D8A-9601-4CF5B6661D38}"/>
+                </a:ext>
+              </a:extLst>
+            </p:cNvPr>
+            <p:cNvSpPr/>
+            <p:nvPr/>
+          </p:nvSpPr>
+          <p:spPr>
+            <a:xfrm>
+              <a:off x="1650609" y="-450167"/>
+              <a:ext cx="6243126" cy="5909237"/>
+            </a:xfrm>
+            <a:prstGeom prst="rect">
+              <a:avLst/>
+            </a:prstGeom>
+            <a:solidFill>
+              <a:srgbClr val="B0D2A0"/>
+            </a:solidFill>
+            <a:ln>
+              <a:solidFill>
+                <a:srgbClr val="B0D2A0"/>
+              </a:solidFill>
+            </a:ln>
+          </p:spPr>
+          <p:style>
+            <a:lnRef idx="2">
+              <a:schemeClr val="accent1">
+                <a:shade val="50000"/>
+              </a:schemeClr>
+            </a:lnRef>
+            <a:fillRef idx="1">
+              <a:schemeClr val="accent1"/>
+            </a:fillRef>
+            <a:effectRef idx="0">
+              <a:schemeClr val="accent1"/>
+            </a:effectRef>
+            <a:fontRef idx="minor">
+              <a:schemeClr val="lt1"/>
+            </a:fontRef>
+          </p:style>
+          <p:txBody>
+            <a:bodyPr rtlCol="0" anchor="ctr"/>
+            <a:lstStyle/>
+            <a:p>
+              <a:br>
+                <a:rPr lang="en-US" dirty="0"/>
+              </a:br>
+              <a:endParaRPr lang="en-US" altLang="zh-CN" sz="2800" dirty="0">
+                <a:solidFill>
+                  <a:schemeClr val="tx1"/>
+                </a:solidFill>
+                <a:latin typeface="Times New Roman" panose="02020603050405020304" pitchFamily="18" charset="0"/>
+                <a:ea typeface="楷体" panose="02010609060101010101" pitchFamily="49" charset="-122"/>
+                <a:cs typeface="Times New Roman" panose="02020603050405020304" pitchFamily="18" charset="0"/>
+              </a:endParaRPr>
+            </a:p>
+          </p:txBody>
+        </p:sp>
+      </p:grpSp>
+      <p:sp>
+        <p:nvSpPr>
+          <p:cNvPr id="3" name="TextBox 2">
+            <a:extLst>
+              <a:ext uri="{FF2B5EF4-FFF2-40B4-BE49-F238E27FC236}">
+                <a16:creationId xmlns:a16="http://schemas.microsoft.com/office/drawing/2014/main" id="{D3CD7E69-D9BC-0A3D-CB73-93BD233D95C7}"/>
+              </a:ext>
+            </a:extLst>
+          </p:cNvPr>
+          <p:cNvSpPr txBox="1"/>
+          <p:nvPr/>
+        </p:nvSpPr>
+        <p:spPr>
+          <a:xfrm>
+            <a:off x="2577112" y="1976015"/>
+            <a:ext cx="6339842" cy="3139321"/>
+          </a:xfrm>
+          <a:prstGeom prst="rect">
+            <a:avLst/>
+          </a:prstGeom>
+          <a:noFill/>
+        </p:spPr>
+        <p:txBody>
+          <a:bodyPr wrap="square">
+            <a:spAutoFit/>
+          </a:bodyPr>
+          <a:lstStyle/>
+          <a:p>
+            <a:pPr algn="ctr" rtl="0">
+              <a:spcBef>
+                <a:spcPts val="0"/>
+              </a:spcBef>
+              <a:spcAft>
+                <a:spcPts val="0"/>
+              </a:spcAft>
+            </a:pPr>
+            <a:r>
+              <a:rPr lang="en-US" sz="1800" b="0" i="0" u="none" strike="noStrike" dirty="0">
+                <a:solidFill>
+                  <a:srgbClr val="000000"/>
+                </a:solidFill>
+                <a:effectLst/>
+                <a:latin typeface="Arial" panose="020B0604020202020204" pitchFamily="34" charset="0"/>
+              </a:rPr>
+              <a:t>Great job! Now, if you want to, we have one more round of the game that we can play. </a:t>
+            </a:r>
+          </a:p>
+          <a:p>
+            <a:pPr algn="ctr" rtl="0">
+              <a:spcBef>
+                <a:spcPts val="0"/>
+              </a:spcBef>
+              <a:spcAft>
+                <a:spcPts val="0"/>
+              </a:spcAft>
+            </a:pPr>
+            <a:endParaRPr lang="en-US" dirty="0">
+              <a:solidFill>
+                <a:srgbClr val="000000"/>
+              </a:solidFill>
+              <a:latin typeface="Arial" panose="020B0604020202020204" pitchFamily="34" charset="0"/>
+            </a:endParaRPr>
+          </a:p>
+          <a:p>
+            <a:pPr algn="ctr" rtl="0">
+              <a:spcBef>
+                <a:spcPts val="0"/>
+              </a:spcBef>
+              <a:spcAft>
+                <a:spcPts val="0"/>
+              </a:spcAft>
+            </a:pPr>
+            <a:r>
+              <a:rPr lang="en-US" sz="1800" b="0" i="0" u="none" strike="noStrike" dirty="0">
+                <a:solidFill>
+                  <a:srgbClr val="000000"/>
+                </a:solidFill>
+                <a:effectLst/>
+                <a:latin typeface="Arial" panose="020B0604020202020204" pitchFamily="34" charset="0"/>
+              </a:rPr>
+              <a:t>In this round, it is just you again, and Alex won’t be playing with us. Would you like to play one last time? </a:t>
+            </a:r>
+          </a:p>
+          <a:p>
+            <a:pPr algn="ctr" rtl="0">
+              <a:spcBef>
+                <a:spcPts val="0"/>
+              </a:spcBef>
+              <a:spcAft>
+                <a:spcPts val="0"/>
+              </a:spcAft>
+            </a:pPr>
+            <a:endParaRPr lang="en-US" dirty="0">
+              <a:solidFill>
+                <a:srgbClr val="000000"/>
+              </a:solidFill>
+              <a:latin typeface="Arial" panose="020B0604020202020204" pitchFamily="34" charset="0"/>
+            </a:endParaRPr>
+          </a:p>
+          <a:p>
+            <a:pPr algn="ctr" rtl="0">
+              <a:spcBef>
+                <a:spcPts val="0"/>
+              </a:spcBef>
+              <a:spcAft>
+                <a:spcPts val="0"/>
+              </a:spcAft>
+            </a:pPr>
+            <a:endParaRPr lang="en-US" b="0" dirty="0">
+              <a:solidFill>
+                <a:srgbClr val="000000"/>
+              </a:solidFill>
+              <a:effectLst/>
+              <a:latin typeface="Arial" panose="020B0604020202020204" pitchFamily="34" charset="0"/>
+            </a:endParaRPr>
+          </a:p>
+          <a:p>
+            <a:pPr algn="ctr" rtl="0">
+              <a:spcBef>
+                <a:spcPts val="0"/>
+              </a:spcBef>
+              <a:spcAft>
+                <a:spcPts val="0"/>
+              </a:spcAft>
+            </a:pPr>
+            <a:endParaRPr lang="en-US" b="0" dirty="0">
+              <a:effectLst/>
+            </a:endParaRPr>
+          </a:p>
+          <a:p>
+            <a:pPr algn="ctr"/>
+            <a:r>
+              <a:rPr lang="en-US" altLang="zh-CN" dirty="0">
+                <a:solidFill>
+                  <a:schemeClr val="tx1"/>
+                </a:solidFill>
+                <a:latin typeface="Arial" panose="020B0604020202020204" pitchFamily="34" charset="0"/>
+                <a:ea typeface="楷体" panose="02010609060101010101" pitchFamily="49" charset="-122"/>
+                <a:cs typeface="Arial" panose="020B0604020202020204" pitchFamily="34" charset="0"/>
+              </a:rPr>
+              <a:t>Press the </a:t>
+            </a:r>
+            <a:r>
+              <a:rPr lang="en-US" altLang="zh-CN" b="1" dirty="0">
+                <a:solidFill>
+                  <a:schemeClr val="tx1"/>
+                </a:solidFill>
+                <a:latin typeface="Arial" panose="020B0604020202020204" pitchFamily="34" charset="0"/>
+                <a:ea typeface="楷体" panose="02010609060101010101" pitchFamily="49" charset="-122"/>
+                <a:cs typeface="Arial" panose="020B0604020202020204" pitchFamily="34" charset="0"/>
+              </a:rPr>
+              <a:t>spacebar</a:t>
+            </a:r>
+            <a:r>
+              <a:rPr lang="en-US" altLang="zh-CN" dirty="0">
+                <a:solidFill>
+                  <a:schemeClr val="tx1"/>
+                </a:solidFill>
+                <a:latin typeface="Arial" panose="020B0604020202020204" pitchFamily="34" charset="0"/>
+                <a:ea typeface="楷体" panose="02010609060101010101" pitchFamily="49" charset="-122"/>
+                <a:cs typeface="Arial" panose="020B0604020202020204" pitchFamily="34" charset="0"/>
+              </a:rPr>
+              <a:t> when you are ready to go!</a:t>
+            </a:r>
+          </a:p>
+          <a:p>
+            <a:pPr algn="ctr"/>
+            <a:br>
+              <a:rPr lang="en-US" dirty="0"/>
+            </a:br>
+            <a:endParaRPr lang="en-US" dirty="0"/>
+          </a:p>
+        </p:txBody>
+      </p:sp>
+    </p:spTree>
+    <p:extLst>
+      <p:ext uri="{BB962C8B-B14F-4D97-AF65-F5344CB8AC3E}">
+        <p14:creationId xmlns:p14="http://schemas.microsoft.com/office/powerpoint/2010/main" val="1871935335"/>
+      </p:ext>
+    </p:extLst>
+  </p:cSld>
+  <p:clrMapOvr>
+    <a:masterClrMapping/>
+  </p:clrMapOvr>
+</p:sld>
+</file>
+
+<file path=ppt/slides/slide7.xml><?xml version="1.0" encoding="utf-8"?>
+<p:sld xmlns:a="http://schemas.openxmlformats.org/drawingml/2006/main" xmlns:r="http://schemas.openxmlformats.org/officeDocument/2006/relationships" xmlns:p="http://schemas.openxmlformats.org/presentationml/2006/main">
+  <p:cSld>
+    <p:spTree>
+      <p:nvGrpSpPr>
+        <p:cNvPr id="1" name=""/>
+        <p:cNvGrpSpPr/>
+        <p:nvPr/>
+      </p:nvGrpSpPr>
+      <p:grpSpPr>
+        <a:xfrm>
+          <a:off x="0" y="0"/>
+          <a:ext cx="0" cy="0"/>
+          <a:chOff x="0" y="0"/>
+          <a:chExt cx="0" cy="0"/>
+        </a:xfrm>
+      </p:grpSpPr>
+      <p:sp>
+        <p:nvSpPr>
+          <p:cNvPr id="2" name="Title 1">
+            <a:extLst>
+              <a:ext uri="{FF2B5EF4-FFF2-40B4-BE49-F238E27FC236}">
+                <a16:creationId xmlns:a16="http://schemas.microsoft.com/office/drawing/2014/main" id="{1F97E3DF-359C-E394-54BF-3D7297411814}"/>
+              </a:ext>
+            </a:extLst>
+          </p:cNvPr>
+          <p:cNvSpPr>
+            <a:spLocks noGrp="1"/>
+          </p:cNvSpPr>
+          <p:nvPr>
+            <p:ph type="title"/>
+          </p:nvPr>
+        </p:nvSpPr>
+        <p:spPr/>
+        <p:txBody>
+          <a:bodyPr/>
+          <a:lstStyle/>
+          <a:p>
+            <a:endParaRPr lang="en-US"/>
+          </a:p>
+        </p:txBody>
+      </p:sp>
+      <p:sp>
+        <p:nvSpPr>
+          <p:cNvPr id="3" name="Content Placeholder 2">
+            <a:extLst>
+              <a:ext uri="{FF2B5EF4-FFF2-40B4-BE49-F238E27FC236}">
+                <a16:creationId xmlns:a16="http://schemas.microsoft.com/office/drawing/2014/main" id="{87F5B818-E314-54B9-067A-D5500EAECA7B}"/>
+              </a:ext>
+            </a:extLst>
+          </p:cNvPr>
+          <p:cNvSpPr>
+            <a:spLocks noGrp="1"/>
+          </p:cNvSpPr>
+          <p:nvPr>
+            <p:ph idx="1"/>
+          </p:nvPr>
+        </p:nvSpPr>
+        <p:spPr/>
+        <p:txBody>
+          <a:bodyPr/>
+          <a:lstStyle/>
+          <a:p>
+            <a:endParaRPr lang="en-US"/>
+          </a:p>
+        </p:txBody>
+      </p:sp>
+    </p:spTree>
+    <p:extLst>
+      <p:ext uri="{BB962C8B-B14F-4D97-AF65-F5344CB8AC3E}">
+        <p14:creationId xmlns:p14="http://schemas.microsoft.com/office/powerpoint/2010/main" val="1674014449"/>
+      </p:ext>
+    </p:extLst>
+  </p:cSld>
+  <p:clrMapOvr>
+    <a:masterClrMapping/>
+  </p:clrMapOvr>
+</p:sld>
+</file>
+
+<file path=ppt/slides/slide8.xml><?xml version="1.0" encoding="utf-8"?>
+<p:sld xmlns:a="http://schemas.openxmlformats.org/drawingml/2006/main" xmlns:r="http://schemas.openxmlformats.org/officeDocument/2006/relationships" xmlns:p="http://schemas.openxmlformats.org/presentationml/2006/main">
+  <p:cSld>
+    <p:spTree>
+      <p:nvGrpSpPr>
+        <p:cNvPr id="1" name=""/>
+        <p:cNvGrpSpPr/>
+        <p:nvPr/>
+      </p:nvGrpSpPr>
+      <p:grpSpPr>
+        <a:xfrm>
+          <a:off x="0" y="0"/>
+          <a:ext cx="0" cy="0"/>
+          <a:chOff x="0" y="0"/>
+          <a:chExt cx="0" cy="0"/>
+        </a:xfrm>
+      </p:grpSpPr>
+      <p:grpSp>
+        <p:nvGrpSpPr>
+          <p:cNvPr id="19" name="组合 18">
+            <a:extLst>
+              <a:ext uri="{FF2B5EF4-FFF2-40B4-BE49-F238E27FC236}">
+                <a16:creationId xmlns:a16="http://schemas.microsoft.com/office/drawing/2014/main" id="{DE9C536E-1274-45A4-8808-A31579281473}"/>
+              </a:ext>
+            </a:extLst>
+          </p:cNvPr>
+          <p:cNvGrpSpPr/>
+          <p:nvPr/>
+        </p:nvGrpSpPr>
+        <p:grpSpPr>
+          <a:xfrm>
             <a:off x="2114538" y="474381"/>
             <a:ext cx="6339842" cy="5909238"/>
             <a:chOff x="1650608" y="-450167"/>
@@ -7451,7 +10276,7 @@
 </p:sld>
 </file>
 
-<file path=ppt/slides/slide4.xml><?xml version="1.0" encoding="utf-8"?>
+<file path=ppt/slides/slide9.xml><?xml version="1.0" encoding="utf-8"?>
 <p:sld xmlns:a="http://schemas.openxmlformats.org/drawingml/2006/main" xmlns:r="http://schemas.openxmlformats.org/officeDocument/2006/relationships" xmlns:p="http://schemas.openxmlformats.org/presentationml/2006/main">
   <p:cSld>
     <p:spTree>
@@ -7655,1295 +10480,6 @@
     <p:extLst>
       <p:ext uri="{BB962C8B-B14F-4D97-AF65-F5344CB8AC3E}">
         <p14:creationId xmlns:p14="http://schemas.microsoft.com/office/powerpoint/2010/main" val="800405171"/>
-      </p:ext>
-    </p:extLst>
-  </p:cSld>
-  <p:clrMapOvr>
-    <a:masterClrMapping/>
-  </p:clrMapOvr>
-</p:sld>
-</file>
-
-<file path=ppt/slides/slide5.xml><?xml version="1.0" encoding="utf-8"?>
-<p:sld xmlns:a="http://schemas.openxmlformats.org/drawingml/2006/main" xmlns:r="http://schemas.openxmlformats.org/officeDocument/2006/relationships" xmlns:p="http://schemas.openxmlformats.org/presentationml/2006/main">
-  <p:cSld>
-    <p:spTree>
-      <p:nvGrpSpPr>
-        <p:cNvPr id="1" name=""/>
-        <p:cNvGrpSpPr/>
-        <p:nvPr/>
-      </p:nvGrpSpPr>
-      <p:grpSpPr>
-        <a:xfrm>
-          <a:off x="0" y="0"/>
-          <a:ext cx="0" cy="0"/>
-          <a:chOff x="0" y="0"/>
-          <a:chExt cx="0" cy="0"/>
-        </a:xfrm>
-      </p:grpSpPr>
-      <p:grpSp>
-        <p:nvGrpSpPr>
-          <p:cNvPr id="19" name="组合 18">
-            <a:extLst>
-              <a:ext uri="{FF2B5EF4-FFF2-40B4-BE49-F238E27FC236}">
-                <a16:creationId xmlns:a16="http://schemas.microsoft.com/office/drawing/2014/main" id="{DE9C536E-1274-45A4-8808-A31579281473}"/>
-              </a:ext>
-            </a:extLst>
-          </p:cNvPr>
-          <p:cNvGrpSpPr/>
-          <p:nvPr/>
-        </p:nvGrpSpPr>
-        <p:grpSpPr>
-          <a:xfrm>
-            <a:off x="1917893" y="464233"/>
-            <a:ext cx="6339842" cy="5909238"/>
-            <a:chOff x="1650608" y="-450167"/>
-            <a:chExt cx="6339842" cy="5909238"/>
-          </a:xfrm>
-        </p:grpSpPr>
-        <p:sp>
-          <p:nvSpPr>
-            <p:cNvPr id="17" name="矩形 16">
-              <a:extLst>
-                <a:ext uri="{FF2B5EF4-FFF2-40B4-BE49-F238E27FC236}">
-                  <a16:creationId xmlns:a16="http://schemas.microsoft.com/office/drawing/2014/main" id="{08C262F2-BA1A-47F0-99F5-5E2AB168A192}"/>
-                </a:ext>
-              </a:extLst>
-            </p:cNvPr>
-            <p:cNvSpPr/>
-            <p:nvPr/>
-          </p:nvSpPr>
-          <p:spPr>
-            <a:xfrm>
-              <a:off x="1650608" y="-450167"/>
-              <a:ext cx="6339842" cy="5909238"/>
-            </a:xfrm>
-            <a:prstGeom prst="rect">
-              <a:avLst/>
-            </a:prstGeom>
-            <a:solidFill>
-              <a:srgbClr val="B0D2A0"/>
-            </a:solidFill>
-            <a:ln>
-              <a:solidFill>
-                <a:srgbClr val="B0D2A0"/>
-              </a:solidFill>
-            </a:ln>
-          </p:spPr>
-          <p:style>
-            <a:lnRef idx="2">
-              <a:schemeClr val="accent1">
-                <a:shade val="50000"/>
-              </a:schemeClr>
-            </a:lnRef>
-            <a:fillRef idx="1">
-              <a:schemeClr val="accent1"/>
-            </a:fillRef>
-            <a:effectRef idx="0">
-              <a:schemeClr val="accent1"/>
-            </a:effectRef>
-            <a:fontRef idx="minor">
-              <a:schemeClr val="lt1"/>
-            </a:fontRef>
-          </p:style>
-          <p:txBody>
-            <a:bodyPr rtlCol="0" anchor="ctr"/>
-            <a:lstStyle/>
-            <a:p>
-              <a:endParaRPr lang="en-US" altLang="zh-CN" sz="2000" dirty="0">
-                <a:solidFill>
-                  <a:schemeClr val="tx1"/>
-                </a:solidFill>
-                <a:latin typeface="楷体" panose="02010609060101010101" pitchFamily="49" charset="-122"/>
-                <a:ea typeface="楷体" panose="02010609060101010101" pitchFamily="49" charset="-122"/>
-              </a:endParaRPr>
-            </a:p>
-          </p:txBody>
-        </p:sp>
-        <p:sp>
-          <p:nvSpPr>
-            <p:cNvPr id="13" name="矩形 12">
-              <a:extLst>
-                <a:ext uri="{FF2B5EF4-FFF2-40B4-BE49-F238E27FC236}">
-                  <a16:creationId xmlns:a16="http://schemas.microsoft.com/office/drawing/2014/main" id="{661FDE28-B2B1-4D8A-9601-4CF5B6661D38}"/>
-                </a:ext>
-              </a:extLst>
-            </p:cNvPr>
-            <p:cNvSpPr/>
-            <p:nvPr/>
-          </p:nvSpPr>
-          <p:spPr>
-            <a:xfrm>
-              <a:off x="1650609" y="-450167"/>
-              <a:ext cx="6243126" cy="5909237"/>
-            </a:xfrm>
-            <a:prstGeom prst="rect">
-              <a:avLst/>
-            </a:prstGeom>
-            <a:solidFill>
-              <a:srgbClr val="B0D2A0"/>
-            </a:solidFill>
-            <a:ln>
-              <a:solidFill>
-                <a:srgbClr val="B0D2A0"/>
-              </a:solidFill>
-            </a:ln>
-          </p:spPr>
-          <p:style>
-            <a:lnRef idx="2">
-              <a:schemeClr val="accent1">
-                <a:shade val="50000"/>
-              </a:schemeClr>
-            </a:lnRef>
-            <a:fillRef idx="1">
-              <a:schemeClr val="accent1"/>
-            </a:fillRef>
-            <a:effectRef idx="0">
-              <a:schemeClr val="accent1"/>
-            </a:effectRef>
-            <a:fontRef idx="minor">
-              <a:schemeClr val="lt1"/>
-            </a:fontRef>
-          </p:style>
-          <p:txBody>
-            <a:bodyPr rtlCol="0" anchor="ctr"/>
-            <a:lstStyle/>
-            <a:p>
-              <a:pPr algn="ctr"/>
-              <a:r>
-                <a:rPr lang="en-US" altLang="zh-CN" sz="2800" dirty="0">
-                  <a:solidFill>
-                    <a:schemeClr val="tx1"/>
-                  </a:solidFill>
-                  <a:latin typeface="Times New Roman" panose="02020603050405020304" pitchFamily="18" charset="0"/>
-                  <a:ea typeface="楷体" panose="02010609060101010101" pitchFamily="49" charset="-122"/>
-                  <a:cs typeface="Times New Roman" panose="02020603050405020304" pitchFamily="18" charset="0"/>
-                </a:rPr>
-                <a:t>Press</a:t>
-              </a:r>
-              <a:r>
-                <a:rPr lang="zh-CN" altLang="en-US" sz="2800" dirty="0">
-                  <a:solidFill>
-                    <a:schemeClr val="tx1"/>
-                  </a:solidFill>
-                  <a:latin typeface="Times New Roman" panose="02020603050405020304" pitchFamily="18" charset="0"/>
-                  <a:ea typeface="楷体" panose="02010609060101010101" pitchFamily="49" charset="-122"/>
-                  <a:cs typeface="Times New Roman" panose="02020603050405020304" pitchFamily="18" charset="0"/>
-                </a:rPr>
-                <a:t> </a:t>
-              </a:r>
-              <a:r>
-                <a:rPr lang="en-US" altLang="zh-CN" sz="2800" dirty="0">
-                  <a:solidFill>
-                    <a:schemeClr val="tx1"/>
-                  </a:solidFill>
-                  <a:latin typeface="Times New Roman" panose="02020603050405020304" pitchFamily="18" charset="0"/>
-                  <a:ea typeface="楷体" panose="02010609060101010101" pitchFamily="49" charset="-122"/>
-                  <a:cs typeface="Times New Roman" panose="02020603050405020304" pitchFamily="18" charset="0"/>
-                </a:rPr>
-                <a:t>the</a:t>
-              </a:r>
-              <a:r>
-                <a:rPr lang="zh-CN" altLang="en-US" sz="2800" dirty="0">
-                  <a:solidFill>
-                    <a:schemeClr val="tx1"/>
-                  </a:solidFill>
-                  <a:latin typeface="Times New Roman" panose="02020603050405020304" pitchFamily="18" charset="0"/>
-                  <a:ea typeface="楷体" panose="02010609060101010101" pitchFamily="49" charset="-122"/>
-                  <a:cs typeface="Times New Roman" panose="02020603050405020304" pitchFamily="18" charset="0"/>
-                </a:rPr>
-                <a:t> </a:t>
-              </a:r>
-              <a:r>
-                <a:rPr lang="en-US" altLang="zh-CN" sz="2800" b="1" dirty="0">
-                  <a:solidFill>
-                    <a:schemeClr val="tx1"/>
-                  </a:solidFill>
-                  <a:latin typeface="Times New Roman" panose="02020603050405020304" pitchFamily="18" charset="0"/>
-                  <a:ea typeface="楷体" panose="02010609060101010101" pitchFamily="49" charset="-122"/>
-                  <a:cs typeface="Times New Roman" panose="02020603050405020304" pitchFamily="18" charset="0"/>
-                </a:rPr>
-                <a:t>spacebar</a:t>
-              </a:r>
-              <a:r>
-                <a:rPr lang="zh-CN" altLang="en-US" sz="2800" dirty="0">
-                  <a:solidFill>
-                    <a:schemeClr val="tx1"/>
-                  </a:solidFill>
-                  <a:latin typeface="Times New Roman" panose="02020603050405020304" pitchFamily="18" charset="0"/>
-                  <a:ea typeface="楷体" panose="02010609060101010101" pitchFamily="49" charset="-122"/>
-                  <a:cs typeface="Times New Roman" panose="02020603050405020304" pitchFamily="18" charset="0"/>
-                </a:rPr>
-                <a:t> </a:t>
-              </a:r>
-              <a:r>
-                <a:rPr lang="en-US" altLang="zh-CN" sz="2800" dirty="0">
-                  <a:solidFill>
-                    <a:schemeClr val="tx1"/>
-                  </a:solidFill>
-                  <a:latin typeface="Times New Roman" panose="02020603050405020304" pitchFamily="18" charset="0"/>
-                  <a:ea typeface="楷体" panose="02010609060101010101" pitchFamily="49" charset="-122"/>
-                  <a:cs typeface="Times New Roman" panose="02020603050405020304" pitchFamily="18" charset="0"/>
-                </a:rPr>
-                <a:t>to</a:t>
-              </a:r>
-              <a:r>
-                <a:rPr lang="zh-CN" altLang="en-US" sz="2800" dirty="0">
-                  <a:solidFill>
-                    <a:schemeClr val="tx1"/>
-                  </a:solidFill>
-                  <a:latin typeface="Times New Roman" panose="02020603050405020304" pitchFamily="18" charset="0"/>
-                  <a:ea typeface="楷体" panose="02010609060101010101" pitchFamily="49" charset="-122"/>
-                  <a:cs typeface="Times New Roman" panose="02020603050405020304" pitchFamily="18" charset="0"/>
-                </a:rPr>
-                <a:t> </a:t>
-              </a:r>
-              <a:r>
-                <a:rPr lang="en-US" altLang="zh-CN" sz="2800" dirty="0">
-                  <a:solidFill>
-                    <a:schemeClr val="tx1"/>
-                  </a:solidFill>
-                  <a:latin typeface="Times New Roman" panose="02020603050405020304" pitchFamily="18" charset="0"/>
-                  <a:ea typeface="楷体" panose="02010609060101010101" pitchFamily="49" charset="-122"/>
-                  <a:cs typeface="Times New Roman" panose="02020603050405020304" pitchFamily="18" charset="0"/>
-                </a:rPr>
-                <a:t>start</a:t>
-              </a:r>
-              <a:r>
-                <a:rPr lang="zh-CN" altLang="en-US" sz="2800" dirty="0">
-                  <a:solidFill>
-                    <a:schemeClr val="tx1"/>
-                  </a:solidFill>
-                  <a:latin typeface="Times New Roman" panose="02020603050405020304" pitchFamily="18" charset="0"/>
-                  <a:ea typeface="楷体" panose="02010609060101010101" pitchFamily="49" charset="-122"/>
-                  <a:cs typeface="Times New Roman" panose="02020603050405020304" pitchFamily="18" charset="0"/>
-                </a:rPr>
-                <a:t> </a:t>
-              </a:r>
-              <a:r>
-                <a:rPr lang="en-US" altLang="zh-CN" sz="2800" dirty="0">
-                  <a:solidFill>
-                    <a:schemeClr val="tx1"/>
-                  </a:solidFill>
-                  <a:latin typeface="Times New Roman" panose="02020603050405020304" pitchFamily="18" charset="0"/>
-                  <a:ea typeface="楷体" panose="02010609060101010101" pitchFamily="49" charset="-122"/>
-                  <a:cs typeface="Times New Roman" panose="02020603050405020304" pitchFamily="18" charset="0"/>
-                </a:rPr>
-                <a:t>the</a:t>
-              </a:r>
-              <a:r>
-                <a:rPr lang="zh-CN" altLang="en-US" sz="2800" dirty="0">
-                  <a:solidFill>
-                    <a:schemeClr val="tx1"/>
-                  </a:solidFill>
-                  <a:latin typeface="Times New Roman" panose="02020603050405020304" pitchFamily="18" charset="0"/>
-                  <a:ea typeface="楷体" panose="02010609060101010101" pitchFamily="49" charset="-122"/>
-                  <a:cs typeface="Times New Roman" panose="02020603050405020304" pitchFamily="18" charset="0"/>
-                </a:rPr>
-                <a:t> </a:t>
-              </a:r>
-              <a:r>
-                <a:rPr lang="en-US" altLang="zh-CN" sz="2800" dirty="0">
-                  <a:solidFill>
-                    <a:schemeClr val="tx1"/>
-                  </a:solidFill>
-                  <a:latin typeface="Times New Roman" panose="02020603050405020304" pitchFamily="18" charset="0"/>
-                  <a:ea typeface="楷体" panose="02010609060101010101" pitchFamily="49" charset="-122"/>
-                  <a:cs typeface="Times New Roman" panose="02020603050405020304" pitchFamily="18" charset="0"/>
-                </a:rPr>
-                <a:t>game!</a:t>
-              </a:r>
-            </a:p>
-          </p:txBody>
-        </p:sp>
-      </p:grpSp>
-    </p:spTree>
-    <p:extLst>
-      <p:ext uri="{BB962C8B-B14F-4D97-AF65-F5344CB8AC3E}">
-        <p14:creationId xmlns:p14="http://schemas.microsoft.com/office/powerpoint/2010/main" val="2845442518"/>
-      </p:ext>
-    </p:extLst>
-  </p:cSld>
-  <p:clrMapOvr>
-    <a:masterClrMapping/>
-  </p:clrMapOvr>
-</p:sld>
-</file>
-
-<file path=ppt/slides/slide6.xml><?xml version="1.0" encoding="utf-8"?>
-<p:sld xmlns:a="http://schemas.openxmlformats.org/drawingml/2006/main" xmlns:r="http://schemas.openxmlformats.org/officeDocument/2006/relationships" xmlns:p="http://schemas.openxmlformats.org/presentationml/2006/main">
-  <p:cSld>
-    <p:spTree>
-      <p:nvGrpSpPr>
-        <p:cNvPr id="1" name=""/>
-        <p:cNvGrpSpPr/>
-        <p:nvPr/>
-      </p:nvGrpSpPr>
-      <p:grpSpPr>
-        <a:xfrm>
-          <a:off x="0" y="0"/>
-          <a:ext cx="0" cy="0"/>
-          <a:chOff x="0" y="0"/>
-          <a:chExt cx="0" cy="0"/>
-        </a:xfrm>
-      </p:grpSpPr>
-      <p:sp>
-        <p:nvSpPr>
-          <p:cNvPr id="13" name="矩形 12">
-            <a:extLst>
-              <a:ext uri="{FF2B5EF4-FFF2-40B4-BE49-F238E27FC236}">
-                <a16:creationId xmlns:a16="http://schemas.microsoft.com/office/drawing/2014/main" id="{661FDE28-B2B1-4D8A-9601-4CF5B6661D38}"/>
-              </a:ext>
-            </a:extLst>
-          </p:cNvPr>
-          <p:cNvSpPr/>
-          <p:nvPr/>
-        </p:nvSpPr>
-        <p:spPr>
-          <a:xfrm>
-            <a:off x="2600556" y="946345"/>
-            <a:ext cx="6790870" cy="4965310"/>
-          </a:xfrm>
-          <a:prstGeom prst="rect">
-            <a:avLst/>
-          </a:prstGeom>
-          <a:solidFill>
-            <a:srgbClr val="B0D2A0"/>
-          </a:solidFill>
-          <a:ln>
-            <a:solidFill>
-              <a:srgbClr val="B0D2A0"/>
-            </a:solidFill>
-          </a:ln>
-        </p:spPr>
-        <p:style>
-          <a:lnRef idx="2">
-            <a:schemeClr val="accent1">
-              <a:shade val="50000"/>
-            </a:schemeClr>
-          </a:lnRef>
-          <a:fillRef idx="1">
-            <a:schemeClr val="accent1"/>
-          </a:fillRef>
-          <a:effectRef idx="0">
-            <a:schemeClr val="accent1"/>
-          </a:effectRef>
-          <a:fontRef idx="minor">
-            <a:schemeClr val="lt1"/>
-          </a:fontRef>
-        </p:style>
-        <p:txBody>
-          <a:bodyPr rtlCol="0" anchor="ctr"/>
-          <a:lstStyle/>
-          <a:p>
-            <a:pPr lvl="1" algn="ctr"/>
-            <a:endParaRPr lang="en-US" altLang="zh-CN" sz="3200" dirty="0">
-              <a:solidFill>
-                <a:schemeClr val="tx1"/>
-              </a:solidFill>
-              <a:latin typeface="楷体" panose="02010609060101010101" pitchFamily="49" charset="-122"/>
-              <a:ea typeface="楷体" panose="02010609060101010101" pitchFamily="49" charset="-122"/>
-            </a:endParaRPr>
-          </a:p>
-        </p:txBody>
-      </p:sp>
-      <p:sp>
-        <p:nvSpPr>
-          <p:cNvPr id="5" name="TextBox 4">
-            <a:extLst>
-              <a:ext uri="{FF2B5EF4-FFF2-40B4-BE49-F238E27FC236}">
-                <a16:creationId xmlns:a16="http://schemas.microsoft.com/office/drawing/2014/main" id="{D5945C27-3B06-84F6-C2B3-BB15EFD30459}"/>
-              </a:ext>
-            </a:extLst>
-          </p:cNvPr>
-          <p:cNvSpPr txBox="1"/>
-          <p:nvPr/>
-        </p:nvSpPr>
-        <p:spPr>
-          <a:xfrm>
-            <a:off x="2487541" y="1365259"/>
-            <a:ext cx="6612271" cy="1815882"/>
-          </a:xfrm>
-          <a:prstGeom prst="rect">
-            <a:avLst/>
-          </a:prstGeom>
-          <a:noFill/>
-        </p:spPr>
-        <p:txBody>
-          <a:bodyPr wrap="square">
-            <a:spAutoFit/>
-          </a:bodyPr>
-          <a:lstStyle/>
-          <a:p>
-            <a:pPr lvl="1" algn="ctr"/>
-            <a:r>
-              <a:rPr lang="en-US" altLang="zh-CN" sz="2800" dirty="0">
-                <a:solidFill>
-                  <a:schemeClr val="tx1"/>
-                </a:solidFill>
-                <a:latin typeface="Times New Roman" panose="02020603050405020304" pitchFamily="18" charset="0"/>
-                <a:ea typeface="楷体" panose="02010609060101010101" pitchFamily="49" charset="-122"/>
-                <a:cs typeface="Times New Roman" panose="02020603050405020304" pitchFamily="18" charset="0"/>
-              </a:rPr>
-              <a:t>You have finished the game!</a:t>
-            </a:r>
-          </a:p>
-          <a:p>
-            <a:pPr lvl="1" algn="ctr"/>
-            <a:r>
-              <a:rPr lang="en-US" altLang="zh-CN" sz="2800" dirty="0">
-                <a:solidFill>
-                  <a:schemeClr val="tx1"/>
-                </a:solidFill>
-                <a:latin typeface="Times New Roman" panose="02020603050405020304" pitchFamily="18" charset="0"/>
-                <a:ea typeface="楷体" panose="02010609060101010101" pitchFamily="49" charset="-122"/>
-                <a:cs typeface="Times New Roman" panose="02020603050405020304" pitchFamily="18" charset="0"/>
-              </a:rPr>
-              <a:t>Please scan the QR code below to fill out the questionnaire and complete the experiment.</a:t>
-            </a:r>
-            <a:endParaRPr lang="en-US" altLang="zh-CN" sz="3200" dirty="0">
-              <a:solidFill>
-                <a:schemeClr val="tx1"/>
-              </a:solidFill>
-              <a:latin typeface="Times New Roman" panose="02020603050405020304" pitchFamily="18" charset="0"/>
-              <a:ea typeface="楷体" panose="02010609060101010101" pitchFamily="49" charset="-122"/>
-              <a:cs typeface="Times New Roman" panose="02020603050405020304" pitchFamily="18" charset="0"/>
-            </a:endParaRPr>
-          </a:p>
-        </p:txBody>
-      </p:sp>
-    </p:spTree>
-    <p:extLst>
-      <p:ext uri="{BB962C8B-B14F-4D97-AF65-F5344CB8AC3E}">
-        <p14:creationId xmlns:p14="http://schemas.microsoft.com/office/powerpoint/2010/main" val="4096702402"/>
-      </p:ext>
-    </p:extLst>
-  </p:cSld>
-  <p:clrMapOvr>
-    <a:masterClrMapping/>
-  </p:clrMapOvr>
-</p:sld>
-</file>
-
-<file path=ppt/slides/slide7.xml><?xml version="1.0" encoding="utf-8"?>
-<p:sld xmlns:a="http://schemas.openxmlformats.org/drawingml/2006/main" xmlns:r="http://schemas.openxmlformats.org/officeDocument/2006/relationships" xmlns:p="http://schemas.openxmlformats.org/presentationml/2006/main">
-  <p:cSld>
-    <p:spTree>
-      <p:nvGrpSpPr>
-        <p:cNvPr id="1" name=""/>
-        <p:cNvGrpSpPr/>
-        <p:nvPr/>
-      </p:nvGrpSpPr>
-      <p:grpSpPr>
-        <a:xfrm>
-          <a:off x="0" y="0"/>
-          <a:ext cx="0" cy="0"/>
-          <a:chOff x="0" y="0"/>
-          <a:chExt cx="0" cy="0"/>
-        </a:xfrm>
-      </p:grpSpPr>
-      <p:grpSp>
-        <p:nvGrpSpPr>
-          <p:cNvPr id="19" name="组合 18">
-            <a:extLst>
-              <a:ext uri="{FF2B5EF4-FFF2-40B4-BE49-F238E27FC236}">
-                <a16:creationId xmlns:a16="http://schemas.microsoft.com/office/drawing/2014/main" id="{DE9C536E-1274-45A4-8808-A31579281473}"/>
-              </a:ext>
-            </a:extLst>
-          </p:cNvPr>
-          <p:cNvGrpSpPr/>
-          <p:nvPr/>
-        </p:nvGrpSpPr>
-        <p:grpSpPr>
-          <a:xfrm>
-            <a:off x="3532372" y="597671"/>
-            <a:ext cx="6339842" cy="5909238"/>
-            <a:chOff x="1650608" y="-450167"/>
-            <a:chExt cx="6339842" cy="5909238"/>
-          </a:xfrm>
-        </p:grpSpPr>
-        <p:sp>
-          <p:nvSpPr>
-            <p:cNvPr id="17" name="矩形 16">
-              <a:extLst>
-                <a:ext uri="{FF2B5EF4-FFF2-40B4-BE49-F238E27FC236}">
-                  <a16:creationId xmlns:a16="http://schemas.microsoft.com/office/drawing/2014/main" id="{08C262F2-BA1A-47F0-99F5-5E2AB168A192}"/>
-                </a:ext>
-              </a:extLst>
-            </p:cNvPr>
-            <p:cNvSpPr/>
-            <p:nvPr/>
-          </p:nvSpPr>
-          <p:spPr>
-            <a:xfrm>
-              <a:off x="1650608" y="-450167"/>
-              <a:ext cx="6339842" cy="5909238"/>
-            </a:xfrm>
-            <a:prstGeom prst="rect">
-              <a:avLst/>
-            </a:prstGeom>
-            <a:solidFill>
-              <a:srgbClr val="B0D2A0"/>
-            </a:solidFill>
-            <a:ln>
-              <a:solidFill>
-                <a:srgbClr val="B0D2A0"/>
-              </a:solidFill>
-            </a:ln>
-          </p:spPr>
-          <p:style>
-            <a:lnRef idx="2">
-              <a:schemeClr val="accent1">
-                <a:shade val="50000"/>
-              </a:schemeClr>
-            </a:lnRef>
-            <a:fillRef idx="1">
-              <a:schemeClr val="accent1"/>
-            </a:fillRef>
-            <a:effectRef idx="0">
-              <a:schemeClr val="accent1"/>
-            </a:effectRef>
-            <a:fontRef idx="minor">
-              <a:schemeClr val="lt1"/>
-            </a:fontRef>
-          </p:style>
-          <p:txBody>
-            <a:bodyPr rtlCol="0" anchor="ctr"/>
-            <a:lstStyle/>
-            <a:p>
-              <a:endParaRPr lang="en-US" altLang="zh-CN" sz="2000" dirty="0">
-                <a:solidFill>
-                  <a:schemeClr val="tx1"/>
-                </a:solidFill>
-                <a:latin typeface="楷体" panose="02010609060101010101" pitchFamily="49" charset="-122"/>
-                <a:ea typeface="楷体" panose="02010609060101010101" pitchFamily="49" charset="-122"/>
-              </a:endParaRPr>
-            </a:p>
-          </p:txBody>
-        </p:sp>
-        <p:sp>
-          <p:nvSpPr>
-            <p:cNvPr id="13" name="矩形 12">
-              <a:extLst>
-                <a:ext uri="{FF2B5EF4-FFF2-40B4-BE49-F238E27FC236}">
-                  <a16:creationId xmlns:a16="http://schemas.microsoft.com/office/drawing/2014/main" id="{661FDE28-B2B1-4D8A-9601-4CF5B6661D38}"/>
-                </a:ext>
-              </a:extLst>
-            </p:cNvPr>
-            <p:cNvSpPr/>
-            <p:nvPr/>
-          </p:nvSpPr>
-          <p:spPr>
-            <a:xfrm>
-              <a:off x="1650608" y="670338"/>
-              <a:ext cx="3981462" cy="3195271"/>
-            </a:xfrm>
-            <a:prstGeom prst="rect">
-              <a:avLst/>
-            </a:prstGeom>
-            <a:solidFill>
-              <a:srgbClr val="B0D2A0"/>
-            </a:solidFill>
-            <a:ln>
-              <a:solidFill>
-                <a:srgbClr val="B0D2A0"/>
-              </a:solidFill>
-            </a:ln>
-          </p:spPr>
-          <p:style>
-            <a:lnRef idx="2">
-              <a:schemeClr val="accent1">
-                <a:shade val="50000"/>
-              </a:schemeClr>
-            </a:lnRef>
-            <a:fillRef idx="1">
-              <a:schemeClr val="accent1"/>
-            </a:fillRef>
-            <a:effectRef idx="0">
-              <a:schemeClr val="accent1"/>
-            </a:effectRef>
-            <a:fontRef idx="minor">
-              <a:schemeClr val="lt1"/>
-            </a:fontRef>
-          </p:style>
-          <p:txBody>
-            <a:bodyPr rtlCol="0" anchor="ctr"/>
-            <a:lstStyle/>
-            <a:p>
-              <a:pPr lvl="1"/>
-              <a:endParaRPr lang="en-US" altLang="zh-CN" sz="1400" dirty="0">
-                <a:solidFill>
-                  <a:schemeClr val="tx1"/>
-                </a:solidFill>
-                <a:latin typeface="Times New Roman" panose="02020603050405020304" pitchFamily="18" charset="0"/>
-                <a:ea typeface="楷体" panose="02010609060101010101" pitchFamily="49" charset="-122"/>
-                <a:cs typeface="Times New Roman" panose="02020603050405020304" pitchFamily="18" charset="0"/>
-              </a:endParaRPr>
-            </a:p>
-            <a:p>
-              <a:pPr lvl="2"/>
-              <a:endParaRPr lang="en-US" altLang="zh-CN" sz="1400" dirty="0">
-                <a:solidFill>
-                  <a:schemeClr val="tx1"/>
-                </a:solidFill>
-                <a:latin typeface="Times New Roman" panose="02020603050405020304" pitchFamily="18" charset="0"/>
-                <a:ea typeface="楷体" panose="02010609060101010101" pitchFamily="49" charset="-122"/>
-                <a:cs typeface="Times New Roman" panose="02020603050405020304" pitchFamily="18" charset="0"/>
-              </a:endParaRPr>
-            </a:p>
-            <a:p>
-              <a:pPr lvl="2"/>
-              <a:endParaRPr lang="en-US" altLang="zh-CN" sz="1400" dirty="0">
-                <a:solidFill>
-                  <a:schemeClr val="tx1"/>
-                </a:solidFill>
-                <a:latin typeface="Times New Roman" panose="02020603050405020304" pitchFamily="18" charset="0"/>
-                <a:ea typeface="楷体" panose="02010609060101010101" pitchFamily="49" charset="-122"/>
-                <a:cs typeface="Times New Roman" panose="02020603050405020304" pitchFamily="18" charset="0"/>
-              </a:endParaRPr>
-            </a:p>
-            <a:p>
-              <a:pPr lvl="2"/>
-              <a:endParaRPr lang="en-US" altLang="zh-CN" sz="1400" dirty="0">
-                <a:solidFill>
-                  <a:schemeClr val="tx1"/>
-                </a:solidFill>
-                <a:latin typeface="Times New Roman" panose="02020603050405020304" pitchFamily="18" charset="0"/>
-                <a:ea typeface="楷体" panose="02010609060101010101" pitchFamily="49" charset="-122"/>
-                <a:cs typeface="Times New Roman" panose="02020603050405020304" pitchFamily="18" charset="0"/>
-              </a:endParaRPr>
-            </a:p>
-            <a:p>
-              <a:pPr lvl="2"/>
-              <a:r>
-                <a:rPr lang="en-US" altLang="zh-CN" b="1" dirty="0">
-                  <a:solidFill>
-                    <a:schemeClr val="tx1"/>
-                  </a:solidFill>
-                  <a:latin typeface="Times New Roman" panose="02020603050405020304" pitchFamily="18" charset="0"/>
-                  <a:ea typeface="楷体" panose="02010609060101010101" pitchFamily="49" charset="-122"/>
-                  <a:cs typeface="Times New Roman" panose="02020603050405020304" pitchFamily="18" charset="0"/>
-                </a:rPr>
-                <a:t>Welcome to the experiment!</a:t>
-              </a:r>
-            </a:p>
-            <a:p>
-              <a:pPr lvl="2"/>
-              <a:endParaRPr lang="en-US" altLang="zh-CN" sz="1400" b="1" dirty="0">
-                <a:solidFill>
-                  <a:schemeClr val="tx1"/>
-                </a:solidFill>
-                <a:latin typeface="Times New Roman" panose="02020603050405020304" pitchFamily="18" charset="0"/>
-                <a:ea typeface="楷体" panose="02010609060101010101" pitchFamily="49" charset="-122"/>
-                <a:cs typeface="Times New Roman" panose="02020603050405020304" pitchFamily="18" charset="0"/>
-              </a:endParaRPr>
-            </a:p>
-            <a:p>
-              <a:pPr lvl="2"/>
-              <a:r>
-                <a:rPr lang="en-US" altLang="zh-CN" sz="1400" b="1" dirty="0">
-                  <a:solidFill>
-                    <a:schemeClr val="tx1"/>
-                  </a:solidFill>
-                  <a:latin typeface="Times New Roman" panose="02020603050405020304" pitchFamily="18" charset="0"/>
-                  <a:ea typeface="楷体" panose="02010609060101010101" pitchFamily="49" charset="-122"/>
-                  <a:cs typeface="Times New Roman" panose="02020603050405020304" pitchFamily="18" charset="0"/>
-                </a:rPr>
-                <a:t>You two a hungry traveler (</a:t>
-              </a:r>
-              <a:r>
-                <a:rPr lang="en-US" altLang="zh-CN" sz="1400" b="1" dirty="0">
-                  <a:solidFill>
-                    <a:srgbClr val="0070C0"/>
-                  </a:solidFill>
-                  <a:latin typeface="Times New Roman" panose="02020603050405020304" pitchFamily="18" charset="0"/>
-                  <a:ea typeface="楷体" panose="02010609060101010101" pitchFamily="49" charset="-122"/>
-                  <a:cs typeface="Times New Roman" panose="02020603050405020304" pitchFamily="18" charset="0"/>
-                </a:rPr>
-                <a:t>blue circle</a:t>
-              </a:r>
-              <a:r>
-                <a:rPr lang="en-US" altLang="zh-CN" sz="1400" b="1" dirty="0">
-                  <a:solidFill>
-                    <a:schemeClr val="tx1"/>
-                  </a:solidFill>
-                  <a:latin typeface="Times New Roman" panose="02020603050405020304" pitchFamily="18" charset="0"/>
-                  <a:ea typeface="楷体" panose="02010609060101010101" pitchFamily="49" charset="-122"/>
-                  <a:cs typeface="Times New Roman" panose="02020603050405020304" pitchFamily="18" charset="0"/>
-                </a:rPr>
-                <a:t>) who need to reach a restaurant as soon as possible to replenish your food. There are two restaurants on the map (red squares). Your goal is to maneuver the keys (up, down, left, right) to navigate and reach one of the restaurants for a meal in as few steps as possible. The blue circle is controlled by WSAD keys, and the green circle is controlled by arrow keys</a:t>
-              </a:r>
-              <a:r>
-                <a:rPr lang="zh-CN" altLang="en-US" sz="1400" b="1" dirty="0">
-                  <a:solidFill>
-                    <a:schemeClr val="tx1"/>
-                  </a:solidFill>
-                  <a:latin typeface="Times New Roman" panose="02020603050405020304" pitchFamily="18" charset="0"/>
-                  <a:ea typeface="楷体" panose="02010609060101010101" pitchFamily="49" charset="-122"/>
-                  <a:cs typeface="Times New Roman" panose="02020603050405020304" pitchFamily="18" charset="0"/>
-                </a:rPr>
-                <a:t> </a:t>
-              </a:r>
-              <a:r>
-                <a:rPr lang="en-US" altLang="zh-CN" sz="1400" b="1" dirty="0">
-                  <a:solidFill>
-                    <a:srgbClr val="00B050"/>
-                  </a:solidFill>
-                  <a:latin typeface="楷体" panose="02010609060101010101" pitchFamily="49" charset="-122"/>
-                  <a:ea typeface="楷体" panose="02010609060101010101" pitchFamily="49" charset="-122"/>
-                </a:rPr>
-                <a:t>↑↓←→</a:t>
-              </a:r>
-              <a:r>
-                <a:rPr lang="en-US" altLang="zh-CN" sz="1400" b="1" dirty="0">
-                  <a:solidFill>
-                    <a:schemeClr val="tx1"/>
-                  </a:solidFill>
-                  <a:latin typeface="Times New Roman" panose="02020603050405020304" pitchFamily="18" charset="0"/>
-                  <a:ea typeface="楷体" panose="02010609060101010101" pitchFamily="49" charset="-122"/>
-                  <a:cs typeface="Times New Roman" panose="02020603050405020304" pitchFamily="18" charset="0"/>
-                </a:rPr>
-                <a:t>.</a:t>
-              </a:r>
-            </a:p>
-            <a:p>
-              <a:pPr lvl="2"/>
-              <a:endParaRPr lang="en-US" altLang="zh-CN" sz="1400" b="1" dirty="0">
-                <a:solidFill>
-                  <a:schemeClr val="tx1"/>
-                </a:solidFill>
-                <a:latin typeface="Times New Roman" panose="02020603050405020304" pitchFamily="18" charset="0"/>
-                <a:ea typeface="楷体" panose="02010609060101010101" pitchFamily="49" charset="-122"/>
-                <a:cs typeface="Times New Roman" panose="02020603050405020304" pitchFamily="18" charset="0"/>
-              </a:endParaRPr>
-            </a:p>
-            <a:p>
-              <a:pPr lvl="2"/>
-              <a:r>
-                <a:rPr lang="en-US" altLang="zh-CN" sz="1400" b="1" dirty="0">
-                  <a:solidFill>
-                    <a:schemeClr val="tx1"/>
-                  </a:solidFill>
-                  <a:latin typeface="Times New Roman" panose="02020603050405020304" pitchFamily="18" charset="0"/>
-                  <a:ea typeface="楷体" panose="02010609060101010101" pitchFamily="49" charset="-122"/>
-                  <a:cs typeface="Times New Roman" panose="02020603050405020304" pitchFamily="18" charset="0"/>
-                </a:rPr>
-                <a:t>Please note:</a:t>
-              </a:r>
-            </a:p>
-            <a:p>
-              <a:pPr lvl="2"/>
-              <a:endParaRPr lang="en-US" altLang="zh-CN" sz="1400" b="1" dirty="0">
-                <a:solidFill>
-                  <a:schemeClr val="tx1"/>
-                </a:solidFill>
-                <a:latin typeface="Times New Roman" panose="02020603050405020304" pitchFamily="18" charset="0"/>
-                <a:ea typeface="楷体" panose="02010609060101010101" pitchFamily="49" charset="-122"/>
-                <a:cs typeface="Times New Roman" panose="02020603050405020304" pitchFamily="18" charset="0"/>
-              </a:endParaRPr>
-            </a:p>
-            <a:p>
-              <a:pPr lvl="2"/>
-              <a:r>
-                <a:rPr lang="en-US" altLang="zh-CN" sz="1400" b="1" dirty="0">
-                  <a:solidFill>
-                    <a:schemeClr val="tx1"/>
-                  </a:solidFill>
-                  <a:latin typeface="Times New Roman" panose="02020603050405020304" pitchFamily="18" charset="0"/>
-                  <a:ea typeface="楷体" panose="02010609060101010101" pitchFamily="49" charset="-122"/>
-                  <a:cs typeface="Times New Roman" panose="02020603050405020304" pitchFamily="18" charset="0"/>
-                </a:rPr>
-                <a:t>Your positions can overlap and you can reach the same restaurant. However, for each person, in each round</a:t>
-              </a:r>
-              <a:r>
-                <a:rPr lang="zh-CN" altLang="en-US" sz="1400" b="1" dirty="0">
-                  <a:solidFill>
-                    <a:schemeClr val="tx1"/>
-                  </a:solidFill>
-                  <a:latin typeface="Times New Roman" panose="02020603050405020304" pitchFamily="18" charset="0"/>
-                  <a:ea typeface="楷体" panose="02010609060101010101" pitchFamily="49" charset="-122"/>
-                  <a:cs typeface="Times New Roman" panose="02020603050405020304" pitchFamily="18" charset="0"/>
-                </a:rPr>
-                <a:t> </a:t>
-              </a:r>
-              <a:r>
-                <a:rPr lang="en-US" altLang="zh-CN" sz="1400" b="1" dirty="0">
-                  <a:solidFill>
-                    <a:schemeClr val="tx1"/>
-                  </a:solidFill>
-                  <a:latin typeface="Times New Roman" panose="02020603050405020304" pitchFamily="18" charset="0"/>
-                  <a:ea typeface="楷体" panose="02010609060101010101" pitchFamily="49" charset="-122"/>
-                  <a:cs typeface="Times New Roman" panose="02020603050405020304" pitchFamily="18" charset="0"/>
-                </a:rPr>
-                <a:t>(total</a:t>
-              </a:r>
-              <a:r>
-                <a:rPr lang="zh-CN" altLang="en-US" sz="1400" b="1" dirty="0">
-                  <a:solidFill>
-                    <a:schemeClr val="tx1"/>
-                  </a:solidFill>
-                  <a:latin typeface="Times New Roman" panose="02020603050405020304" pitchFamily="18" charset="0"/>
-                  <a:ea typeface="楷体" panose="02010609060101010101" pitchFamily="49" charset="-122"/>
-                  <a:cs typeface="Times New Roman" panose="02020603050405020304" pitchFamily="18" charset="0"/>
-                </a:rPr>
-                <a:t> </a:t>
-              </a:r>
-              <a:r>
-                <a:rPr lang="en-US" altLang="zh-CN" sz="1400" b="1" dirty="0">
-                  <a:solidFill>
-                    <a:schemeClr val="tx1"/>
-                  </a:solidFill>
-                  <a:latin typeface="Times New Roman" panose="02020603050405020304" pitchFamily="18" charset="0"/>
-                  <a:ea typeface="楷体" panose="02010609060101010101" pitchFamily="49" charset="-122"/>
-                  <a:cs typeface="Times New Roman" panose="02020603050405020304" pitchFamily="18" charset="0"/>
-                </a:rPr>
-                <a:t>10</a:t>
-              </a:r>
-              <a:r>
-                <a:rPr lang="zh-CN" altLang="en-US" sz="1400" b="1" dirty="0">
-                  <a:solidFill>
-                    <a:schemeClr val="tx1"/>
-                  </a:solidFill>
-                  <a:latin typeface="Times New Roman" panose="02020603050405020304" pitchFamily="18" charset="0"/>
-                  <a:ea typeface="楷体" panose="02010609060101010101" pitchFamily="49" charset="-122"/>
-                  <a:cs typeface="Times New Roman" panose="02020603050405020304" pitchFamily="18" charset="0"/>
-                </a:rPr>
-                <a:t> </a:t>
-              </a:r>
-              <a:r>
-                <a:rPr lang="en-US" altLang="zh-CN" sz="1400" b="1" dirty="0">
-                  <a:solidFill>
-                    <a:schemeClr val="tx1"/>
-                  </a:solidFill>
-                  <a:latin typeface="Times New Roman" panose="02020603050405020304" pitchFamily="18" charset="0"/>
-                  <a:ea typeface="楷体" panose="02010609060101010101" pitchFamily="49" charset="-122"/>
-                  <a:cs typeface="Times New Roman" panose="02020603050405020304" pitchFamily="18" charset="0"/>
-                </a:rPr>
-                <a:t>rounds) only one restaurant can be reached for dining.</a:t>
-              </a:r>
-            </a:p>
-            <a:p>
-              <a:pPr lvl="2"/>
-              <a:endParaRPr lang="en-US" altLang="zh-CN" sz="1400" b="1" dirty="0">
-                <a:solidFill>
-                  <a:schemeClr val="tx1"/>
-                </a:solidFill>
-                <a:latin typeface="Times New Roman" panose="02020603050405020304" pitchFamily="18" charset="0"/>
-                <a:ea typeface="楷体" panose="02010609060101010101" pitchFamily="49" charset="-122"/>
-                <a:cs typeface="Times New Roman" panose="02020603050405020304" pitchFamily="18" charset="0"/>
-              </a:endParaRPr>
-            </a:p>
-            <a:p>
-              <a:pPr lvl="2"/>
-              <a:endParaRPr lang="en-US" altLang="zh-CN" sz="1400" b="1" dirty="0">
-                <a:solidFill>
-                  <a:schemeClr val="tx1"/>
-                </a:solidFill>
-                <a:latin typeface="Times New Roman" panose="02020603050405020304" pitchFamily="18" charset="0"/>
-                <a:ea typeface="楷体" panose="02010609060101010101" pitchFamily="49" charset="-122"/>
-                <a:cs typeface="Times New Roman" panose="02020603050405020304" pitchFamily="18" charset="0"/>
-              </a:endParaRPr>
-            </a:p>
-            <a:p>
-              <a:endParaRPr lang="en-US" altLang="zh-CN" sz="1400" dirty="0">
-                <a:solidFill>
-                  <a:schemeClr val="tx1"/>
-                </a:solidFill>
-                <a:latin typeface="Times New Roman" panose="02020603050405020304" pitchFamily="18" charset="0"/>
-                <a:ea typeface="楷体" panose="02010609060101010101" pitchFamily="49" charset="-122"/>
-                <a:cs typeface="Times New Roman" panose="02020603050405020304" pitchFamily="18" charset="0"/>
-              </a:endParaRPr>
-            </a:p>
-          </p:txBody>
-        </p:sp>
-      </p:grpSp>
-      <p:sp>
-        <p:nvSpPr>
-          <p:cNvPr id="4" name="TextBox 3">
-            <a:extLst>
-              <a:ext uri="{FF2B5EF4-FFF2-40B4-BE49-F238E27FC236}">
-                <a16:creationId xmlns:a16="http://schemas.microsoft.com/office/drawing/2014/main" id="{9B7858F5-5204-3083-76B5-B61B0F6DC2C0}"/>
-              </a:ext>
-            </a:extLst>
-          </p:cNvPr>
-          <p:cNvSpPr txBox="1"/>
-          <p:nvPr/>
-        </p:nvSpPr>
-        <p:spPr>
-          <a:xfrm>
-            <a:off x="3532372" y="6033952"/>
-            <a:ext cx="6339842" cy="369332"/>
-          </a:xfrm>
-          <a:prstGeom prst="rect">
-            <a:avLst/>
-          </a:prstGeom>
-          <a:noFill/>
-        </p:spPr>
-        <p:txBody>
-          <a:bodyPr wrap="square">
-            <a:spAutoFit/>
-          </a:bodyPr>
-          <a:lstStyle/>
-          <a:p>
-            <a:pPr lvl="2"/>
-            <a:r>
-              <a:rPr lang="en-US" altLang="zh-CN" sz="1800" dirty="0">
-                <a:solidFill>
-                  <a:schemeClr val="tx1"/>
-                </a:solidFill>
-                <a:latin typeface="Times New Roman" panose="02020603050405020304" pitchFamily="18" charset="0"/>
-                <a:ea typeface="楷体" panose="02010609060101010101" pitchFamily="49" charset="-122"/>
-                <a:cs typeface="Times New Roman" panose="02020603050405020304" pitchFamily="18" charset="0"/>
-              </a:rPr>
-              <a:t>Press the </a:t>
-            </a:r>
-            <a:r>
-              <a:rPr lang="en-US" altLang="zh-CN" sz="1800" u="sng" dirty="0">
-                <a:solidFill>
-                  <a:schemeClr val="tx1"/>
-                </a:solidFill>
-                <a:latin typeface="Times New Roman" panose="02020603050405020304" pitchFamily="18" charset="0"/>
-                <a:ea typeface="楷体" panose="02010609060101010101" pitchFamily="49" charset="-122"/>
-                <a:cs typeface="Times New Roman" panose="02020603050405020304" pitchFamily="18" charset="0"/>
-              </a:rPr>
-              <a:t>spacebar</a:t>
-            </a:r>
-            <a:r>
-              <a:rPr lang="en-US" altLang="zh-CN" sz="1800" dirty="0">
-                <a:solidFill>
-                  <a:schemeClr val="tx1"/>
-                </a:solidFill>
-                <a:latin typeface="Times New Roman" panose="02020603050405020304" pitchFamily="18" charset="0"/>
-                <a:ea typeface="楷体" panose="02010609060101010101" pitchFamily="49" charset="-122"/>
-                <a:cs typeface="Times New Roman" panose="02020603050405020304" pitchFamily="18" charset="0"/>
-              </a:rPr>
-              <a:t> to start the experiment!</a:t>
-            </a:r>
-          </a:p>
-        </p:txBody>
-      </p:sp>
-      <p:pic>
-        <p:nvPicPr>
-          <p:cNvPr id="5" name="Picture 4">
-            <a:extLst>
-              <a:ext uri="{FF2B5EF4-FFF2-40B4-BE49-F238E27FC236}">
-                <a16:creationId xmlns:a16="http://schemas.microsoft.com/office/drawing/2014/main" id="{DE6C0BEA-E914-165B-A3AD-6797DBBB91E5}"/>
-              </a:ext>
-            </a:extLst>
-          </p:cNvPr>
-          <p:cNvPicPr>
-            <a:picLocks noChangeAspect="1"/>
-          </p:cNvPicPr>
-          <p:nvPr/>
-        </p:nvPicPr>
-        <p:blipFill>
-          <a:blip r:embed="rId3"/>
-          <a:stretch>
-            <a:fillRect/>
-          </a:stretch>
-        </p:blipFill>
-        <p:spPr>
-          <a:xfrm>
-            <a:off x="7889540" y="1427883"/>
-            <a:ext cx="1606967" cy="1614668"/>
-          </a:xfrm>
-          <a:prstGeom prst="rect">
-            <a:avLst/>
-          </a:prstGeom>
-        </p:spPr>
-      </p:pic>
-      <p:sp>
-        <p:nvSpPr>
-          <p:cNvPr id="2" name="TextBox 1">
-            <a:extLst>
-              <a:ext uri="{FF2B5EF4-FFF2-40B4-BE49-F238E27FC236}">
-                <a16:creationId xmlns:a16="http://schemas.microsoft.com/office/drawing/2014/main" id="{6DE9DD36-7D61-0AEC-875F-337A15EB637D}"/>
-              </a:ext>
-            </a:extLst>
-          </p:cNvPr>
-          <p:cNvSpPr txBox="1"/>
-          <p:nvPr/>
-        </p:nvSpPr>
-        <p:spPr>
-          <a:xfrm>
-            <a:off x="842481" y="1756881"/>
-            <a:ext cx="1617751" cy="369332"/>
-          </a:xfrm>
-          <a:prstGeom prst="rect">
-            <a:avLst/>
-          </a:prstGeom>
-          <a:noFill/>
-        </p:spPr>
-        <p:txBody>
-          <a:bodyPr wrap="none" rtlCol="0">
-            <a:spAutoFit/>
-          </a:bodyPr>
-          <a:lstStyle/>
-          <a:p>
-            <a:r>
-              <a:rPr lang="en-US" dirty="0"/>
-              <a:t>Practice round</a:t>
-            </a:r>
-          </a:p>
-        </p:txBody>
-      </p:sp>
-    </p:spTree>
-    <p:extLst>
-      <p:ext uri="{BB962C8B-B14F-4D97-AF65-F5344CB8AC3E}">
-        <p14:creationId xmlns:p14="http://schemas.microsoft.com/office/powerpoint/2010/main" val="50894363"/>
-      </p:ext>
-    </p:extLst>
-  </p:cSld>
-  <p:clrMapOvr>
-    <a:masterClrMapping/>
-  </p:clrMapOvr>
-</p:sld>
-</file>
-
-<file path=ppt/slides/slide8.xml><?xml version="1.0" encoding="utf-8"?>
-<p:sld xmlns:a="http://schemas.openxmlformats.org/drawingml/2006/main" xmlns:r="http://schemas.openxmlformats.org/officeDocument/2006/relationships" xmlns:p="http://schemas.openxmlformats.org/presentationml/2006/main">
-  <p:cSld>
-    <p:spTree>
-      <p:nvGrpSpPr>
-        <p:cNvPr id="1" name=""/>
-        <p:cNvGrpSpPr/>
-        <p:nvPr/>
-      </p:nvGrpSpPr>
-      <p:grpSpPr>
-        <a:xfrm>
-          <a:off x="0" y="0"/>
-          <a:ext cx="0" cy="0"/>
-          <a:chOff x="0" y="0"/>
-          <a:chExt cx="0" cy="0"/>
-        </a:xfrm>
-      </p:grpSpPr>
-      <p:sp>
-        <p:nvSpPr>
-          <p:cNvPr id="2" name="Title 1">
-            <a:extLst>
-              <a:ext uri="{FF2B5EF4-FFF2-40B4-BE49-F238E27FC236}">
-                <a16:creationId xmlns:a16="http://schemas.microsoft.com/office/drawing/2014/main" id="{212C0D93-B3EC-0FEB-C86C-FD32795E5F43}"/>
-              </a:ext>
-            </a:extLst>
-          </p:cNvPr>
-          <p:cNvSpPr>
-            <a:spLocks noGrp="1"/>
-          </p:cNvSpPr>
-          <p:nvPr>
-            <p:ph type="title"/>
-          </p:nvPr>
-        </p:nvSpPr>
-        <p:spPr/>
-        <p:txBody>
-          <a:bodyPr/>
-          <a:lstStyle/>
-          <a:p>
-            <a:endParaRPr lang="en-US"/>
-          </a:p>
-        </p:txBody>
-      </p:sp>
-      <p:sp>
-        <p:nvSpPr>
-          <p:cNvPr id="3" name="Content Placeholder 2">
-            <a:extLst>
-              <a:ext uri="{FF2B5EF4-FFF2-40B4-BE49-F238E27FC236}">
-                <a16:creationId xmlns:a16="http://schemas.microsoft.com/office/drawing/2014/main" id="{1A8F36EF-30E7-94F8-D684-2D38C55B6F78}"/>
-              </a:ext>
-            </a:extLst>
-          </p:cNvPr>
-          <p:cNvSpPr>
-            <a:spLocks noGrp="1"/>
-          </p:cNvSpPr>
-          <p:nvPr>
-            <p:ph idx="1"/>
-          </p:nvPr>
-        </p:nvSpPr>
-        <p:spPr/>
-        <p:txBody>
-          <a:bodyPr/>
-          <a:lstStyle/>
-          <a:p>
-            <a:endParaRPr lang="en-US"/>
-          </a:p>
-        </p:txBody>
-      </p:sp>
-    </p:spTree>
-    <p:extLst>
-      <p:ext uri="{BB962C8B-B14F-4D97-AF65-F5344CB8AC3E}">
-        <p14:creationId xmlns:p14="http://schemas.microsoft.com/office/powerpoint/2010/main" val="1436597768"/>
-      </p:ext>
-    </p:extLst>
-  </p:cSld>
-  <p:clrMapOvr>
-    <a:masterClrMapping/>
-  </p:clrMapOvr>
-</p:sld>
-</file>
-
-<file path=ppt/slides/slide9.xml><?xml version="1.0" encoding="utf-8"?>
-<p:sld xmlns:a="http://schemas.openxmlformats.org/drawingml/2006/main" xmlns:r="http://schemas.openxmlformats.org/officeDocument/2006/relationships" xmlns:p="http://schemas.openxmlformats.org/presentationml/2006/main">
-  <p:cSld>
-    <p:spTree>
-      <p:nvGrpSpPr>
-        <p:cNvPr id="1" name=""/>
-        <p:cNvGrpSpPr/>
-        <p:nvPr/>
-      </p:nvGrpSpPr>
-      <p:grpSpPr>
-        <a:xfrm>
-          <a:off x="0" y="0"/>
-          <a:ext cx="0" cy="0"/>
-          <a:chOff x="0" y="0"/>
-          <a:chExt cx="0" cy="0"/>
-        </a:xfrm>
-      </p:grpSpPr>
-      <p:grpSp>
-        <p:nvGrpSpPr>
-          <p:cNvPr id="19" name="组合 18">
-            <a:extLst>
-              <a:ext uri="{FF2B5EF4-FFF2-40B4-BE49-F238E27FC236}">
-                <a16:creationId xmlns:a16="http://schemas.microsoft.com/office/drawing/2014/main" id="{DE9C536E-1274-45A4-8808-A31579281473}"/>
-              </a:ext>
-            </a:extLst>
-          </p:cNvPr>
-          <p:cNvGrpSpPr/>
-          <p:nvPr/>
-        </p:nvGrpSpPr>
-        <p:grpSpPr>
-          <a:xfrm>
-            <a:off x="2577112" y="474381"/>
-            <a:ext cx="6339842" cy="5909238"/>
-            <a:chOff x="1650608" y="-450167"/>
-            <a:chExt cx="6339842" cy="5909238"/>
-          </a:xfrm>
-        </p:grpSpPr>
-        <p:sp>
-          <p:nvSpPr>
-            <p:cNvPr id="17" name="矩形 16">
-              <a:extLst>
-                <a:ext uri="{FF2B5EF4-FFF2-40B4-BE49-F238E27FC236}">
-                  <a16:creationId xmlns:a16="http://schemas.microsoft.com/office/drawing/2014/main" id="{08C262F2-BA1A-47F0-99F5-5E2AB168A192}"/>
-                </a:ext>
-              </a:extLst>
-            </p:cNvPr>
-            <p:cNvSpPr/>
-            <p:nvPr/>
-          </p:nvSpPr>
-          <p:spPr>
-            <a:xfrm>
-              <a:off x="1650608" y="-450167"/>
-              <a:ext cx="6339842" cy="5909238"/>
-            </a:xfrm>
-            <a:prstGeom prst="rect">
-              <a:avLst/>
-            </a:prstGeom>
-            <a:solidFill>
-              <a:srgbClr val="B0D2A0"/>
-            </a:solidFill>
-            <a:ln>
-              <a:solidFill>
-                <a:srgbClr val="B0D2A0"/>
-              </a:solidFill>
-            </a:ln>
-          </p:spPr>
-          <p:style>
-            <a:lnRef idx="2">
-              <a:schemeClr val="accent1">
-                <a:shade val="50000"/>
-              </a:schemeClr>
-            </a:lnRef>
-            <a:fillRef idx="1">
-              <a:schemeClr val="accent1"/>
-            </a:fillRef>
-            <a:effectRef idx="0">
-              <a:schemeClr val="accent1"/>
-            </a:effectRef>
-            <a:fontRef idx="minor">
-              <a:schemeClr val="lt1"/>
-            </a:fontRef>
-          </p:style>
-          <p:txBody>
-            <a:bodyPr rtlCol="0" anchor="ctr"/>
-            <a:lstStyle/>
-            <a:p>
-              <a:endParaRPr lang="en-US" altLang="zh-CN" sz="2000" dirty="0">
-                <a:solidFill>
-                  <a:schemeClr val="tx1"/>
-                </a:solidFill>
-                <a:latin typeface="楷体" panose="02010609060101010101" pitchFamily="49" charset="-122"/>
-                <a:ea typeface="楷体" panose="02010609060101010101" pitchFamily="49" charset="-122"/>
-              </a:endParaRPr>
-            </a:p>
-          </p:txBody>
-        </p:sp>
-        <p:sp>
-          <p:nvSpPr>
-            <p:cNvPr id="13" name="矩形 12">
-              <a:extLst>
-                <a:ext uri="{FF2B5EF4-FFF2-40B4-BE49-F238E27FC236}">
-                  <a16:creationId xmlns:a16="http://schemas.microsoft.com/office/drawing/2014/main" id="{661FDE28-B2B1-4D8A-9601-4CF5B6661D38}"/>
-                </a:ext>
-              </a:extLst>
-            </p:cNvPr>
-            <p:cNvSpPr/>
-            <p:nvPr/>
-          </p:nvSpPr>
-          <p:spPr>
-            <a:xfrm>
-              <a:off x="1650609" y="-450167"/>
-              <a:ext cx="6243126" cy="5909237"/>
-            </a:xfrm>
-            <a:prstGeom prst="rect">
-              <a:avLst/>
-            </a:prstGeom>
-            <a:solidFill>
-              <a:srgbClr val="B0D2A0"/>
-            </a:solidFill>
-            <a:ln>
-              <a:solidFill>
-                <a:srgbClr val="B0D2A0"/>
-              </a:solidFill>
-            </a:ln>
-          </p:spPr>
-          <p:style>
-            <a:lnRef idx="2">
-              <a:schemeClr val="accent1">
-                <a:shade val="50000"/>
-              </a:schemeClr>
-            </a:lnRef>
-            <a:fillRef idx="1">
-              <a:schemeClr val="accent1"/>
-            </a:fillRef>
-            <a:effectRef idx="0">
-              <a:schemeClr val="accent1"/>
-            </a:effectRef>
-            <a:fontRef idx="minor">
-              <a:schemeClr val="lt1"/>
-            </a:fontRef>
-          </p:style>
-          <p:txBody>
-            <a:bodyPr rtlCol="0" anchor="ctr"/>
-            <a:lstStyle/>
-            <a:p>
-              <a:br>
-                <a:rPr lang="en-US" dirty="0"/>
-              </a:br>
-              <a:endParaRPr lang="en-US" altLang="zh-CN" sz="2800" dirty="0">
-                <a:solidFill>
-                  <a:schemeClr val="tx1"/>
-                </a:solidFill>
-                <a:latin typeface="Times New Roman" panose="02020603050405020304" pitchFamily="18" charset="0"/>
-                <a:ea typeface="楷体" panose="02010609060101010101" pitchFamily="49" charset="-122"/>
-                <a:cs typeface="Times New Roman" panose="02020603050405020304" pitchFamily="18" charset="0"/>
-              </a:endParaRPr>
-            </a:p>
-          </p:txBody>
-        </p:sp>
-      </p:grpSp>
-    </p:spTree>
-    <p:extLst>
-      <p:ext uri="{BB962C8B-B14F-4D97-AF65-F5344CB8AC3E}">
-        <p14:creationId xmlns:p14="http://schemas.microsoft.com/office/powerpoint/2010/main" val="3908294782"/>
       </p:ext>
     </p:extLst>
   </p:cSld>
